--- a/企画名.pptx
+++ b/企画名.pptx
@@ -12,21 +12,17 @@
     <p:sldId id="260" r:id="rId10"/>
     <p:sldId id="261" r:id="rId11"/>
     <p:sldId id="262" r:id="rId12"/>
-    <p:sldId id="263" r:id="rId13"/>
-    <p:sldId id="264" r:id="rId14"/>
-    <p:sldId id="265" r:id="rId15"/>
-    <p:sldId id="266" r:id="rId16"/>
   </p:sldIdLst>
   <p:sldSz cx="18288000" cy="10287000"/>
   <p:notesSz cx="6858000" cy="9144000"/>
   <p:embeddedFontLst>
     <p:embeddedFont>
       <p:font typeface="Sniglet" charset="1" panose="04070505030100020000"/>
-      <p:regular r:id="rId17"/>
+      <p:regular r:id="rId13"/>
     </p:embeddedFont>
     <p:embeddedFont>
       <p:font typeface="Coiny" charset="1" panose="02000903060500060000"/>
-      <p:regular r:id="rId18"/>
+      <p:regular r:id="rId14"/>
     </p:embeddedFont>
   </p:embeddedFontLst>
   <p:defaultTextStyle>
@@ -4255,7 +4251,7 @@
                 <a:cs typeface="Coiny"/>
                 <a:sym typeface="Coiny"/>
               </a:rPr>
-              <a:t>企画名</a:t>
+              <a:t>クイズ</a:t>
             </a:r>
           </a:p>
         </p:txBody>
@@ -4265,2409 +4261,6 @@
   <p:clrMapOvr>
     <a:masterClrMapping/>
   </p:clrMapOvr>
-</p:sld>
-</file>
-
-<file path=ppt/slides/slide10.xml><?xml version="1.0" encoding="utf-8"?>
-<p:sld xmlns:p="http://schemas.openxmlformats.org/presentationml/2006/main" xmlns:a="http://schemas.openxmlformats.org/drawingml/2006/main" xmlns:r="http://schemas.openxmlformats.org/officeDocument/2006/relationships">
-  <p:cSld>
-    <p:bg>
-      <p:bgPr>
-        <a:solidFill>
-          <a:srgbClr val="FBF1E5"/>
-        </a:solidFill>
-      </p:bgPr>
-    </p:bg>
-    <p:spTree>
-      <p:nvGrpSpPr>
-        <p:cNvPr id="1" name=""/>
-        <p:cNvGrpSpPr/>
-        <p:nvPr/>
-      </p:nvGrpSpPr>
-      <p:grpSpPr>
-        <a:xfrm>
-          <a:off x="0" y="0"/>
-          <a:ext cx="0" cy="0"/>
-          <a:chOff x="0" y="0"/>
-          <a:chExt cx="0" cy="0"/>
-        </a:xfrm>
-      </p:grpSpPr>
-      <p:sp>
-        <p:nvSpPr>
-          <p:cNvPr name="Freeform 2" id="2"/>
-          <p:cNvSpPr/>
-          <p:nvPr/>
-        </p:nvSpPr>
-        <p:spPr>
-          <a:xfrm flipH="false" flipV="false" rot="0">
-            <a:off x="-254797" y="199067"/>
-            <a:ext cx="7315200" cy="3126348"/>
-          </a:xfrm>
-          <a:custGeom>
-            <a:avLst/>
-            <a:gdLst/>
-            <a:ahLst/>
-            <a:cxnLst/>
-            <a:rect r="r" b="b" t="t" l="l"/>
-            <a:pathLst>
-              <a:path h="3126348" w="7315200">
-                <a:moveTo>
-                  <a:pt x="0" y="0"/>
-                </a:moveTo>
-                <a:lnTo>
-                  <a:pt x="7315200" y="0"/>
-                </a:lnTo>
-                <a:lnTo>
-                  <a:pt x="7315200" y="3126348"/>
-                </a:lnTo>
-                <a:lnTo>
-                  <a:pt x="0" y="3126348"/>
-                </a:lnTo>
-                <a:lnTo>
-                  <a:pt x="0" y="0"/>
-                </a:lnTo>
-                <a:close/>
-              </a:path>
-            </a:pathLst>
-          </a:custGeom>
-          <a:blipFill>
-            <a:blip r:embed="rId2">
-              <a:extLst>
-                <a:ext uri="{96DAC541-7B7A-43D3-8B79-37D633B846F1}">
-                  <asvg:svgBlip xmlns:asvg="http://schemas.microsoft.com/office/drawing/2016/SVG/main" r:embed="rId3"/>
-                </a:ext>
-              </a:extLst>
-            </a:blip>
-            <a:stretch>
-              <a:fillRect l="0" t="0" r="0" b="0"/>
-            </a:stretch>
-          </a:blipFill>
-        </p:spPr>
-      </p:sp>
-      <p:sp>
-        <p:nvSpPr>
-          <p:cNvPr name="Freeform 3" id="3"/>
-          <p:cNvSpPr/>
-          <p:nvPr/>
-        </p:nvSpPr>
-        <p:spPr>
-          <a:xfrm flipH="false" flipV="false" rot="-1465322">
-            <a:off x="14479833" y="5545946"/>
-            <a:ext cx="2201877" cy="1178922"/>
-          </a:xfrm>
-          <a:custGeom>
-            <a:avLst/>
-            <a:gdLst/>
-            <a:ahLst/>
-            <a:cxnLst/>
-            <a:rect r="r" b="b" t="t" l="l"/>
-            <a:pathLst>
-              <a:path h="1178922" w="2201877">
-                <a:moveTo>
-                  <a:pt x="0" y="0"/>
-                </a:moveTo>
-                <a:lnTo>
-                  <a:pt x="2201878" y="0"/>
-                </a:lnTo>
-                <a:lnTo>
-                  <a:pt x="2201878" y="1178922"/>
-                </a:lnTo>
-                <a:lnTo>
-                  <a:pt x="0" y="1178922"/>
-                </a:lnTo>
-                <a:lnTo>
-                  <a:pt x="0" y="0"/>
-                </a:lnTo>
-                <a:close/>
-              </a:path>
-            </a:pathLst>
-          </a:custGeom>
-          <a:blipFill>
-            <a:blip r:embed="rId4">
-              <a:extLst>
-                <a:ext uri="{96DAC541-7B7A-43D3-8B79-37D633B846F1}">
-                  <asvg:svgBlip xmlns:asvg="http://schemas.microsoft.com/office/drawing/2016/SVG/main" r:embed="rId5"/>
-                </a:ext>
-              </a:extLst>
-            </a:blip>
-            <a:stretch>
-              <a:fillRect l="0" t="0" r="0" b="0"/>
-            </a:stretch>
-          </a:blipFill>
-        </p:spPr>
-      </p:sp>
-      <p:sp>
-        <p:nvSpPr>
-          <p:cNvPr name="Freeform 4" id="4"/>
-          <p:cNvSpPr/>
-          <p:nvPr/>
-        </p:nvSpPr>
-        <p:spPr>
-          <a:xfrm flipH="false" flipV="false" rot="668146">
-            <a:off x="12515647" y="-356525"/>
-            <a:ext cx="5423439" cy="2903800"/>
-          </a:xfrm>
-          <a:custGeom>
-            <a:avLst/>
-            <a:gdLst/>
-            <a:ahLst/>
-            <a:cxnLst/>
-            <a:rect r="r" b="b" t="t" l="l"/>
-            <a:pathLst>
-              <a:path h="2903800" w="5423439">
-                <a:moveTo>
-                  <a:pt x="0" y="0"/>
-                </a:moveTo>
-                <a:lnTo>
-                  <a:pt x="5423439" y="0"/>
-                </a:lnTo>
-                <a:lnTo>
-                  <a:pt x="5423439" y="2903800"/>
-                </a:lnTo>
-                <a:lnTo>
-                  <a:pt x="0" y="2903800"/>
-                </a:lnTo>
-                <a:lnTo>
-                  <a:pt x="0" y="0"/>
-                </a:lnTo>
-                <a:close/>
-              </a:path>
-            </a:pathLst>
-          </a:custGeom>
-          <a:blipFill>
-            <a:blip r:embed="rId4">
-              <a:extLst>
-                <a:ext uri="{96DAC541-7B7A-43D3-8B79-37D633B846F1}">
-                  <asvg:svgBlip xmlns:asvg="http://schemas.microsoft.com/office/drawing/2016/SVG/main" r:embed="rId5"/>
-                </a:ext>
-              </a:extLst>
-            </a:blip>
-            <a:stretch>
-              <a:fillRect l="0" t="0" r="0" b="0"/>
-            </a:stretch>
-          </a:blipFill>
-        </p:spPr>
-      </p:sp>
-      <p:sp>
-        <p:nvSpPr>
-          <p:cNvPr name="Freeform 5" id="5"/>
-          <p:cNvSpPr/>
-          <p:nvPr/>
-        </p:nvSpPr>
-        <p:spPr>
-          <a:xfrm flipH="false" flipV="false" rot="0">
-            <a:off x="-1159457" y="6061157"/>
-            <a:ext cx="5608180" cy="4445757"/>
-          </a:xfrm>
-          <a:custGeom>
-            <a:avLst/>
-            <a:gdLst/>
-            <a:ahLst/>
-            <a:cxnLst/>
-            <a:rect r="r" b="b" t="t" l="l"/>
-            <a:pathLst>
-              <a:path h="4445757" w="5608180">
-                <a:moveTo>
-                  <a:pt x="0" y="0"/>
-                </a:moveTo>
-                <a:lnTo>
-                  <a:pt x="5608180" y="0"/>
-                </a:lnTo>
-                <a:lnTo>
-                  <a:pt x="5608180" y="4445757"/>
-                </a:lnTo>
-                <a:lnTo>
-                  <a:pt x="0" y="4445757"/>
-                </a:lnTo>
-                <a:lnTo>
-                  <a:pt x="0" y="0"/>
-                </a:lnTo>
-                <a:close/>
-              </a:path>
-            </a:pathLst>
-          </a:custGeom>
-          <a:blipFill>
-            <a:blip r:embed="rId6">
-              <a:extLst>
-                <a:ext uri="{96DAC541-7B7A-43D3-8B79-37D633B846F1}">
-                  <asvg:svgBlip xmlns:asvg="http://schemas.microsoft.com/office/drawing/2016/SVG/main" r:embed="rId7"/>
-                </a:ext>
-              </a:extLst>
-            </a:blip>
-            <a:stretch>
-              <a:fillRect l="0" t="0" r="0" b="0"/>
-            </a:stretch>
-          </a:blipFill>
-        </p:spPr>
-      </p:sp>
-      <p:sp>
-        <p:nvSpPr>
-          <p:cNvPr name="Freeform 6" id="6"/>
-          <p:cNvSpPr/>
-          <p:nvPr/>
-        </p:nvSpPr>
-        <p:spPr>
-          <a:xfrm flipH="false" flipV="false" rot="0">
-            <a:off x="84877" y="7474553"/>
-            <a:ext cx="1151139" cy="1151139"/>
-          </a:xfrm>
-          <a:custGeom>
-            <a:avLst/>
-            <a:gdLst/>
-            <a:ahLst/>
-            <a:cxnLst/>
-            <a:rect r="r" b="b" t="t" l="l"/>
-            <a:pathLst>
-              <a:path h="1151139" w="1151139">
-                <a:moveTo>
-                  <a:pt x="0" y="0"/>
-                </a:moveTo>
-                <a:lnTo>
-                  <a:pt x="1151139" y="0"/>
-                </a:lnTo>
-                <a:lnTo>
-                  <a:pt x="1151139" y="1151138"/>
-                </a:lnTo>
-                <a:lnTo>
-                  <a:pt x="0" y="1151138"/>
-                </a:lnTo>
-                <a:lnTo>
-                  <a:pt x="0" y="0"/>
-                </a:lnTo>
-                <a:close/>
-              </a:path>
-            </a:pathLst>
-          </a:custGeom>
-          <a:blipFill>
-            <a:blip r:embed="rId8">
-              <a:extLst>
-                <a:ext uri="{96DAC541-7B7A-43D3-8B79-37D633B846F1}">
-                  <asvg:svgBlip xmlns:asvg="http://schemas.microsoft.com/office/drawing/2016/SVG/main" r:embed="rId9"/>
-                </a:ext>
-              </a:extLst>
-            </a:blip>
-            <a:stretch>
-              <a:fillRect l="0" t="0" r="0" b="0"/>
-            </a:stretch>
-          </a:blipFill>
-        </p:spPr>
-      </p:sp>
-      <p:sp>
-        <p:nvSpPr>
-          <p:cNvPr name="Freeform 7" id="7"/>
-          <p:cNvSpPr/>
-          <p:nvPr/>
-        </p:nvSpPr>
-        <p:spPr>
-          <a:xfrm flipH="false" flipV="false" rot="0">
-            <a:off x="2271497" y="7474553"/>
-            <a:ext cx="1151139" cy="1151139"/>
-          </a:xfrm>
-          <a:custGeom>
-            <a:avLst/>
-            <a:gdLst/>
-            <a:ahLst/>
-            <a:cxnLst/>
-            <a:rect r="r" b="b" t="t" l="l"/>
-            <a:pathLst>
-              <a:path h="1151139" w="1151139">
-                <a:moveTo>
-                  <a:pt x="0" y="0"/>
-                </a:moveTo>
-                <a:lnTo>
-                  <a:pt x="1151138" y="0"/>
-                </a:lnTo>
-                <a:lnTo>
-                  <a:pt x="1151138" y="1151138"/>
-                </a:lnTo>
-                <a:lnTo>
-                  <a:pt x="0" y="1151138"/>
-                </a:lnTo>
-                <a:lnTo>
-                  <a:pt x="0" y="0"/>
-                </a:lnTo>
-                <a:close/>
-              </a:path>
-            </a:pathLst>
-          </a:custGeom>
-          <a:blipFill>
-            <a:blip r:embed="rId10">
-              <a:extLst>
-                <a:ext uri="{96DAC541-7B7A-43D3-8B79-37D633B846F1}">
-                  <asvg:svgBlip xmlns:asvg="http://schemas.microsoft.com/office/drawing/2016/SVG/main" r:embed="rId11"/>
-                </a:ext>
-              </a:extLst>
-            </a:blip>
-            <a:stretch>
-              <a:fillRect l="0" t="0" r="0" b="0"/>
-            </a:stretch>
-          </a:blipFill>
-        </p:spPr>
-      </p:sp>
-      <p:sp>
-        <p:nvSpPr>
-          <p:cNvPr name="Freeform 8" id="8"/>
-          <p:cNvSpPr/>
-          <p:nvPr/>
-        </p:nvSpPr>
-        <p:spPr>
-          <a:xfrm flipH="false" flipV="false" rot="0">
-            <a:off x="3221420" y="6061157"/>
-            <a:ext cx="6082503" cy="4445757"/>
-          </a:xfrm>
-          <a:custGeom>
-            <a:avLst/>
-            <a:gdLst/>
-            <a:ahLst/>
-            <a:cxnLst/>
-            <a:rect r="r" b="b" t="t" l="l"/>
-            <a:pathLst>
-              <a:path h="4445757" w="6082503">
-                <a:moveTo>
-                  <a:pt x="0" y="0"/>
-                </a:moveTo>
-                <a:lnTo>
-                  <a:pt x="6082504" y="0"/>
-                </a:lnTo>
-                <a:lnTo>
-                  <a:pt x="6082504" y="4445757"/>
-                </a:lnTo>
-                <a:lnTo>
-                  <a:pt x="0" y="4445757"/>
-                </a:lnTo>
-                <a:lnTo>
-                  <a:pt x="0" y="0"/>
-                </a:lnTo>
-                <a:close/>
-              </a:path>
-            </a:pathLst>
-          </a:custGeom>
-          <a:blipFill>
-            <a:blip r:embed="rId12">
-              <a:extLst>
-                <a:ext uri="{96DAC541-7B7A-43D3-8B79-37D633B846F1}">
-                  <asvg:svgBlip xmlns:asvg="http://schemas.microsoft.com/office/drawing/2016/SVG/main" r:embed="rId13"/>
-                </a:ext>
-              </a:extLst>
-            </a:blip>
-            <a:stretch>
-              <a:fillRect l="0" t="0" r="0" b="0"/>
-            </a:stretch>
-          </a:blipFill>
-        </p:spPr>
-      </p:sp>
-      <p:sp>
-        <p:nvSpPr>
-          <p:cNvPr name="Freeform 9" id="9"/>
-          <p:cNvSpPr/>
-          <p:nvPr/>
-        </p:nvSpPr>
-        <p:spPr>
-          <a:xfrm flipH="false" flipV="false" rot="0">
-            <a:off x="4783011" y="7130171"/>
-            <a:ext cx="1153865" cy="1153865"/>
-          </a:xfrm>
-          <a:custGeom>
-            <a:avLst/>
-            <a:gdLst/>
-            <a:ahLst/>
-            <a:cxnLst/>
-            <a:rect r="r" b="b" t="t" l="l"/>
-            <a:pathLst>
-              <a:path h="1153865" w="1153865">
-                <a:moveTo>
-                  <a:pt x="0" y="0"/>
-                </a:moveTo>
-                <a:lnTo>
-                  <a:pt x="1153865" y="0"/>
-                </a:lnTo>
-                <a:lnTo>
-                  <a:pt x="1153865" y="1153864"/>
-                </a:lnTo>
-                <a:lnTo>
-                  <a:pt x="0" y="1153864"/>
-                </a:lnTo>
-                <a:lnTo>
-                  <a:pt x="0" y="0"/>
-                </a:lnTo>
-                <a:close/>
-              </a:path>
-            </a:pathLst>
-          </a:custGeom>
-          <a:blipFill>
-            <a:blip r:embed="rId8">
-              <a:extLst>
-                <a:ext uri="{96DAC541-7B7A-43D3-8B79-37D633B846F1}">
-                  <asvg:svgBlip xmlns:asvg="http://schemas.microsoft.com/office/drawing/2016/SVG/main" r:embed="rId9"/>
-                </a:ext>
-              </a:extLst>
-            </a:blip>
-            <a:stretch>
-              <a:fillRect l="0" t="0" r="0" b="0"/>
-            </a:stretch>
-          </a:blipFill>
-        </p:spPr>
-      </p:sp>
-      <p:sp>
-        <p:nvSpPr>
-          <p:cNvPr name="Freeform 10" id="10"/>
-          <p:cNvSpPr/>
-          <p:nvPr/>
-        </p:nvSpPr>
-        <p:spPr>
-          <a:xfrm flipH="false" flipV="false" rot="0">
-            <a:off x="6885126" y="7130171"/>
-            <a:ext cx="1153865" cy="1153865"/>
-          </a:xfrm>
-          <a:custGeom>
-            <a:avLst/>
-            <a:gdLst/>
-            <a:ahLst/>
-            <a:cxnLst/>
-            <a:rect r="r" b="b" t="t" l="l"/>
-            <a:pathLst>
-              <a:path h="1153865" w="1153865">
-                <a:moveTo>
-                  <a:pt x="0" y="0"/>
-                </a:moveTo>
-                <a:lnTo>
-                  <a:pt x="1153865" y="0"/>
-                </a:lnTo>
-                <a:lnTo>
-                  <a:pt x="1153865" y="1153864"/>
-                </a:lnTo>
-                <a:lnTo>
-                  <a:pt x="0" y="1153864"/>
-                </a:lnTo>
-                <a:lnTo>
-                  <a:pt x="0" y="0"/>
-                </a:lnTo>
-                <a:close/>
-              </a:path>
-            </a:pathLst>
-          </a:custGeom>
-          <a:blipFill>
-            <a:blip r:embed="rId10">
-              <a:extLst>
-                <a:ext uri="{96DAC541-7B7A-43D3-8B79-37D633B846F1}">
-                  <asvg:svgBlip xmlns:asvg="http://schemas.microsoft.com/office/drawing/2016/SVG/main" r:embed="rId11"/>
-                </a:ext>
-              </a:extLst>
-            </a:blip>
-            <a:stretch>
-              <a:fillRect l="0" t="0" r="0" b="0"/>
-            </a:stretch>
-          </a:blipFill>
-        </p:spPr>
-      </p:sp>
-      <p:sp>
-        <p:nvSpPr>
-          <p:cNvPr name="Freeform 11" id="11"/>
-          <p:cNvSpPr/>
-          <p:nvPr/>
-        </p:nvSpPr>
-        <p:spPr>
-          <a:xfrm flipH="false" flipV="false" rot="0">
-            <a:off x="8314812" y="6061157"/>
-            <a:ext cx="5154204" cy="4170220"/>
-          </a:xfrm>
-          <a:custGeom>
-            <a:avLst/>
-            <a:gdLst/>
-            <a:ahLst/>
-            <a:cxnLst/>
-            <a:rect r="r" b="b" t="t" l="l"/>
-            <a:pathLst>
-              <a:path h="4170220" w="5154204">
-                <a:moveTo>
-                  <a:pt x="0" y="0"/>
-                </a:moveTo>
-                <a:lnTo>
-                  <a:pt x="5154204" y="0"/>
-                </a:lnTo>
-                <a:lnTo>
-                  <a:pt x="5154204" y="4170220"/>
-                </a:lnTo>
-                <a:lnTo>
-                  <a:pt x="0" y="4170220"/>
-                </a:lnTo>
-                <a:lnTo>
-                  <a:pt x="0" y="0"/>
-                </a:lnTo>
-                <a:close/>
-              </a:path>
-            </a:pathLst>
-          </a:custGeom>
-          <a:blipFill>
-            <a:blip r:embed="rId14">
-              <a:extLst>
-                <a:ext uri="{96DAC541-7B7A-43D3-8B79-37D633B846F1}">
-                  <asvg:svgBlip xmlns:asvg="http://schemas.microsoft.com/office/drawing/2016/SVG/main" r:embed="rId15"/>
-                </a:ext>
-              </a:extLst>
-            </a:blip>
-            <a:stretch>
-              <a:fillRect l="0" t="0" r="0" b="0"/>
-            </a:stretch>
-          </a:blipFill>
-        </p:spPr>
-      </p:sp>
-      <p:sp>
-        <p:nvSpPr>
-          <p:cNvPr name="Freeform 12" id="12"/>
-          <p:cNvSpPr/>
-          <p:nvPr/>
-        </p:nvSpPr>
-        <p:spPr>
-          <a:xfrm flipH="false" flipV="false" rot="0">
-            <a:off x="9309212" y="7472709"/>
-            <a:ext cx="1086250" cy="1086250"/>
-          </a:xfrm>
-          <a:custGeom>
-            <a:avLst/>
-            <a:gdLst/>
-            <a:ahLst/>
-            <a:cxnLst/>
-            <a:rect r="r" b="b" t="t" l="l"/>
-            <a:pathLst>
-              <a:path h="1086250" w="1086250">
-                <a:moveTo>
-                  <a:pt x="0" y="0"/>
-                </a:moveTo>
-                <a:lnTo>
-                  <a:pt x="1086250" y="0"/>
-                </a:lnTo>
-                <a:lnTo>
-                  <a:pt x="1086250" y="1086251"/>
-                </a:lnTo>
-                <a:lnTo>
-                  <a:pt x="0" y="1086251"/>
-                </a:lnTo>
-                <a:lnTo>
-                  <a:pt x="0" y="0"/>
-                </a:lnTo>
-                <a:close/>
-              </a:path>
-            </a:pathLst>
-          </a:custGeom>
-          <a:blipFill>
-            <a:blip r:embed="rId8">
-              <a:extLst>
-                <a:ext uri="{96DAC541-7B7A-43D3-8B79-37D633B846F1}">
-                  <asvg:svgBlip xmlns:asvg="http://schemas.microsoft.com/office/drawing/2016/SVG/main" r:embed="rId9"/>
-                </a:ext>
-              </a:extLst>
-            </a:blip>
-            <a:stretch>
-              <a:fillRect l="0" t="0" r="0" b="0"/>
-            </a:stretch>
-          </a:blipFill>
-        </p:spPr>
-      </p:sp>
-      <p:sp>
-        <p:nvSpPr>
-          <p:cNvPr name="Freeform 13" id="13"/>
-          <p:cNvSpPr/>
-          <p:nvPr/>
-        </p:nvSpPr>
-        <p:spPr>
-          <a:xfrm flipH="false" flipV="false" rot="0">
-            <a:off x="11282759" y="7816711"/>
-            <a:ext cx="1086250" cy="1086250"/>
-          </a:xfrm>
-          <a:custGeom>
-            <a:avLst/>
-            <a:gdLst/>
-            <a:ahLst/>
-            <a:cxnLst/>
-            <a:rect r="r" b="b" t="t" l="l"/>
-            <a:pathLst>
-              <a:path h="1086250" w="1086250">
-                <a:moveTo>
-                  <a:pt x="0" y="0"/>
-                </a:moveTo>
-                <a:lnTo>
-                  <a:pt x="1086250" y="0"/>
-                </a:lnTo>
-                <a:lnTo>
-                  <a:pt x="1086250" y="1086251"/>
-                </a:lnTo>
-                <a:lnTo>
-                  <a:pt x="0" y="1086251"/>
-                </a:lnTo>
-                <a:lnTo>
-                  <a:pt x="0" y="0"/>
-                </a:lnTo>
-                <a:close/>
-              </a:path>
-            </a:pathLst>
-          </a:custGeom>
-          <a:blipFill>
-            <a:blip r:embed="rId10">
-              <a:extLst>
-                <a:ext uri="{96DAC541-7B7A-43D3-8B79-37D633B846F1}">
-                  <asvg:svgBlip xmlns:asvg="http://schemas.microsoft.com/office/drawing/2016/SVG/main" r:embed="rId11"/>
-                </a:ext>
-              </a:extLst>
-            </a:blip>
-            <a:stretch>
-              <a:fillRect l="0" t="0" r="0" b="0"/>
-            </a:stretch>
-          </a:blipFill>
-        </p:spPr>
-      </p:sp>
-      <p:sp>
-        <p:nvSpPr>
-          <p:cNvPr name="Freeform 14" id="14"/>
-          <p:cNvSpPr/>
-          <p:nvPr/>
-        </p:nvSpPr>
-        <p:spPr>
-          <a:xfrm flipH="false" flipV="false" rot="0">
-            <a:off x="11662142" y="8284035"/>
-            <a:ext cx="2625243" cy="2214750"/>
-          </a:xfrm>
-          <a:custGeom>
-            <a:avLst/>
-            <a:gdLst/>
-            <a:ahLst/>
-            <a:cxnLst/>
-            <a:rect r="r" b="b" t="t" l="l"/>
-            <a:pathLst>
-              <a:path h="2214750" w="2625243">
-                <a:moveTo>
-                  <a:pt x="0" y="0"/>
-                </a:moveTo>
-                <a:lnTo>
-                  <a:pt x="2625243" y="0"/>
-                </a:lnTo>
-                <a:lnTo>
-                  <a:pt x="2625243" y="2214751"/>
-                </a:lnTo>
-                <a:lnTo>
-                  <a:pt x="0" y="2214751"/>
-                </a:lnTo>
-                <a:lnTo>
-                  <a:pt x="0" y="0"/>
-                </a:lnTo>
-                <a:close/>
-              </a:path>
-            </a:pathLst>
-          </a:custGeom>
-          <a:blipFill>
-            <a:blip r:embed="rId16">
-              <a:extLst>
-                <a:ext uri="{96DAC541-7B7A-43D3-8B79-37D633B846F1}">
-                  <asvg:svgBlip xmlns:asvg="http://schemas.microsoft.com/office/drawing/2016/SVG/main" r:embed="rId17"/>
-                </a:ext>
-              </a:extLst>
-            </a:blip>
-            <a:stretch>
-              <a:fillRect l="0" t="0" r="0" b="0"/>
-            </a:stretch>
-          </a:blipFill>
-        </p:spPr>
-      </p:sp>
-      <p:sp>
-        <p:nvSpPr>
-          <p:cNvPr name="Freeform 15" id="15"/>
-          <p:cNvSpPr/>
-          <p:nvPr/>
-        </p:nvSpPr>
-        <p:spPr>
-          <a:xfrm flipH="false" flipV="false" rot="-6258949">
-            <a:off x="12223760" y="9000438"/>
-            <a:ext cx="438411" cy="685017"/>
-          </a:xfrm>
-          <a:custGeom>
-            <a:avLst/>
-            <a:gdLst/>
-            <a:ahLst/>
-            <a:cxnLst/>
-            <a:rect r="r" b="b" t="t" l="l"/>
-            <a:pathLst>
-              <a:path h="685017" w="438411">
-                <a:moveTo>
-                  <a:pt x="0" y="0"/>
-                </a:moveTo>
-                <a:lnTo>
-                  <a:pt x="438411" y="0"/>
-                </a:lnTo>
-                <a:lnTo>
-                  <a:pt x="438411" y="685017"/>
-                </a:lnTo>
-                <a:lnTo>
-                  <a:pt x="0" y="685017"/>
-                </a:lnTo>
-                <a:lnTo>
-                  <a:pt x="0" y="0"/>
-                </a:lnTo>
-                <a:close/>
-              </a:path>
-            </a:pathLst>
-          </a:custGeom>
-          <a:blipFill>
-            <a:blip r:embed="rId18">
-              <a:extLst>
-                <a:ext uri="{96DAC541-7B7A-43D3-8B79-37D633B846F1}">
-                  <asvg:svgBlip xmlns:asvg="http://schemas.microsoft.com/office/drawing/2016/SVG/main" r:embed="rId19"/>
-                </a:ext>
-              </a:extLst>
-            </a:blip>
-            <a:stretch>
-              <a:fillRect l="0" t="0" r="0" b="0"/>
-            </a:stretch>
-          </a:blipFill>
-        </p:spPr>
-      </p:sp>
-      <p:sp>
-        <p:nvSpPr>
-          <p:cNvPr name="Freeform 16" id="16"/>
-          <p:cNvSpPr/>
-          <p:nvPr/>
-        </p:nvSpPr>
-        <p:spPr>
-          <a:xfrm flipH="false" flipV="false" rot="-6529594">
-            <a:off x="13228798" y="8994615"/>
-            <a:ext cx="338654" cy="529146"/>
-          </a:xfrm>
-          <a:custGeom>
-            <a:avLst/>
-            <a:gdLst/>
-            <a:ahLst/>
-            <a:cxnLst/>
-            <a:rect r="r" b="b" t="t" l="l"/>
-            <a:pathLst>
-              <a:path h="529146" w="338654">
-                <a:moveTo>
-                  <a:pt x="0" y="0"/>
-                </a:moveTo>
-                <a:lnTo>
-                  <a:pt x="338653" y="0"/>
-                </a:lnTo>
-                <a:lnTo>
-                  <a:pt x="338653" y="529146"/>
-                </a:lnTo>
-                <a:lnTo>
-                  <a:pt x="0" y="529146"/>
-                </a:lnTo>
-                <a:lnTo>
-                  <a:pt x="0" y="0"/>
-                </a:lnTo>
-                <a:close/>
-              </a:path>
-            </a:pathLst>
-          </a:custGeom>
-          <a:blipFill>
-            <a:blip r:embed="rId20">
-              <a:extLst>
-                <a:ext uri="{96DAC541-7B7A-43D3-8B79-37D633B846F1}">
-                  <asvg:svgBlip xmlns:asvg="http://schemas.microsoft.com/office/drawing/2016/SVG/main" r:embed="rId21"/>
-                </a:ext>
-              </a:extLst>
-            </a:blip>
-            <a:stretch>
-              <a:fillRect l="0" t="0" r="0" b="0"/>
-            </a:stretch>
-          </a:blipFill>
-        </p:spPr>
-      </p:sp>
-      <p:sp>
-        <p:nvSpPr>
-          <p:cNvPr name="Freeform 17" id="17"/>
-          <p:cNvSpPr/>
-          <p:nvPr/>
-        </p:nvSpPr>
-        <p:spPr>
-          <a:xfrm flipH="false" flipV="false" rot="0">
-            <a:off x="13635249" y="8480403"/>
-            <a:ext cx="2477926" cy="2018383"/>
-          </a:xfrm>
-          <a:custGeom>
-            <a:avLst/>
-            <a:gdLst/>
-            <a:ahLst/>
-            <a:cxnLst/>
-            <a:rect r="r" b="b" t="t" l="l"/>
-            <a:pathLst>
-              <a:path h="2018383" w="2477926">
-                <a:moveTo>
-                  <a:pt x="0" y="0"/>
-                </a:moveTo>
-                <a:lnTo>
-                  <a:pt x="2477925" y="0"/>
-                </a:lnTo>
-                <a:lnTo>
-                  <a:pt x="2477925" y="2018383"/>
-                </a:lnTo>
-                <a:lnTo>
-                  <a:pt x="0" y="2018383"/>
-                </a:lnTo>
-                <a:lnTo>
-                  <a:pt x="0" y="0"/>
-                </a:lnTo>
-                <a:close/>
-              </a:path>
-            </a:pathLst>
-          </a:custGeom>
-          <a:blipFill>
-            <a:blip r:embed="rId22">
-              <a:extLst>
-                <a:ext uri="{96DAC541-7B7A-43D3-8B79-37D633B846F1}">
-                  <asvg:svgBlip xmlns:asvg="http://schemas.microsoft.com/office/drawing/2016/SVG/main" r:embed="rId23"/>
-                </a:ext>
-              </a:extLst>
-            </a:blip>
-            <a:stretch>
-              <a:fillRect l="0" t="0" r="0" b="0"/>
-            </a:stretch>
-          </a:blipFill>
-        </p:spPr>
-      </p:sp>
-      <p:sp>
-        <p:nvSpPr>
-          <p:cNvPr name="Freeform 18" id="18"/>
-          <p:cNvSpPr/>
-          <p:nvPr/>
-        </p:nvSpPr>
-        <p:spPr>
-          <a:xfrm flipH="false" flipV="false" rot="0">
-            <a:off x="14629411" y="9286474"/>
-            <a:ext cx="489601" cy="489601"/>
-          </a:xfrm>
-          <a:custGeom>
-            <a:avLst/>
-            <a:gdLst/>
-            <a:ahLst/>
-            <a:cxnLst/>
-            <a:rect r="r" b="b" t="t" l="l"/>
-            <a:pathLst>
-              <a:path h="489601" w="489601">
-                <a:moveTo>
-                  <a:pt x="0" y="0"/>
-                </a:moveTo>
-                <a:lnTo>
-                  <a:pt x="489601" y="0"/>
-                </a:lnTo>
-                <a:lnTo>
-                  <a:pt x="489601" y="489601"/>
-                </a:lnTo>
-                <a:lnTo>
-                  <a:pt x="0" y="489601"/>
-                </a:lnTo>
-                <a:lnTo>
-                  <a:pt x="0" y="0"/>
-                </a:lnTo>
-                <a:close/>
-              </a:path>
-            </a:pathLst>
-          </a:custGeom>
-          <a:blipFill>
-            <a:blip r:embed="rId10">
-              <a:extLst>
-                <a:ext uri="{96DAC541-7B7A-43D3-8B79-37D633B846F1}">
-                  <asvg:svgBlip xmlns:asvg="http://schemas.microsoft.com/office/drawing/2016/SVG/main" r:embed="rId11"/>
-                </a:ext>
-              </a:extLst>
-            </a:blip>
-            <a:stretch>
-              <a:fillRect l="0" t="0" r="0" b="0"/>
-            </a:stretch>
-          </a:blipFill>
-        </p:spPr>
-      </p:sp>
-      <p:sp>
-        <p:nvSpPr>
-          <p:cNvPr name="Freeform 19" id="19"/>
-          <p:cNvSpPr/>
-          <p:nvPr/>
-        </p:nvSpPr>
-        <p:spPr>
-          <a:xfrm flipH="false" flipV="false" rot="0">
-            <a:off x="15580772" y="8480403"/>
-            <a:ext cx="2587670" cy="2018383"/>
-          </a:xfrm>
-          <a:custGeom>
-            <a:avLst/>
-            <a:gdLst/>
-            <a:ahLst/>
-            <a:cxnLst/>
-            <a:rect r="r" b="b" t="t" l="l"/>
-            <a:pathLst>
-              <a:path h="2018383" w="2587670">
-                <a:moveTo>
-                  <a:pt x="0" y="0"/>
-                </a:moveTo>
-                <a:lnTo>
-                  <a:pt x="2587670" y="0"/>
-                </a:lnTo>
-                <a:lnTo>
-                  <a:pt x="2587670" y="2018383"/>
-                </a:lnTo>
-                <a:lnTo>
-                  <a:pt x="0" y="2018383"/>
-                </a:lnTo>
-                <a:lnTo>
-                  <a:pt x="0" y="0"/>
-                </a:lnTo>
-                <a:close/>
-              </a:path>
-            </a:pathLst>
-          </a:custGeom>
-          <a:blipFill>
-            <a:blip r:embed="rId24">
-              <a:extLst>
-                <a:ext uri="{96DAC541-7B7A-43D3-8B79-37D633B846F1}">
-                  <asvg:svgBlip xmlns:asvg="http://schemas.microsoft.com/office/drawing/2016/SVG/main" r:embed="rId25"/>
-                </a:ext>
-              </a:extLst>
-            </a:blip>
-            <a:stretch>
-              <a:fillRect l="0" t="0" r="0" b="0"/>
-            </a:stretch>
-          </a:blipFill>
-        </p:spPr>
-      </p:sp>
-      <p:sp>
-        <p:nvSpPr>
-          <p:cNvPr name="Freeform 20" id="20"/>
-          <p:cNvSpPr/>
-          <p:nvPr/>
-        </p:nvSpPr>
-        <p:spPr>
-          <a:xfrm flipH="false" flipV="false" rot="0">
-            <a:off x="16113174" y="9002409"/>
-            <a:ext cx="559539" cy="559539"/>
-          </a:xfrm>
-          <a:custGeom>
-            <a:avLst/>
-            <a:gdLst/>
-            <a:ahLst/>
-            <a:cxnLst/>
-            <a:rect r="r" b="b" t="t" l="l"/>
-            <a:pathLst>
-              <a:path h="559539" w="559539">
-                <a:moveTo>
-                  <a:pt x="0" y="0"/>
-                </a:moveTo>
-                <a:lnTo>
-                  <a:pt x="559540" y="0"/>
-                </a:lnTo>
-                <a:lnTo>
-                  <a:pt x="559540" y="559539"/>
-                </a:lnTo>
-                <a:lnTo>
-                  <a:pt x="0" y="559539"/>
-                </a:lnTo>
-                <a:lnTo>
-                  <a:pt x="0" y="0"/>
-                </a:lnTo>
-                <a:close/>
-              </a:path>
-            </a:pathLst>
-          </a:custGeom>
-          <a:blipFill>
-            <a:blip r:embed="rId8">
-              <a:extLst>
-                <a:ext uri="{96DAC541-7B7A-43D3-8B79-37D633B846F1}">
-                  <asvg:svgBlip xmlns:asvg="http://schemas.microsoft.com/office/drawing/2016/SVG/main" r:embed="rId9"/>
-                </a:ext>
-              </a:extLst>
-            </a:blip>
-            <a:stretch>
-              <a:fillRect l="0" t="0" r="0" b="0"/>
-            </a:stretch>
-          </a:blipFill>
-        </p:spPr>
-      </p:sp>
-      <p:sp>
-        <p:nvSpPr>
-          <p:cNvPr name="Freeform 21" id="21"/>
-          <p:cNvSpPr/>
-          <p:nvPr/>
-        </p:nvSpPr>
-        <p:spPr>
-          <a:xfrm flipH="false" flipV="false" rot="9279652">
-            <a:off x="16912514" y="9287504"/>
-            <a:ext cx="687176" cy="343588"/>
-          </a:xfrm>
-          <a:custGeom>
-            <a:avLst/>
-            <a:gdLst/>
-            <a:ahLst/>
-            <a:cxnLst/>
-            <a:rect r="r" b="b" t="t" l="l"/>
-            <a:pathLst>
-              <a:path h="343588" w="687176">
-                <a:moveTo>
-                  <a:pt x="0" y="0"/>
-                </a:moveTo>
-                <a:lnTo>
-                  <a:pt x="687176" y="0"/>
-                </a:lnTo>
-                <a:lnTo>
-                  <a:pt x="687176" y="343588"/>
-                </a:lnTo>
-                <a:lnTo>
-                  <a:pt x="0" y="343588"/>
-                </a:lnTo>
-                <a:lnTo>
-                  <a:pt x="0" y="0"/>
-                </a:lnTo>
-                <a:close/>
-              </a:path>
-            </a:pathLst>
-          </a:custGeom>
-          <a:blipFill>
-            <a:blip r:embed="rId26">
-              <a:extLst>
-                <a:ext uri="{96DAC541-7B7A-43D3-8B79-37D633B846F1}">
-                  <asvg:svgBlip xmlns:asvg="http://schemas.microsoft.com/office/drawing/2016/SVG/main" r:embed="rId27"/>
-                </a:ext>
-              </a:extLst>
-            </a:blip>
-            <a:stretch>
-              <a:fillRect l="0" t="0" r="0" b="0"/>
-            </a:stretch>
-          </a:blipFill>
-        </p:spPr>
-      </p:sp>
-      <p:sp>
-        <p:nvSpPr>
-          <p:cNvPr name="Freeform 22" id="22"/>
-          <p:cNvSpPr/>
-          <p:nvPr/>
-        </p:nvSpPr>
-        <p:spPr>
-          <a:xfrm flipH="false" flipV="false" rot="2124354">
-            <a:off x="-5119670" y="-8504727"/>
-            <a:ext cx="8837886" cy="9051839"/>
-          </a:xfrm>
-          <a:custGeom>
-            <a:avLst/>
-            <a:gdLst/>
-            <a:ahLst/>
-            <a:cxnLst/>
-            <a:rect r="r" b="b" t="t" l="l"/>
-            <a:pathLst>
-              <a:path h="9051839" w="8837886">
-                <a:moveTo>
-                  <a:pt x="0" y="0"/>
-                </a:moveTo>
-                <a:lnTo>
-                  <a:pt x="8837886" y="0"/>
-                </a:lnTo>
-                <a:lnTo>
-                  <a:pt x="8837886" y="9051838"/>
-                </a:lnTo>
-                <a:lnTo>
-                  <a:pt x="0" y="9051838"/>
-                </a:lnTo>
-                <a:lnTo>
-                  <a:pt x="0" y="0"/>
-                </a:lnTo>
-                <a:close/>
-              </a:path>
-            </a:pathLst>
-          </a:custGeom>
-          <a:blipFill>
-            <a:blip r:embed="rId28">
-              <a:extLst>
-                <a:ext uri="{96DAC541-7B7A-43D3-8B79-37D633B846F1}">
-                  <asvg:svgBlip xmlns:asvg="http://schemas.microsoft.com/office/drawing/2016/SVG/main" r:embed="rId29"/>
-                </a:ext>
-              </a:extLst>
-            </a:blip>
-            <a:stretch>
-              <a:fillRect l="0" t="0" r="0" b="0"/>
-            </a:stretch>
-          </a:blipFill>
-        </p:spPr>
-      </p:sp>
-      <p:sp>
-        <p:nvSpPr>
-          <p:cNvPr name="Freeform 23" id="23"/>
-          <p:cNvSpPr/>
-          <p:nvPr/>
-        </p:nvSpPr>
-        <p:spPr>
-          <a:xfrm flipH="false" flipV="false" rot="0">
-            <a:off x="17020081" y="8435643"/>
-            <a:ext cx="8837886" cy="9051839"/>
-          </a:xfrm>
-          <a:custGeom>
-            <a:avLst/>
-            <a:gdLst/>
-            <a:ahLst/>
-            <a:cxnLst/>
-            <a:rect r="r" b="b" t="t" l="l"/>
-            <a:pathLst>
-              <a:path h="9051839" w="8837886">
-                <a:moveTo>
-                  <a:pt x="0" y="0"/>
-                </a:moveTo>
-                <a:lnTo>
-                  <a:pt x="8837886" y="0"/>
-                </a:lnTo>
-                <a:lnTo>
-                  <a:pt x="8837886" y="9051839"/>
-                </a:lnTo>
-                <a:lnTo>
-                  <a:pt x="0" y="9051839"/>
-                </a:lnTo>
-                <a:lnTo>
-                  <a:pt x="0" y="0"/>
-                </a:lnTo>
-                <a:close/>
-              </a:path>
-            </a:pathLst>
-          </a:custGeom>
-          <a:blipFill>
-            <a:blip r:embed="rId28">
-              <a:extLst>
-                <a:ext uri="{96DAC541-7B7A-43D3-8B79-37D633B846F1}">
-                  <asvg:svgBlip xmlns:asvg="http://schemas.microsoft.com/office/drawing/2016/SVG/main" r:embed="rId29"/>
-                </a:ext>
-              </a:extLst>
-            </a:blip>
-            <a:stretch>
-              <a:fillRect l="0" t="0" r="0" b="0"/>
-            </a:stretch>
-          </a:blipFill>
-        </p:spPr>
-      </p:sp>
-      <p:sp>
-        <p:nvSpPr>
-          <p:cNvPr name="TextBox 24" id="24"/>
-          <p:cNvSpPr txBox="true"/>
-          <p:nvPr/>
-        </p:nvSpPr>
-        <p:spPr>
-          <a:xfrm rot="0">
-            <a:off x="5003903" y="2020623"/>
-            <a:ext cx="8280193" cy="3598545"/>
-          </a:xfrm>
-          <a:prstGeom prst="rect">
-            <a:avLst/>
-          </a:prstGeom>
-        </p:spPr>
-        <p:txBody>
-          <a:bodyPr anchor="t" rtlCol="false" tIns="0" lIns="0" bIns="0" rIns="0">
-            <a:spAutoFit/>
-          </a:bodyPr>
-          <a:lstStyle/>
-          <a:p>
-            <a:pPr algn="ctr">
-              <a:lnSpc>
-                <a:spcPts val="13800"/>
-              </a:lnSpc>
-            </a:pPr>
-            <a:r>
-              <a:rPr lang="en-US" sz="13800">
-                <a:solidFill>
-                  <a:srgbClr val="603F20"/>
-                </a:solidFill>
-                <a:latin typeface="Coiny"/>
-                <a:ea typeface="Coiny"/>
-                <a:cs typeface="Coiny"/>
-                <a:sym typeface="Coiny"/>
-              </a:rPr>
-              <a:t>Q&amp;A Session?</a:t>
-            </a:r>
-          </a:p>
-        </p:txBody>
-      </p:sp>
-    </p:spTree>
-  </p:cSld>
-  <p:clrMapOvr>
-    <a:masterClrMapping/>
-  </p:clrMapOvr>
-  <p:transition spd="fast">
-    <p:fade/>
-  </p:transition>
-</p:sld>
-</file>
-
-<file path=ppt/slides/slide11.xml><?xml version="1.0" encoding="utf-8"?>
-<p:sld xmlns:p="http://schemas.openxmlformats.org/presentationml/2006/main" xmlns:a="http://schemas.openxmlformats.org/drawingml/2006/main" xmlns:r="http://schemas.openxmlformats.org/officeDocument/2006/relationships">
-  <p:cSld>
-    <p:bg>
-      <p:bgPr>
-        <a:solidFill>
-          <a:srgbClr val="FBF1E5"/>
-        </a:solidFill>
-      </p:bgPr>
-    </p:bg>
-    <p:spTree>
-      <p:nvGrpSpPr>
-        <p:cNvPr id="1" name=""/>
-        <p:cNvGrpSpPr/>
-        <p:nvPr/>
-      </p:nvGrpSpPr>
-      <p:grpSpPr>
-        <a:xfrm>
-          <a:off x="0" y="0"/>
-          <a:ext cx="0" cy="0"/>
-          <a:chOff x="0" y="0"/>
-          <a:chExt cx="0" cy="0"/>
-        </a:xfrm>
-      </p:grpSpPr>
-      <p:grpSp>
-        <p:nvGrpSpPr>
-          <p:cNvPr name="Group 2" id="2"/>
-          <p:cNvGrpSpPr/>
-          <p:nvPr/>
-        </p:nvGrpSpPr>
-        <p:grpSpPr>
-          <a:xfrm rot="0">
-            <a:off x="553691" y="7734699"/>
-            <a:ext cx="3486806" cy="2764086"/>
-            <a:chOff x="0" y="0"/>
-            <a:chExt cx="4649075" cy="3685449"/>
-          </a:xfrm>
-        </p:grpSpPr>
-        <p:sp>
-          <p:nvSpPr>
-            <p:cNvPr name="Freeform 3" id="3"/>
-            <p:cNvSpPr/>
-            <p:nvPr/>
-          </p:nvSpPr>
-          <p:spPr>
-            <a:xfrm flipH="false" flipV="false" rot="0">
-              <a:off x="0" y="0"/>
-              <a:ext cx="4649075" cy="3685449"/>
-            </a:xfrm>
-            <a:custGeom>
-              <a:avLst/>
-              <a:gdLst/>
-              <a:ahLst/>
-              <a:cxnLst/>
-              <a:rect r="r" b="b" t="t" l="l"/>
-              <a:pathLst>
-                <a:path h="3685449" w="4649075">
-                  <a:moveTo>
-                    <a:pt x="0" y="0"/>
-                  </a:moveTo>
-                  <a:lnTo>
-                    <a:pt x="4649075" y="0"/>
-                  </a:lnTo>
-                  <a:lnTo>
-                    <a:pt x="4649075" y="3685449"/>
-                  </a:lnTo>
-                  <a:lnTo>
-                    <a:pt x="0" y="3685449"/>
-                  </a:lnTo>
-                  <a:lnTo>
-                    <a:pt x="0" y="0"/>
-                  </a:lnTo>
-                  <a:close/>
-                </a:path>
-              </a:pathLst>
-            </a:custGeom>
-            <a:blipFill>
-              <a:blip r:embed="rId2">
-                <a:extLst>
-                  <a:ext uri="{96DAC541-7B7A-43D3-8B79-37D633B846F1}">
-                    <asvg:svgBlip xmlns:asvg="http://schemas.microsoft.com/office/drawing/2016/SVG/main" r:embed="rId3"/>
-                  </a:ext>
-                </a:extLst>
-              </a:blip>
-              <a:stretch>
-                <a:fillRect l="0" t="0" r="0" b="0"/>
-              </a:stretch>
-            </a:blipFill>
-          </p:spPr>
-        </p:sp>
-        <p:sp>
-          <p:nvSpPr>
-            <p:cNvPr name="Freeform 4" id="4"/>
-            <p:cNvSpPr/>
-            <p:nvPr/>
-          </p:nvSpPr>
-          <p:spPr>
-            <a:xfrm flipH="false" flipV="false" rot="0">
-              <a:off x="1031529" y="1171678"/>
-              <a:ext cx="954272" cy="954272"/>
-            </a:xfrm>
-            <a:custGeom>
-              <a:avLst/>
-              <a:gdLst/>
-              <a:ahLst/>
-              <a:cxnLst/>
-              <a:rect r="r" b="b" t="t" l="l"/>
-              <a:pathLst>
-                <a:path h="954272" w="954272">
-                  <a:moveTo>
-                    <a:pt x="0" y="0"/>
-                  </a:moveTo>
-                  <a:lnTo>
-                    <a:pt x="954273" y="0"/>
-                  </a:lnTo>
-                  <a:lnTo>
-                    <a:pt x="954273" y="954273"/>
-                  </a:lnTo>
-                  <a:lnTo>
-                    <a:pt x="0" y="954273"/>
-                  </a:lnTo>
-                  <a:lnTo>
-                    <a:pt x="0" y="0"/>
-                  </a:lnTo>
-                  <a:close/>
-                </a:path>
-              </a:pathLst>
-            </a:custGeom>
-            <a:blipFill>
-              <a:blip r:embed="rId4">
-                <a:extLst>
-                  <a:ext uri="{96DAC541-7B7A-43D3-8B79-37D633B846F1}">
-                    <asvg:svgBlip xmlns:asvg="http://schemas.microsoft.com/office/drawing/2016/SVG/main" r:embed="rId5"/>
-                  </a:ext>
-                </a:extLst>
-              </a:blip>
-              <a:stretch>
-                <a:fillRect l="0" t="0" r="0" b="0"/>
-              </a:stretch>
-            </a:blipFill>
-          </p:spPr>
-        </p:sp>
-        <p:sp>
-          <p:nvSpPr>
-            <p:cNvPr name="Freeform 5" id="5"/>
-            <p:cNvSpPr/>
-            <p:nvPr/>
-          </p:nvSpPr>
-          <p:spPr>
-            <a:xfrm flipH="false" flipV="false" rot="0">
-              <a:off x="2844196" y="1171678"/>
-              <a:ext cx="954272" cy="954272"/>
-            </a:xfrm>
-            <a:custGeom>
-              <a:avLst/>
-              <a:gdLst/>
-              <a:ahLst/>
-              <a:cxnLst/>
-              <a:rect r="r" b="b" t="t" l="l"/>
-              <a:pathLst>
-                <a:path h="954272" w="954272">
-                  <a:moveTo>
-                    <a:pt x="0" y="0"/>
-                  </a:moveTo>
-                  <a:lnTo>
-                    <a:pt x="954272" y="0"/>
-                  </a:lnTo>
-                  <a:lnTo>
-                    <a:pt x="954272" y="954273"/>
-                  </a:lnTo>
-                  <a:lnTo>
-                    <a:pt x="0" y="954273"/>
-                  </a:lnTo>
-                  <a:lnTo>
-                    <a:pt x="0" y="0"/>
-                  </a:lnTo>
-                  <a:close/>
-                </a:path>
-              </a:pathLst>
-            </a:custGeom>
-            <a:blipFill>
-              <a:blip r:embed="rId6">
-                <a:extLst>
-                  <a:ext uri="{96DAC541-7B7A-43D3-8B79-37D633B846F1}">
-                    <asvg:svgBlip xmlns:asvg="http://schemas.microsoft.com/office/drawing/2016/SVG/main" r:embed="rId7"/>
-                  </a:ext>
-                </a:extLst>
-              </a:blip>
-              <a:stretch>
-                <a:fillRect l="0" t="0" r="0" b="0"/>
-              </a:stretch>
-            </a:blipFill>
-          </p:spPr>
-        </p:sp>
-      </p:grpSp>
-      <p:sp>
-        <p:nvSpPr>
-          <p:cNvPr name="Freeform 6" id="6"/>
-          <p:cNvSpPr/>
-          <p:nvPr/>
-        </p:nvSpPr>
-        <p:spPr>
-          <a:xfrm flipH="false" flipV="false" rot="0">
-            <a:off x="3311396" y="7734699"/>
-            <a:ext cx="3781710" cy="2764086"/>
-          </a:xfrm>
-          <a:custGeom>
-            <a:avLst/>
-            <a:gdLst/>
-            <a:ahLst/>
-            <a:cxnLst/>
-            <a:rect r="r" b="b" t="t" l="l"/>
-            <a:pathLst>
-              <a:path h="2764086" w="3781710">
-                <a:moveTo>
-                  <a:pt x="0" y="0"/>
-                </a:moveTo>
-                <a:lnTo>
-                  <a:pt x="3781710" y="0"/>
-                </a:lnTo>
-                <a:lnTo>
-                  <a:pt x="3781710" y="2764087"/>
-                </a:lnTo>
-                <a:lnTo>
-                  <a:pt x="0" y="2764087"/>
-                </a:lnTo>
-                <a:lnTo>
-                  <a:pt x="0" y="0"/>
-                </a:lnTo>
-                <a:close/>
-              </a:path>
-            </a:pathLst>
-          </a:custGeom>
-          <a:blipFill>
-            <a:blip r:embed="rId8">
-              <a:extLst>
-                <a:ext uri="{96DAC541-7B7A-43D3-8B79-37D633B846F1}">
-                  <asvg:svgBlip xmlns:asvg="http://schemas.microsoft.com/office/drawing/2016/SVG/main" r:embed="rId9"/>
-                </a:ext>
-              </a:extLst>
-            </a:blip>
-            <a:stretch>
-              <a:fillRect l="0" t="0" r="0" b="0"/>
-            </a:stretch>
-          </a:blipFill>
-        </p:spPr>
-      </p:sp>
-      <p:sp>
-        <p:nvSpPr>
-          <p:cNvPr name="Freeform 7" id="7"/>
-          <p:cNvSpPr/>
-          <p:nvPr/>
-        </p:nvSpPr>
-        <p:spPr>
-          <a:xfrm flipH="false" flipV="false" rot="0">
-            <a:off x="4282293" y="8399343"/>
-            <a:ext cx="717399" cy="717399"/>
-          </a:xfrm>
-          <a:custGeom>
-            <a:avLst/>
-            <a:gdLst/>
-            <a:ahLst/>
-            <a:cxnLst/>
-            <a:rect r="r" b="b" t="t" l="l"/>
-            <a:pathLst>
-              <a:path h="717399" w="717399">
-                <a:moveTo>
-                  <a:pt x="0" y="0"/>
-                </a:moveTo>
-                <a:lnTo>
-                  <a:pt x="717399" y="0"/>
-                </a:lnTo>
-                <a:lnTo>
-                  <a:pt x="717399" y="717400"/>
-                </a:lnTo>
-                <a:lnTo>
-                  <a:pt x="0" y="717400"/>
-                </a:lnTo>
-                <a:lnTo>
-                  <a:pt x="0" y="0"/>
-                </a:lnTo>
-                <a:close/>
-              </a:path>
-            </a:pathLst>
-          </a:custGeom>
-          <a:blipFill>
-            <a:blip r:embed="rId4">
-              <a:extLst>
-                <a:ext uri="{96DAC541-7B7A-43D3-8B79-37D633B846F1}">
-                  <asvg:svgBlip xmlns:asvg="http://schemas.microsoft.com/office/drawing/2016/SVG/main" r:embed="rId5"/>
-                </a:ext>
-              </a:extLst>
-            </a:blip>
-            <a:stretch>
-              <a:fillRect l="0" t="0" r="0" b="0"/>
-            </a:stretch>
-          </a:blipFill>
-        </p:spPr>
-      </p:sp>
-      <p:sp>
-        <p:nvSpPr>
-          <p:cNvPr name="Freeform 8" id="8"/>
-          <p:cNvSpPr/>
-          <p:nvPr/>
-        </p:nvSpPr>
-        <p:spPr>
-          <a:xfrm flipH="false" flipV="false" rot="0">
-            <a:off x="5589253" y="8399343"/>
-            <a:ext cx="717399" cy="717399"/>
-          </a:xfrm>
-          <a:custGeom>
-            <a:avLst/>
-            <a:gdLst/>
-            <a:ahLst/>
-            <a:cxnLst/>
-            <a:rect r="r" b="b" t="t" l="l"/>
-            <a:pathLst>
-              <a:path h="717399" w="717399">
-                <a:moveTo>
-                  <a:pt x="0" y="0"/>
-                </a:moveTo>
-                <a:lnTo>
-                  <a:pt x="717399" y="0"/>
-                </a:lnTo>
-                <a:lnTo>
-                  <a:pt x="717399" y="717400"/>
-                </a:lnTo>
-                <a:lnTo>
-                  <a:pt x="0" y="717400"/>
-                </a:lnTo>
-                <a:lnTo>
-                  <a:pt x="0" y="0"/>
-                </a:lnTo>
-                <a:close/>
-              </a:path>
-            </a:pathLst>
-          </a:custGeom>
-          <a:blipFill>
-            <a:blip r:embed="rId6">
-              <a:extLst>
-                <a:ext uri="{96DAC541-7B7A-43D3-8B79-37D633B846F1}">
-                  <asvg:svgBlip xmlns:asvg="http://schemas.microsoft.com/office/drawing/2016/SVG/main" r:embed="rId7"/>
-                </a:ext>
-              </a:extLst>
-            </a:blip>
-            <a:stretch>
-              <a:fillRect l="0" t="0" r="0" b="0"/>
-            </a:stretch>
-          </a:blipFill>
-        </p:spPr>
-      </p:sp>
-      <p:sp>
-        <p:nvSpPr>
-          <p:cNvPr name="Freeform 9" id="9"/>
-          <p:cNvSpPr/>
-          <p:nvPr/>
-        </p:nvSpPr>
-        <p:spPr>
-          <a:xfrm flipH="false" flipV="false" rot="0">
-            <a:off x="6364005" y="7734699"/>
-            <a:ext cx="3416287" cy="2764086"/>
-          </a:xfrm>
-          <a:custGeom>
-            <a:avLst/>
-            <a:gdLst/>
-            <a:ahLst/>
-            <a:cxnLst/>
-            <a:rect r="r" b="b" t="t" l="l"/>
-            <a:pathLst>
-              <a:path h="2764086" w="3416287">
-                <a:moveTo>
-                  <a:pt x="0" y="0"/>
-                </a:moveTo>
-                <a:lnTo>
-                  <a:pt x="3416286" y="0"/>
-                </a:lnTo>
-                <a:lnTo>
-                  <a:pt x="3416286" y="2764087"/>
-                </a:lnTo>
-                <a:lnTo>
-                  <a:pt x="0" y="2764087"/>
-                </a:lnTo>
-                <a:lnTo>
-                  <a:pt x="0" y="0"/>
-                </a:lnTo>
-                <a:close/>
-              </a:path>
-            </a:pathLst>
-          </a:custGeom>
-          <a:blipFill>
-            <a:blip r:embed="rId10">
-              <a:extLst>
-                <a:ext uri="{96DAC541-7B7A-43D3-8B79-37D633B846F1}">
-                  <asvg:svgBlip xmlns:asvg="http://schemas.microsoft.com/office/drawing/2016/SVG/main" r:embed="rId11"/>
-                </a:ext>
-              </a:extLst>
-            </a:blip>
-            <a:stretch>
-              <a:fillRect l="0" t="0" r="0" b="0"/>
-            </a:stretch>
-          </a:blipFill>
-        </p:spPr>
-      </p:sp>
-      <p:sp>
-        <p:nvSpPr>
-          <p:cNvPr name="Freeform 10" id="10"/>
-          <p:cNvSpPr/>
-          <p:nvPr/>
-        </p:nvSpPr>
-        <p:spPr>
-          <a:xfrm flipH="false" flipV="false" rot="0">
-            <a:off x="7023108" y="8670298"/>
-            <a:ext cx="719984" cy="719984"/>
-          </a:xfrm>
-          <a:custGeom>
-            <a:avLst/>
-            <a:gdLst/>
-            <a:ahLst/>
-            <a:cxnLst/>
-            <a:rect r="r" b="b" t="t" l="l"/>
-            <a:pathLst>
-              <a:path h="719984" w="719984">
-                <a:moveTo>
-                  <a:pt x="0" y="0"/>
-                </a:moveTo>
-                <a:lnTo>
-                  <a:pt x="719984" y="0"/>
-                </a:lnTo>
-                <a:lnTo>
-                  <a:pt x="719984" y="719984"/>
-                </a:lnTo>
-                <a:lnTo>
-                  <a:pt x="0" y="719984"/>
-                </a:lnTo>
-                <a:lnTo>
-                  <a:pt x="0" y="0"/>
-                </a:lnTo>
-                <a:close/>
-              </a:path>
-            </a:pathLst>
-          </a:custGeom>
-          <a:blipFill>
-            <a:blip r:embed="rId4">
-              <a:extLst>
-                <a:ext uri="{96DAC541-7B7A-43D3-8B79-37D633B846F1}">
-                  <asvg:svgBlip xmlns:asvg="http://schemas.microsoft.com/office/drawing/2016/SVG/main" r:embed="rId5"/>
-                </a:ext>
-              </a:extLst>
-            </a:blip>
-            <a:stretch>
-              <a:fillRect l="0" t="0" r="0" b="0"/>
-            </a:stretch>
-          </a:blipFill>
-        </p:spPr>
-      </p:sp>
-      <p:sp>
-        <p:nvSpPr>
-          <p:cNvPr name="Freeform 11" id="11"/>
-          <p:cNvSpPr/>
-          <p:nvPr/>
-        </p:nvSpPr>
-        <p:spPr>
-          <a:xfrm flipH="false" flipV="false" rot="0">
-            <a:off x="8331206" y="8898308"/>
-            <a:ext cx="719984" cy="719984"/>
-          </a:xfrm>
-          <a:custGeom>
-            <a:avLst/>
-            <a:gdLst/>
-            <a:ahLst/>
-            <a:cxnLst/>
-            <a:rect r="r" b="b" t="t" l="l"/>
-            <a:pathLst>
-              <a:path h="719984" w="719984">
-                <a:moveTo>
-                  <a:pt x="0" y="0"/>
-                </a:moveTo>
-                <a:lnTo>
-                  <a:pt x="719984" y="0"/>
-                </a:lnTo>
-                <a:lnTo>
-                  <a:pt x="719984" y="719984"/>
-                </a:lnTo>
-                <a:lnTo>
-                  <a:pt x="0" y="719984"/>
-                </a:lnTo>
-                <a:lnTo>
-                  <a:pt x="0" y="0"/>
-                </a:lnTo>
-                <a:close/>
-              </a:path>
-            </a:pathLst>
-          </a:custGeom>
-          <a:blipFill>
-            <a:blip r:embed="rId6">
-              <a:extLst>
-                <a:ext uri="{96DAC541-7B7A-43D3-8B79-37D633B846F1}">
-                  <asvg:svgBlip xmlns:asvg="http://schemas.microsoft.com/office/drawing/2016/SVG/main" r:embed="rId7"/>
-                </a:ext>
-              </a:extLst>
-            </a:blip>
-            <a:stretch>
-              <a:fillRect l="0" t="0" r="0" b="0"/>
-            </a:stretch>
-          </a:blipFill>
-        </p:spPr>
-      </p:sp>
-      <p:sp>
-        <p:nvSpPr>
-          <p:cNvPr name="Freeform 12" id="12"/>
-          <p:cNvSpPr/>
-          <p:nvPr/>
-        </p:nvSpPr>
-        <p:spPr>
-          <a:xfrm flipH="false" flipV="false" rot="0">
-            <a:off x="9051190" y="7734699"/>
-            <a:ext cx="3276396" cy="2764086"/>
-          </a:xfrm>
-          <a:custGeom>
-            <a:avLst/>
-            <a:gdLst/>
-            <a:ahLst/>
-            <a:cxnLst/>
-            <a:rect r="r" b="b" t="t" l="l"/>
-            <a:pathLst>
-              <a:path h="2764086" w="3276396">
-                <a:moveTo>
-                  <a:pt x="0" y="0"/>
-                </a:moveTo>
-                <a:lnTo>
-                  <a:pt x="3276395" y="0"/>
-                </a:lnTo>
-                <a:lnTo>
-                  <a:pt x="3276395" y="2764087"/>
-                </a:lnTo>
-                <a:lnTo>
-                  <a:pt x="0" y="2764087"/>
-                </a:lnTo>
-                <a:lnTo>
-                  <a:pt x="0" y="0"/>
-                </a:lnTo>
-                <a:close/>
-              </a:path>
-            </a:pathLst>
-          </a:custGeom>
-          <a:blipFill>
-            <a:blip r:embed="rId12">
-              <a:extLst>
-                <a:ext uri="{96DAC541-7B7A-43D3-8B79-37D633B846F1}">
-                  <asvg:svgBlip xmlns:asvg="http://schemas.microsoft.com/office/drawing/2016/SVG/main" r:embed="rId13"/>
-                </a:ext>
-              </a:extLst>
-            </a:blip>
-            <a:stretch>
-              <a:fillRect l="0" t="0" r="0" b="0"/>
-            </a:stretch>
-          </a:blipFill>
-        </p:spPr>
-      </p:sp>
-      <p:sp>
-        <p:nvSpPr>
-          <p:cNvPr name="Freeform 13" id="13"/>
-          <p:cNvSpPr/>
-          <p:nvPr/>
-        </p:nvSpPr>
-        <p:spPr>
-          <a:xfrm flipH="false" flipV="false" rot="-6258949">
-            <a:off x="9752108" y="8628795"/>
-            <a:ext cx="547152" cy="854925"/>
-          </a:xfrm>
-          <a:custGeom>
-            <a:avLst/>
-            <a:gdLst/>
-            <a:ahLst/>
-            <a:cxnLst/>
-            <a:rect r="r" b="b" t="t" l="l"/>
-            <a:pathLst>
-              <a:path h="854925" w="547152">
-                <a:moveTo>
-                  <a:pt x="0" y="0"/>
-                </a:moveTo>
-                <a:lnTo>
-                  <a:pt x="547153" y="0"/>
-                </a:lnTo>
-                <a:lnTo>
-                  <a:pt x="547153" y="854925"/>
-                </a:lnTo>
-                <a:lnTo>
-                  <a:pt x="0" y="854925"/>
-                </a:lnTo>
-                <a:lnTo>
-                  <a:pt x="0" y="0"/>
-                </a:lnTo>
-                <a:close/>
-              </a:path>
-            </a:pathLst>
-          </a:custGeom>
-          <a:blipFill>
-            <a:blip r:embed="rId14">
-              <a:extLst>
-                <a:ext uri="{96DAC541-7B7A-43D3-8B79-37D633B846F1}">
-                  <asvg:svgBlip xmlns:asvg="http://schemas.microsoft.com/office/drawing/2016/SVG/main" r:embed="rId15"/>
-                </a:ext>
-              </a:extLst>
-            </a:blip>
-            <a:stretch>
-              <a:fillRect l="0" t="0" r="0" b="0"/>
-            </a:stretch>
-          </a:blipFill>
-        </p:spPr>
-      </p:sp>
-      <p:sp>
-        <p:nvSpPr>
-          <p:cNvPr name="Freeform 14" id="14"/>
-          <p:cNvSpPr/>
-          <p:nvPr/>
-        </p:nvSpPr>
-        <p:spPr>
-          <a:xfrm flipH="false" flipV="false" rot="-6529594">
-            <a:off x="11006431" y="8621527"/>
-            <a:ext cx="422652" cy="660393"/>
-          </a:xfrm>
-          <a:custGeom>
-            <a:avLst/>
-            <a:gdLst/>
-            <a:ahLst/>
-            <a:cxnLst/>
-            <a:rect r="r" b="b" t="t" l="l"/>
-            <a:pathLst>
-              <a:path h="660393" w="422652">
-                <a:moveTo>
-                  <a:pt x="0" y="0"/>
-                </a:moveTo>
-                <a:lnTo>
-                  <a:pt x="422652" y="0"/>
-                </a:lnTo>
-                <a:lnTo>
-                  <a:pt x="422652" y="660394"/>
-                </a:lnTo>
-                <a:lnTo>
-                  <a:pt x="0" y="660394"/>
-                </a:lnTo>
-                <a:lnTo>
-                  <a:pt x="0" y="0"/>
-                </a:lnTo>
-                <a:close/>
-              </a:path>
-            </a:pathLst>
-          </a:custGeom>
-          <a:blipFill>
-            <a:blip r:embed="rId16">
-              <a:extLst>
-                <a:ext uri="{96DAC541-7B7A-43D3-8B79-37D633B846F1}">
-                  <asvg:svgBlip xmlns:asvg="http://schemas.microsoft.com/office/drawing/2016/SVG/main" r:embed="rId17"/>
-                </a:ext>
-              </a:extLst>
-            </a:blip>
-            <a:stretch>
-              <a:fillRect l="0" t="0" r="0" b="0"/>
-            </a:stretch>
-          </a:blipFill>
-        </p:spPr>
-      </p:sp>
-      <p:sp>
-        <p:nvSpPr>
-          <p:cNvPr name="Freeform 15" id="15"/>
-          <p:cNvSpPr/>
-          <p:nvPr/>
-        </p:nvSpPr>
-        <p:spPr>
-          <a:xfrm flipH="false" flipV="false" rot="0">
-            <a:off x="11598484" y="7734699"/>
-            <a:ext cx="3393410" cy="2764086"/>
-          </a:xfrm>
-          <a:custGeom>
-            <a:avLst/>
-            <a:gdLst/>
-            <a:ahLst/>
-            <a:cxnLst/>
-            <a:rect r="r" b="b" t="t" l="l"/>
-            <a:pathLst>
-              <a:path h="2764086" w="3393410">
-                <a:moveTo>
-                  <a:pt x="0" y="0"/>
-                </a:moveTo>
-                <a:lnTo>
-                  <a:pt x="3393409" y="0"/>
-                </a:lnTo>
-                <a:lnTo>
-                  <a:pt x="3393409" y="2764087"/>
-                </a:lnTo>
-                <a:lnTo>
-                  <a:pt x="0" y="2764087"/>
-                </a:lnTo>
-                <a:lnTo>
-                  <a:pt x="0" y="0"/>
-                </a:lnTo>
-                <a:close/>
-              </a:path>
-            </a:pathLst>
-          </a:custGeom>
-          <a:blipFill>
-            <a:blip r:embed="rId18">
-              <a:extLst>
-                <a:ext uri="{96DAC541-7B7A-43D3-8B79-37D633B846F1}">
-                  <asvg:svgBlip xmlns:asvg="http://schemas.microsoft.com/office/drawing/2016/SVG/main" r:embed="rId19"/>
-                </a:ext>
-              </a:extLst>
-            </a:blip>
-            <a:stretch>
-              <a:fillRect l="0" t="0" r="0" b="0"/>
-            </a:stretch>
-          </a:blipFill>
-        </p:spPr>
-      </p:sp>
-      <p:sp>
-        <p:nvSpPr>
-          <p:cNvPr name="Freeform 16" id="16"/>
-          <p:cNvSpPr/>
-          <p:nvPr/>
-        </p:nvSpPr>
-        <p:spPr>
-          <a:xfrm flipH="false" flipV="false" rot="0">
-            <a:off x="12959945" y="8838579"/>
-            <a:ext cx="670486" cy="670486"/>
-          </a:xfrm>
-          <a:custGeom>
-            <a:avLst/>
-            <a:gdLst/>
-            <a:ahLst/>
-            <a:cxnLst/>
-            <a:rect r="r" b="b" t="t" l="l"/>
-            <a:pathLst>
-              <a:path h="670486" w="670486">
-                <a:moveTo>
-                  <a:pt x="0" y="0"/>
-                </a:moveTo>
-                <a:lnTo>
-                  <a:pt x="670487" y="0"/>
-                </a:lnTo>
-                <a:lnTo>
-                  <a:pt x="670487" y="670486"/>
-                </a:lnTo>
-                <a:lnTo>
-                  <a:pt x="0" y="670486"/>
-                </a:lnTo>
-                <a:lnTo>
-                  <a:pt x="0" y="0"/>
-                </a:lnTo>
-                <a:close/>
-              </a:path>
-            </a:pathLst>
-          </a:custGeom>
-          <a:blipFill>
-            <a:blip r:embed="rId6">
-              <a:extLst>
-                <a:ext uri="{96DAC541-7B7A-43D3-8B79-37D633B846F1}">
-                  <asvg:svgBlip xmlns:asvg="http://schemas.microsoft.com/office/drawing/2016/SVG/main" r:embed="rId7"/>
-                </a:ext>
-              </a:extLst>
-            </a:blip>
-            <a:stretch>
-              <a:fillRect l="0" t="0" r="0" b="0"/>
-            </a:stretch>
-          </a:blipFill>
-        </p:spPr>
-      </p:sp>
-      <p:sp>
-        <p:nvSpPr>
-          <p:cNvPr name="Freeform 17" id="17"/>
-          <p:cNvSpPr/>
-          <p:nvPr/>
-        </p:nvSpPr>
-        <p:spPr>
-          <a:xfrm flipH="false" flipV="false" rot="0">
-            <a:off x="14262792" y="7734699"/>
-            <a:ext cx="3543701" cy="2764086"/>
-          </a:xfrm>
-          <a:custGeom>
-            <a:avLst/>
-            <a:gdLst/>
-            <a:ahLst/>
-            <a:cxnLst/>
-            <a:rect r="r" b="b" t="t" l="l"/>
-            <a:pathLst>
-              <a:path h="2764086" w="3543701">
-                <a:moveTo>
-                  <a:pt x="0" y="0"/>
-                </a:moveTo>
-                <a:lnTo>
-                  <a:pt x="3543700" y="0"/>
-                </a:lnTo>
-                <a:lnTo>
-                  <a:pt x="3543700" y="2764087"/>
-                </a:lnTo>
-                <a:lnTo>
-                  <a:pt x="0" y="2764087"/>
-                </a:lnTo>
-                <a:lnTo>
-                  <a:pt x="0" y="0"/>
-                </a:lnTo>
-                <a:close/>
-              </a:path>
-            </a:pathLst>
-          </a:custGeom>
-          <a:blipFill>
-            <a:blip r:embed="rId20">
-              <a:extLst>
-                <a:ext uri="{96DAC541-7B7A-43D3-8B79-37D633B846F1}">
-                  <asvg:svgBlip xmlns:asvg="http://schemas.microsoft.com/office/drawing/2016/SVG/main" r:embed="rId21"/>
-                </a:ext>
-              </a:extLst>
-            </a:blip>
-            <a:stretch>
-              <a:fillRect l="0" t="0" r="0" b="0"/>
-            </a:stretch>
-          </a:blipFill>
-        </p:spPr>
-      </p:sp>
-      <p:sp>
-        <p:nvSpPr>
-          <p:cNvPr name="Freeform 18" id="18"/>
-          <p:cNvSpPr/>
-          <p:nvPr/>
-        </p:nvSpPr>
-        <p:spPr>
-          <a:xfrm flipH="false" flipV="false" rot="0">
-            <a:off x="14991893" y="8449564"/>
-            <a:ext cx="766265" cy="766265"/>
-          </a:xfrm>
-          <a:custGeom>
-            <a:avLst/>
-            <a:gdLst/>
-            <a:ahLst/>
-            <a:cxnLst/>
-            <a:rect r="r" b="b" t="t" l="l"/>
-            <a:pathLst>
-              <a:path h="766265" w="766265">
-                <a:moveTo>
-                  <a:pt x="0" y="0"/>
-                </a:moveTo>
-                <a:lnTo>
-                  <a:pt x="766265" y="0"/>
-                </a:lnTo>
-                <a:lnTo>
-                  <a:pt x="766265" y="766264"/>
-                </a:lnTo>
-                <a:lnTo>
-                  <a:pt x="0" y="766264"/>
-                </a:lnTo>
-                <a:lnTo>
-                  <a:pt x="0" y="0"/>
-                </a:lnTo>
-                <a:close/>
-              </a:path>
-            </a:pathLst>
-          </a:custGeom>
-          <a:blipFill>
-            <a:blip r:embed="rId4">
-              <a:extLst>
-                <a:ext uri="{96DAC541-7B7A-43D3-8B79-37D633B846F1}">
-                  <asvg:svgBlip xmlns:asvg="http://schemas.microsoft.com/office/drawing/2016/SVG/main" r:embed="rId5"/>
-                </a:ext>
-              </a:extLst>
-            </a:blip>
-            <a:stretch>
-              <a:fillRect l="0" t="0" r="0" b="0"/>
-            </a:stretch>
-          </a:blipFill>
-        </p:spPr>
-      </p:sp>
-      <p:sp>
-        <p:nvSpPr>
-          <p:cNvPr name="Freeform 19" id="19"/>
-          <p:cNvSpPr/>
-          <p:nvPr/>
-        </p:nvSpPr>
-        <p:spPr>
-          <a:xfrm flipH="false" flipV="false" rot="9279652">
-            <a:off x="16086554" y="8839988"/>
-            <a:ext cx="941057" cy="470529"/>
-          </a:xfrm>
-          <a:custGeom>
-            <a:avLst/>
-            <a:gdLst/>
-            <a:ahLst/>
-            <a:cxnLst/>
-            <a:rect r="r" b="b" t="t" l="l"/>
-            <a:pathLst>
-              <a:path h="470529" w="941057">
-                <a:moveTo>
-                  <a:pt x="0" y="0"/>
-                </a:moveTo>
-                <a:lnTo>
-                  <a:pt x="941057" y="0"/>
-                </a:lnTo>
-                <a:lnTo>
-                  <a:pt x="941057" y="470529"/>
-                </a:lnTo>
-                <a:lnTo>
-                  <a:pt x="0" y="470529"/>
-                </a:lnTo>
-                <a:lnTo>
-                  <a:pt x="0" y="0"/>
-                </a:lnTo>
-                <a:close/>
-              </a:path>
-            </a:pathLst>
-          </a:custGeom>
-          <a:blipFill>
-            <a:blip r:embed="rId22">
-              <a:extLst>
-                <a:ext uri="{96DAC541-7B7A-43D3-8B79-37D633B846F1}">
-                  <asvg:svgBlip xmlns:asvg="http://schemas.microsoft.com/office/drawing/2016/SVG/main" r:embed="rId23"/>
-                </a:ext>
-              </a:extLst>
-            </a:blip>
-            <a:stretch>
-              <a:fillRect l="0" t="0" r="0" b="0"/>
-            </a:stretch>
-          </a:blipFill>
-        </p:spPr>
-      </p:sp>
-      <p:sp>
-        <p:nvSpPr>
-          <p:cNvPr name="Freeform 20" id="20"/>
-          <p:cNvSpPr/>
-          <p:nvPr/>
-        </p:nvSpPr>
-        <p:spPr>
-          <a:xfrm flipH="false" flipV="false" rot="2124354">
-            <a:off x="-3050451" y="-4226519"/>
-            <a:ext cx="8837886" cy="9051839"/>
-          </a:xfrm>
-          <a:custGeom>
-            <a:avLst/>
-            <a:gdLst/>
-            <a:ahLst/>
-            <a:cxnLst/>
-            <a:rect r="r" b="b" t="t" l="l"/>
-            <a:pathLst>
-              <a:path h="9051839" w="8837886">
-                <a:moveTo>
-                  <a:pt x="0" y="0"/>
-                </a:moveTo>
-                <a:lnTo>
-                  <a:pt x="8837886" y="0"/>
-                </a:lnTo>
-                <a:lnTo>
-                  <a:pt x="8837886" y="9051838"/>
-                </a:lnTo>
-                <a:lnTo>
-                  <a:pt x="0" y="9051838"/>
-                </a:lnTo>
-                <a:lnTo>
-                  <a:pt x="0" y="0"/>
-                </a:lnTo>
-                <a:close/>
-              </a:path>
-            </a:pathLst>
-          </a:custGeom>
-          <a:blipFill>
-            <a:blip r:embed="rId24">
-              <a:extLst>
-                <a:ext uri="{96DAC541-7B7A-43D3-8B79-37D633B846F1}">
-                  <asvg:svgBlip xmlns:asvg="http://schemas.microsoft.com/office/drawing/2016/SVG/main" r:embed="rId25"/>
-                </a:ext>
-              </a:extLst>
-            </a:blip>
-            <a:stretch>
-              <a:fillRect l="0" t="0" r="0" b="0"/>
-            </a:stretch>
-          </a:blipFill>
-        </p:spPr>
-      </p:sp>
-      <p:sp>
-        <p:nvSpPr>
-          <p:cNvPr name="Freeform 21" id="21"/>
-          <p:cNvSpPr/>
-          <p:nvPr/>
-        </p:nvSpPr>
-        <p:spPr>
-          <a:xfrm flipH="false" flipV="false" rot="0">
-            <a:off x="14262792" y="0"/>
-            <a:ext cx="8837886" cy="9051839"/>
-          </a:xfrm>
-          <a:custGeom>
-            <a:avLst/>
-            <a:gdLst/>
-            <a:ahLst/>
-            <a:cxnLst/>
-            <a:rect r="r" b="b" t="t" l="l"/>
-            <a:pathLst>
-              <a:path h="9051839" w="8837886">
-                <a:moveTo>
-                  <a:pt x="0" y="0"/>
-                </a:moveTo>
-                <a:lnTo>
-                  <a:pt x="8837886" y="0"/>
-                </a:lnTo>
-                <a:lnTo>
-                  <a:pt x="8837886" y="9051839"/>
-                </a:lnTo>
-                <a:lnTo>
-                  <a:pt x="0" y="9051839"/>
-                </a:lnTo>
-                <a:lnTo>
-                  <a:pt x="0" y="0"/>
-                </a:lnTo>
-                <a:close/>
-              </a:path>
-            </a:pathLst>
-          </a:custGeom>
-          <a:blipFill>
-            <a:blip r:embed="rId24">
-              <a:extLst>
-                <a:ext uri="{96DAC541-7B7A-43D3-8B79-37D633B846F1}">
-                  <asvg:svgBlip xmlns:asvg="http://schemas.microsoft.com/office/drawing/2016/SVG/main" r:embed="rId25"/>
-                </a:ext>
-              </a:extLst>
-            </a:blip>
-            <a:stretch>
-              <a:fillRect l="0" t="0" r="0" b="0"/>
-            </a:stretch>
-          </a:blipFill>
-        </p:spPr>
-      </p:sp>
-      <p:sp>
-        <p:nvSpPr>
-          <p:cNvPr name="Freeform 22" id="22"/>
-          <p:cNvSpPr/>
-          <p:nvPr/>
-        </p:nvSpPr>
-        <p:spPr>
-          <a:xfrm flipH="false" flipV="false" rot="0">
-            <a:off x="10151939" y="-1571519"/>
-            <a:ext cx="6286500" cy="4114800"/>
-          </a:xfrm>
-          <a:custGeom>
-            <a:avLst/>
-            <a:gdLst/>
-            <a:ahLst/>
-            <a:cxnLst/>
-            <a:rect r="r" b="b" t="t" l="l"/>
-            <a:pathLst>
-              <a:path h="4114800" w="6286500">
-                <a:moveTo>
-                  <a:pt x="0" y="0"/>
-                </a:moveTo>
-                <a:lnTo>
-                  <a:pt x="6286500" y="0"/>
-                </a:lnTo>
-                <a:lnTo>
-                  <a:pt x="6286500" y="4114800"/>
-                </a:lnTo>
-                <a:lnTo>
-                  <a:pt x="0" y="4114800"/>
-                </a:lnTo>
-                <a:lnTo>
-                  <a:pt x="0" y="0"/>
-                </a:lnTo>
-                <a:close/>
-              </a:path>
-            </a:pathLst>
-          </a:custGeom>
-          <a:blipFill>
-            <a:blip r:embed="rId26">
-              <a:extLst>
-                <a:ext uri="{96DAC541-7B7A-43D3-8B79-37D633B846F1}">
-                  <asvg:svgBlip xmlns:asvg="http://schemas.microsoft.com/office/drawing/2016/SVG/main" r:embed="rId27"/>
-                </a:ext>
-              </a:extLst>
-            </a:blip>
-            <a:stretch>
-              <a:fillRect l="0" t="0" r="0" b="0"/>
-            </a:stretch>
-          </a:blipFill>
-        </p:spPr>
-      </p:sp>
-      <p:sp>
-        <p:nvSpPr>
-          <p:cNvPr name="Freeform 23" id="23"/>
-          <p:cNvSpPr/>
-          <p:nvPr/>
-        </p:nvSpPr>
-        <p:spPr>
-          <a:xfrm flipH="false" flipV="false" rot="-822554">
-            <a:off x="5087302" y="-252638"/>
-            <a:ext cx="3326201" cy="2364626"/>
-          </a:xfrm>
-          <a:custGeom>
-            <a:avLst/>
-            <a:gdLst/>
-            <a:ahLst/>
-            <a:cxnLst/>
-            <a:rect r="r" b="b" t="t" l="l"/>
-            <a:pathLst>
-              <a:path h="2364626" w="3326201">
-                <a:moveTo>
-                  <a:pt x="0" y="0"/>
-                </a:moveTo>
-                <a:lnTo>
-                  <a:pt x="3326201" y="0"/>
-                </a:lnTo>
-                <a:lnTo>
-                  <a:pt x="3326201" y="2364626"/>
-                </a:lnTo>
-                <a:lnTo>
-                  <a:pt x="0" y="2364626"/>
-                </a:lnTo>
-                <a:lnTo>
-                  <a:pt x="0" y="0"/>
-                </a:lnTo>
-                <a:close/>
-              </a:path>
-            </a:pathLst>
-          </a:custGeom>
-          <a:blipFill>
-            <a:blip r:embed="rId28">
-              <a:extLst>
-                <a:ext uri="{96DAC541-7B7A-43D3-8B79-37D633B846F1}">
-                  <asvg:svgBlip xmlns:asvg="http://schemas.microsoft.com/office/drawing/2016/SVG/main" r:embed="rId29"/>
-                </a:ext>
-              </a:extLst>
-            </a:blip>
-            <a:stretch>
-              <a:fillRect l="0" t="0" r="0" b="0"/>
-            </a:stretch>
-          </a:blipFill>
-        </p:spPr>
-      </p:sp>
-      <p:sp>
-        <p:nvSpPr>
-          <p:cNvPr name="TextBox 24" id="24"/>
-          <p:cNvSpPr txBox="true"/>
-          <p:nvPr/>
-        </p:nvSpPr>
-        <p:spPr>
-          <a:xfrm rot="0">
-            <a:off x="5644117" y="3432087"/>
-            <a:ext cx="6999766" cy="3598545"/>
-          </a:xfrm>
-          <a:prstGeom prst="rect">
-            <a:avLst/>
-          </a:prstGeom>
-        </p:spPr>
-        <p:txBody>
-          <a:bodyPr anchor="t" rtlCol="false" tIns="0" lIns="0" bIns="0" rIns="0">
-            <a:spAutoFit/>
-          </a:bodyPr>
-          <a:lstStyle/>
-          <a:p>
-            <a:pPr algn="ctr">
-              <a:lnSpc>
-                <a:spcPts val="13800"/>
-              </a:lnSpc>
-            </a:pPr>
-            <a:r>
-              <a:rPr lang="en-US" sz="13800">
-                <a:solidFill>
-                  <a:srgbClr val="603F20"/>
-                </a:solidFill>
-                <a:latin typeface="Coiny"/>
-                <a:ea typeface="Coiny"/>
-                <a:cs typeface="Coiny"/>
-                <a:sym typeface="Coiny"/>
-              </a:rPr>
-              <a:t>THANK YOU</a:t>
-            </a:r>
-          </a:p>
-        </p:txBody>
-      </p:sp>
-    </p:spTree>
-  </p:cSld>
-  <p:clrMapOvr>
-    <a:masterClrMapping/>
-  </p:clrMapOvr>
-  <p:transition spd="fast">
-    <p:fade/>
-  </p:transition>
 </p:sld>
 </file>
 
@@ -7847,8 +5440,8 @@
         </p:nvSpPr>
         <p:spPr>
           <a:xfrm rot="0">
-            <a:off x="7481966" y="5546876"/>
-            <a:ext cx="3324068" cy="523091"/>
+            <a:off x="7083660" y="4852366"/>
+            <a:ext cx="3723168" cy="523625"/>
           </a:xfrm>
           <a:prstGeom prst="rect">
             <a:avLst/>
@@ -7878,7 +5471,7 @@
                 <a:cs typeface="Sniglet"/>
                 <a:sym typeface="Sniglet"/>
               </a:rPr>
-              <a:t>Kin Chun Hei</a:t>
+              <a:t>2 クイズ問題の登録</a:t>
             </a:r>
           </a:p>
         </p:txBody>
@@ -7891,8 +5484,8 @@
         </p:nvSpPr>
         <p:spPr>
           <a:xfrm rot="0">
-            <a:off x="7481172" y="4852366"/>
-            <a:ext cx="3325656" cy="523625"/>
+            <a:off x="6923049" y="4157857"/>
+            <a:ext cx="5022575" cy="523625"/>
           </a:xfrm>
           <a:prstGeom prst="rect">
             <a:avLst/>
@@ -7922,7 +5515,7 @@
                 <a:cs typeface="Sniglet"/>
                 <a:sym typeface="Sniglet"/>
               </a:rPr>
-              <a:t>Estelle Darcy</a:t>
+              <a:t>1 文字・音楽・動画を保存</a:t>
             </a:r>
           </a:p>
         </p:txBody>
@@ -7930,50 +5523,6 @@
       <p:sp>
         <p:nvSpPr>
           <p:cNvPr name="TextBox 26" id="26"/>
-          <p:cNvSpPr txBox="true"/>
-          <p:nvPr/>
-        </p:nvSpPr>
-        <p:spPr>
-          <a:xfrm rot="0">
-            <a:off x="7481966" y="4157857"/>
-            <a:ext cx="3324068" cy="523625"/>
-          </a:xfrm>
-          <a:prstGeom prst="rect">
-            <a:avLst/>
-          </a:prstGeom>
-        </p:spPr>
-        <p:txBody>
-          <a:bodyPr anchor="t" rtlCol="false" tIns="0" lIns="0" bIns="0" rIns="0">
-            <a:spAutoFit/>
-          </a:bodyPr>
-          <a:lstStyle/>
-          <a:p>
-            <a:pPr algn="ctr">
-              <a:lnSpc>
-                <a:spcPts val="4213"/>
-              </a:lnSpc>
-              <a:spcBef>
-                <a:spcPct val="0"/>
-              </a:spcBef>
-            </a:pPr>
-            <a:r>
-              <a:rPr lang="en-US" sz="3009">
-                <a:solidFill>
-                  <a:srgbClr val="603F20"/>
-                </a:solidFill>
-                <a:latin typeface="Sniglet"/>
-                <a:ea typeface="Sniglet"/>
-                <a:cs typeface="Sniglet"/>
-                <a:sym typeface="Sniglet"/>
-              </a:rPr>
-              <a:t>Alfredo Torres</a:t>
-            </a:r>
-          </a:p>
-        </p:txBody>
-      </p:sp>
-      <p:sp>
-        <p:nvSpPr>
-          <p:cNvPr name="TextBox 27" id="27"/>
           <p:cNvSpPr txBox="true"/>
           <p:nvPr/>
         </p:nvSpPr>
@@ -9089,47 +6638,49 @@
       </p:sp>
       <p:sp>
         <p:nvSpPr>
-          <p:cNvPr name="TextBox 22" id="22"/>
-          <p:cNvSpPr txBox="true"/>
-          <p:nvPr/>
-        </p:nvSpPr>
-        <p:spPr>
-          <a:xfrm rot="0">
-            <a:off x="3958701" y="3146409"/>
-            <a:ext cx="10553561" cy="2613025"/>
-          </a:xfrm>
-          <a:prstGeom prst="rect">
-            <a:avLst/>
-          </a:prstGeom>
-        </p:spPr>
-        <p:txBody>
-          <a:bodyPr anchor="t" rtlCol="false" tIns="0" lIns="0" bIns="0" rIns="0">
-            <a:spAutoFit/>
-          </a:bodyPr>
-          <a:lstStyle/>
-          <a:p>
-            <a:pPr algn="just">
-              <a:lnSpc>
-                <a:spcPts val="3499"/>
-              </a:lnSpc>
-              <a:spcBef>
-                <a:spcPct val="0"/>
-              </a:spcBef>
-            </a:pPr>
-            <a:r>
-              <a:rPr lang="en-US" sz="2499">
-                <a:solidFill>
-                  <a:srgbClr val="603F20"/>
-                </a:solidFill>
-                <a:latin typeface="Sniglet"/>
-                <a:ea typeface="Sniglet"/>
-                <a:cs typeface="Sniglet"/>
-                <a:sym typeface="Sniglet"/>
-              </a:rPr>
-              <a:t>Lorem ipsum dolor sit amet, consectetur adipiscing elit. Duis viverra dui mauris, sed hendrerit mi cursus faucibus. Proin accumsan arcu eu tempus molestie. Nulla quis libero scelerisque, hendrerit ex eu, varius metus. Vestibulum scelerisque tellus velit, sed tempus massa venenatis eu. Duis sit amet elementum diam. Cras blandit feugiat arcu, id tempor dui finibus ac. Pellentesque faucibus feugiat nibh vel feugiat.</a:t>
-            </a:r>
-          </a:p>
-        </p:txBody>
+          <p:cNvPr name="Freeform 22" id="22"/>
+          <p:cNvSpPr/>
+          <p:nvPr/>
+        </p:nvSpPr>
+        <p:spPr>
+          <a:xfrm flipH="false" flipV="false" rot="0">
+            <a:off x="111963" y="2289432"/>
+            <a:ext cx="11301259" cy="3164353"/>
+          </a:xfrm>
+          <a:custGeom>
+            <a:avLst/>
+            <a:gdLst/>
+            <a:ahLst/>
+            <a:cxnLst/>
+            <a:rect r="r" b="b" t="t" l="l"/>
+            <a:pathLst>
+              <a:path h="3164353" w="11301259">
+                <a:moveTo>
+                  <a:pt x="0" y="0"/>
+                </a:moveTo>
+                <a:lnTo>
+                  <a:pt x="11301259" y="0"/>
+                </a:lnTo>
+                <a:lnTo>
+                  <a:pt x="11301259" y="3164353"/>
+                </a:lnTo>
+                <a:lnTo>
+                  <a:pt x="0" y="3164353"/>
+                </a:lnTo>
+                <a:lnTo>
+                  <a:pt x="0" y="0"/>
+                </a:lnTo>
+                <a:close/>
+              </a:path>
+            </a:pathLst>
+          </a:custGeom>
+          <a:blipFill>
+            <a:blip r:embed="rId28"/>
+            <a:stretch>
+              <a:fillRect l="0" t="0" r="0" b="0"/>
+            </a:stretch>
+          </a:blipFill>
+        </p:spPr>
       </p:sp>
       <p:sp>
         <p:nvSpPr>
@@ -9168,6 +6719,50 @@
                 <a:sym typeface="Coiny"/>
               </a:rPr>
               <a:t>機能１説明</a:t>
+            </a:r>
+          </a:p>
+        </p:txBody>
+      </p:sp>
+      <p:sp>
+        <p:nvSpPr>
+          <p:cNvPr name="TextBox 24" id="24"/>
+          <p:cNvSpPr txBox="true"/>
+          <p:nvPr/>
+        </p:nvSpPr>
+        <p:spPr>
+          <a:xfrm rot="0">
+            <a:off x="11612404" y="2041175"/>
+            <a:ext cx="6194088" cy="1127943"/>
+          </a:xfrm>
+          <a:prstGeom prst="rect">
+            <a:avLst/>
+          </a:prstGeom>
+        </p:spPr>
+        <p:txBody>
+          <a:bodyPr anchor="t" rtlCol="false" tIns="0" lIns="0" bIns="0" rIns="0">
+            <a:spAutoFit/>
+          </a:bodyPr>
+          <a:lstStyle/>
+          <a:p>
+            <a:pPr algn="ctr">
+              <a:lnSpc>
+                <a:spcPts val="4504"/>
+              </a:lnSpc>
+              <a:spcBef>
+                <a:spcPct val="0"/>
+              </a:spcBef>
+            </a:pPr>
+            <a:r>
+              <a:rPr lang="en-US" sz="3217">
+                <a:solidFill>
+                  <a:srgbClr val="603F20"/>
+                </a:solidFill>
+                <a:latin typeface="Coiny"/>
+                <a:ea typeface="Coiny"/>
+                <a:cs typeface="Coiny"/>
+                <a:sym typeface="Coiny"/>
+              </a:rPr>
+              <a:t>ここで動画や音楽画像をテキスト込みで保存することができる</a:t>
             </a:r>
           </a:p>
         </p:txBody>
@@ -9371,28 +6966,28 @@
         </p:nvSpPr>
         <p:spPr>
           <a:xfrm flipH="false" flipV="false" rot="0">
-            <a:off x="2332987" y="8435643"/>
-            <a:ext cx="3009211" cy="2199460"/>
-          </a:xfrm>
-          <a:custGeom>
-            <a:avLst/>
-            <a:gdLst/>
-            <a:ahLst/>
-            <a:cxnLst/>
-            <a:rect r="r" b="b" t="t" l="l"/>
-            <a:pathLst>
-              <a:path h="2199460" w="3009211">
-                <a:moveTo>
-                  <a:pt x="0" y="0"/>
-                </a:moveTo>
-                <a:lnTo>
-                  <a:pt x="3009211" y="0"/>
-                </a:lnTo>
-                <a:lnTo>
-                  <a:pt x="3009211" y="2199460"/>
-                </a:lnTo>
-                <a:lnTo>
-                  <a:pt x="0" y="2199460"/>
+            <a:off x="2940173" y="5978076"/>
+            <a:ext cx="6371554" cy="4657027"/>
+          </a:xfrm>
+          <a:custGeom>
+            <a:avLst/>
+            <a:gdLst/>
+            <a:ahLst/>
+            <a:cxnLst/>
+            <a:rect r="r" b="b" t="t" l="l"/>
+            <a:pathLst>
+              <a:path h="4657027" w="6371554">
+                <a:moveTo>
+                  <a:pt x="0" y="0"/>
+                </a:moveTo>
+                <a:lnTo>
+                  <a:pt x="6371554" y="0"/>
+                </a:lnTo>
+                <a:lnTo>
+                  <a:pt x="6371554" y="4657027"/>
+                </a:lnTo>
+                <a:lnTo>
+                  <a:pt x="0" y="4657027"/>
                 </a:lnTo>
                 <a:lnTo>
                   <a:pt x="0" y="0"/>
@@ -9423,28 +7018,28 @@
         </p:nvSpPr>
         <p:spPr>
           <a:xfrm flipH="false" flipV="false" rot="0">
-            <a:off x="3105557" y="8964519"/>
-            <a:ext cx="570854" cy="570854"/>
-          </a:xfrm>
-          <a:custGeom>
-            <a:avLst/>
-            <a:gdLst/>
-            <a:ahLst/>
-            <a:cxnLst/>
-            <a:rect r="r" b="b" t="t" l="l"/>
-            <a:pathLst>
-              <a:path h="570854" w="570854">
-                <a:moveTo>
-                  <a:pt x="0" y="0"/>
-                </a:moveTo>
-                <a:lnTo>
-                  <a:pt x="570854" y="0"/>
-                </a:lnTo>
-                <a:lnTo>
-                  <a:pt x="570854" y="570854"/>
-                </a:lnTo>
-                <a:lnTo>
-                  <a:pt x="0" y="570854"/>
+            <a:off x="4575974" y="7097891"/>
+            <a:ext cx="1208698" cy="1208698"/>
+          </a:xfrm>
+          <a:custGeom>
+            <a:avLst/>
+            <a:gdLst/>
+            <a:ahLst/>
+            <a:cxnLst/>
+            <a:rect r="r" b="b" t="t" l="l"/>
+            <a:pathLst>
+              <a:path h="1208698" w="1208698">
+                <a:moveTo>
+                  <a:pt x="0" y="0"/>
+                </a:moveTo>
+                <a:lnTo>
+                  <a:pt x="1208698" y="0"/>
+                </a:lnTo>
+                <a:lnTo>
+                  <a:pt x="1208698" y="1208699"/>
+                </a:lnTo>
+                <a:lnTo>
+                  <a:pt x="0" y="1208699"/>
                 </a:lnTo>
                 <a:lnTo>
                   <a:pt x="0" y="0"/>
@@ -9475,28 +7070,28 @@
         </p:nvSpPr>
         <p:spPr>
           <a:xfrm flipH="false" flipV="false" rot="0">
-            <a:off x="4145541" y="8964519"/>
-            <a:ext cx="570854" cy="570854"/>
-          </a:xfrm>
-          <a:custGeom>
-            <a:avLst/>
-            <a:gdLst/>
-            <a:ahLst/>
-            <a:cxnLst/>
-            <a:rect r="r" b="b" t="t" l="l"/>
-            <a:pathLst>
-              <a:path h="570854" w="570854">
-                <a:moveTo>
-                  <a:pt x="0" y="0"/>
-                </a:moveTo>
-                <a:lnTo>
-                  <a:pt x="570854" y="0"/>
-                </a:lnTo>
-                <a:lnTo>
-                  <a:pt x="570854" y="570854"/>
-                </a:lnTo>
-                <a:lnTo>
-                  <a:pt x="0" y="570854"/>
+            <a:off x="6777985" y="7097891"/>
+            <a:ext cx="1208698" cy="1208698"/>
+          </a:xfrm>
+          <a:custGeom>
+            <a:avLst/>
+            <a:gdLst/>
+            <a:ahLst/>
+            <a:cxnLst/>
+            <a:rect r="r" b="b" t="t" l="l"/>
+            <a:pathLst>
+              <a:path h="1208698" w="1208698">
+                <a:moveTo>
+                  <a:pt x="0" y="0"/>
+                </a:moveTo>
+                <a:lnTo>
+                  <a:pt x="1208698" y="0"/>
+                </a:lnTo>
+                <a:lnTo>
+                  <a:pt x="1208698" y="1208699"/>
+                </a:lnTo>
+                <a:lnTo>
+                  <a:pt x="0" y="1208699"/>
                 </a:lnTo>
                 <a:lnTo>
                   <a:pt x="0" y="0"/>
@@ -9527,28 +7122,28 @@
         </p:nvSpPr>
         <p:spPr>
           <a:xfrm flipH="false" flipV="false" rot="0">
-            <a:off x="5342198" y="5978076"/>
-            <a:ext cx="5587394" cy="4520709"/>
-          </a:xfrm>
-          <a:custGeom>
-            <a:avLst/>
-            <a:gdLst/>
-            <a:ahLst/>
-            <a:cxnLst/>
-            <a:rect r="r" b="b" t="t" l="l"/>
-            <a:pathLst>
-              <a:path h="4520709" w="5587394">
-                <a:moveTo>
-                  <a:pt x="0" y="0"/>
-                </a:moveTo>
-                <a:lnTo>
-                  <a:pt x="5587394" y="0"/>
-                </a:lnTo>
-                <a:lnTo>
-                  <a:pt x="5587394" y="4520710"/>
-                </a:lnTo>
-                <a:lnTo>
-                  <a:pt x="0" y="4520710"/>
+            <a:off x="9450993" y="8480403"/>
+            <a:ext cx="2494631" cy="2018383"/>
+          </a:xfrm>
+          <a:custGeom>
+            <a:avLst/>
+            <a:gdLst/>
+            <a:ahLst/>
+            <a:cxnLst/>
+            <a:rect r="r" b="b" t="t" l="l"/>
+            <a:pathLst>
+              <a:path h="2018383" w="2494631">
+                <a:moveTo>
+                  <a:pt x="0" y="0"/>
+                </a:moveTo>
+                <a:lnTo>
+                  <a:pt x="2494631" y="0"/>
+                </a:lnTo>
+                <a:lnTo>
+                  <a:pt x="2494631" y="2018383"/>
+                </a:lnTo>
+                <a:lnTo>
+                  <a:pt x="0" y="2018383"/>
                 </a:lnTo>
                 <a:lnTo>
                   <a:pt x="0" y="0"/>
@@ -9579,28 +7174,28 @@
         </p:nvSpPr>
         <p:spPr>
           <a:xfrm flipH="false" flipV="false" rot="0">
-            <a:off x="6420173" y="7508264"/>
-            <a:ext cx="1177545" cy="1177545"/>
-          </a:xfrm>
-          <a:custGeom>
-            <a:avLst/>
-            <a:gdLst/>
-            <a:ahLst/>
-            <a:cxnLst/>
-            <a:rect r="r" b="b" t="t" l="l"/>
-            <a:pathLst>
-              <a:path h="1177545" w="1177545">
-                <a:moveTo>
-                  <a:pt x="0" y="0"/>
-                </a:moveTo>
-                <a:lnTo>
-                  <a:pt x="1177545" y="0"/>
-                </a:lnTo>
-                <a:lnTo>
-                  <a:pt x="1177545" y="1177545"/>
-                </a:lnTo>
-                <a:lnTo>
-                  <a:pt x="0" y="1177545"/>
+            <a:off x="9932282" y="9163593"/>
+            <a:ext cx="525744" cy="525744"/>
+          </a:xfrm>
+          <a:custGeom>
+            <a:avLst/>
+            <a:gdLst/>
+            <a:ahLst/>
+            <a:cxnLst/>
+            <a:rect r="r" b="b" t="t" l="l"/>
+            <a:pathLst>
+              <a:path h="525744" w="525744">
+                <a:moveTo>
+                  <a:pt x="0" y="0"/>
+                </a:moveTo>
+                <a:lnTo>
+                  <a:pt x="525744" y="0"/>
+                </a:lnTo>
+                <a:lnTo>
+                  <a:pt x="525744" y="525744"/>
+                </a:lnTo>
+                <a:lnTo>
+                  <a:pt x="0" y="525744"/>
                 </a:lnTo>
                 <a:lnTo>
                   <a:pt x="0" y="0"/>
@@ -9631,28 +7226,28 @@
         </p:nvSpPr>
         <p:spPr>
           <a:xfrm flipH="false" flipV="false" rot="0">
-            <a:off x="8559588" y="7881178"/>
-            <a:ext cx="1177545" cy="1177545"/>
-          </a:xfrm>
-          <a:custGeom>
-            <a:avLst/>
-            <a:gdLst/>
-            <a:ahLst/>
-            <a:cxnLst/>
-            <a:rect r="r" b="b" t="t" l="l"/>
-            <a:pathLst>
-              <a:path h="1177545" w="1177545">
-                <a:moveTo>
-                  <a:pt x="0" y="0"/>
-                </a:moveTo>
-                <a:lnTo>
-                  <a:pt x="1177546" y="0"/>
-                </a:lnTo>
-                <a:lnTo>
-                  <a:pt x="1177546" y="1177545"/>
-                </a:lnTo>
-                <a:lnTo>
-                  <a:pt x="0" y="1177545"/>
+            <a:off x="10887477" y="9330090"/>
+            <a:ext cx="525744" cy="525744"/>
+          </a:xfrm>
+          <a:custGeom>
+            <a:avLst/>
+            <a:gdLst/>
+            <a:ahLst/>
+            <a:cxnLst/>
+            <a:rect r="r" b="b" t="t" l="l"/>
+            <a:pathLst>
+              <a:path h="525744" w="525744">
+                <a:moveTo>
+                  <a:pt x="0" y="0"/>
+                </a:moveTo>
+                <a:lnTo>
+                  <a:pt x="525745" y="0"/>
+                </a:lnTo>
+                <a:lnTo>
+                  <a:pt x="525745" y="525744"/>
+                </a:lnTo>
+                <a:lnTo>
+                  <a:pt x="0" y="525744"/>
                 </a:lnTo>
                 <a:lnTo>
                   <a:pt x="0" y="0"/>
@@ -10099,28 +7694,28 @@
         </p:nvSpPr>
         <p:spPr>
           <a:xfrm flipH="false" flipV="false" rot="0">
-            <a:off x="-254797" y="199067"/>
-            <a:ext cx="7315200" cy="3126348"/>
-          </a:xfrm>
-          <a:custGeom>
-            <a:avLst/>
-            <a:gdLst/>
-            <a:ahLst/>
-            <a:cxnLst/>
-            <a:rect r="r" b="b" t="t" l="l"/>
-            <a:pathLst>
-              <a:path h="3126348" w="7315200">
-                <a:moveTo>
-                  <a:pt x="0" y="0"/>
-                </a:moveTo>
-                <a:lnTo>
-                  <a:pt x="7315200" y="0"/>
-                </a:lnTo>
-                <a:lnTo>
-                  <a:pt x="7315200" y="3126348"/>
-                </a:lnTo>
-                <a:lnTo>
-                  <a:pt x="0" y="3126348"/>
+            <a:off x="656629" y="-1454758"/>
+            <a:ext cx="5469322" cy="4430150"/>
+          </a:xfrm>
+          <a:custGeom>
+            <a:avLst/>
+            <a:gdLst/>
+            <a:ahLst/>
+            <a:cxnLst/>
+            <a:rect r="r" b="b" t="t" l="l"/>
+            <a:pathLst>
+              <a:path h="4430150" w="5469322">
+                <a:moveTo>
+                  <a:pt x="0" y="0"/>
+                </a:moveTo>
+                <a:lnTo>
+                  <a:pt x="5469321" y="0"/>
+                </a:lnTo>
+                <a:lnTo>
+                  <a:pt x="5469321" y="4430150"/>
+                </a:lnTo>
+                <a:lnTo>
+                  <a:pt x="0" y="4430150"/>
                 </a:lnTo>
                 <a:lnTo>
                   <a:pt x="0" y="0"/>
@@ -10150,29 +7745,29 @@
           <p:nvPr/>
         </p:nvSpPr>
         <p:spPr>
-          <a:xfrm flipH="false" flipV="false" rot="-1508828">
-            <a:off x="15349986" y="6217186"/>
-            <a:ext cx="1976228" cy="1058106"/>
-          </a:xfrm>
-          <a:custGeom>
-            <a:avLst/>
-            <a:gdLst/>
-            <a:ahLst/>
-            <a:cxnLst/>
-            <a:rect r="r" b="b" t="t" l="l"/>
-            <a:pathLst>
-              <a:path h="1058106" w="1976228">
-                <a:moveTo>
-                  <a:pt x="0" y="0"/>
-                </a:moveTo>
-                <a:lnTo>
-                  <a:pt x="1976228" y="0"/>
-                </a:lnTo>
-                <a:lnTo>
-                  <a:pt x="1976228" y="1058106"/>
-                </a:lnTo>
-                <a:lnTo>
-                  <a:pt x="0" y="1058106"/>
+          <a:xfrm flipH="false" flipV="false" rot="-7405970">
+            <a:off x="14979699" y="-480127"/>
+            <a:ext cx="1543050" cy="2057400"/>
+          </a:xfrm>
+          <a:custGeom>
+            <a:avLst/>
+            <a:gdLst/>
+            <a:ahLst/>
+            <a:cxnLst/>
+            <a:rect r="r" b="b" t="t" l="l"/>
+            <a:pathLst>
+              <a:path h="2057400" w="1543050">
+                <a:moveTo>
+                  <a:pt x="0" y="0"/>
+                </a:moveTo>
+                <a:lnTo>
+                  <a:pt x="1543050" y="0"/>
+                </a:lnTo>
+                <a:lnTo>
+                  <a:pt x="1543050" y="2057400"/>
+                </a:lnTo>
+                <a:lnTo>
+                  <a:pt x="0" y="2057400"/>
                 </a:lnTo>
                 <a:lnTo>
                   <a:pt x="0" y="0"/>
@@ -10202,29 +7797,29 @@
           <p:nvPr/>
         </p:nvSpPr>
         <p:spPr>
-          <a:xfrm flipH="false" flipV="false" rot="668146">
-            <a:off x="13530724" y="-324810"/>
-            <a:ext cx="4499148" cy="2408919"/>
-          </a:xfrm>
-          <a:custGeom>
-            <a:avLst/>
-            <a:gdLst/>
-            <a:ahLst/>
-            <a:cxnLst/>
-            <a:rect r="r" b="b" t="t" l="l"/>
-            <a:pathLst>
-              <a:path h="2408919" w="4499148">
-                <a:moveTo>
-                  <a:pt x="0" y="0"/>
-                </a:moveTo>
-                <a:lnTo>
-                  <a:pt x="4499148" y="0"/>
-                </a:lnTo>
-                <a:lnTo>
-                  <a:pt x="4499148" y="2408919"/>
-                </a:lnTo>
-                <a:lnTo>
-                  <a:pt x="0" y="2408919"/>
+          <a:xfrm flipH="false" flipV="false" rot="1532144">
+            <a:off x="-358231" y="4873014"/>
+            <a:ext cx="1543050" cy="2057400"/>
+          </a:xfrm>
+          <a:custGeom>
+            <a:avLst/>
+            <a:gdLst/>
+            <a:ahLst/>
+            <a:cxnLst/>
+            <a:rect r="r" b="b" t="t" l="l"/>
+            <a:pathLst>
+              <a:path h="2057400" w="1543050">
+                <a:moveTo>
+                  <a:pt x="0" y="0"/>
+                </a:moveTo>
+                <a:lnTo>
+                  <a:pt x="1543050" y="0"/>
+                </a:lnTo>
+                <a:lnTo>
+                  <a:pt x="1543050" y="2057400"/>
+                </a:lnTo>
+                <a:lnTo>
+                  <a:pt x="0" y="2057400"/>
                 </a:lnTo>
                 <a:lnTo>
                   <a:pt x="0" y="0"/>
@@ -10249,47 +7844,49 @@
       </p:sp>
       <p:sp>
         <p:nvSpPr>
-          <p:cNvPr name="TextBox 22" id="22"/>
-          <p:cNvSpPr txBox="true"/>
-          <p:nvPr/>
-        </p:nvSpPr>
-        <p:spPr>
-          <a:xfrm rot="0">
-            <a:off x="12065049" y="3672561"/>
-            <a:ext cx="4965651" cy="2174875"/>
-          </a:xfrm>
-          <a:prstGeom prst="rect">
-            <a:avLst/>
-          </a:prstGeom>
-        </p:spPr>
-        <p:txBody>
-          <a:bodyPr anchor="t" rtlCol="false" tIns="0" lIns="0" bIns="0" rIns="0">
-            <a:spAutoFit/>
-          </a:bodyPr>
-          <a:lstStyle/>
-          <a:p>
-            <a:pPr algn="just">
-              <a:lnSpc>
-                <a:spcPts val="3499"/>
-              </a:lnSpc>
-              <a:spcBef>
-                <a:spcPct val="0"/>
-              </a:spcBef>
-            </a:pPr>
-            <a:r>
-              <a:rPr lang="en-US" sz="2499">
-                <a:solidFill>
-                  <a:srgbClr val="603F20"/>
-                </a:solidFill>
-                <a:latin typeface="Sniglet"/>
-                <a:ea typeface="Sniglet"/>
-                <a:cs typeface="Sniglet"/>
-                <a:sym typeface="Sniglet"/>
-              </a:rPr>
-              <a:t>Lorem ipsum dolor sit amet, consectetur adipiscing elit. Duis viverra dui mauris, sed hendrerit mi cursus faucibus. Proin accumsan arcu eu tempus molestie.</a:t>
-            </a:r>
-          </a:p>
-        </p:txBody>
+          <p:cNvPr name="Freeform 22" id="22"/>
+          <p:cNvSpPr/>
+          <p:nvPr/>
+        </p:nvSpPr>
+        <p:spPr>
+          <a:xfrm flipH="false" flipV="false" rot="0">
+            <a:off x="311145" y="2251594"/>
+            <a:ext cx="11301259" cy="2217872"/>
+          </a:xfrm>
+          <a:custGeom>
+            <a:avLst/>
+            <a:gdLst/>
+            <a:ahLst/>
+            <a:cxnLst/>
+            <a:rect r="r" b="b" t="t" l="l"/>
+            <a:pathLst>
+              <a:path h="2217872" w="11301259">
+                <a:moveTo>
+                  <a:pt x="0" y="0"/>
+                </a:moveTo>
+                <a:lnTo>
+                  <a:pt x="11301259" y="0"/>
+                </a:lnTo>
+                <a:lnTo>
+                  <a:pt x="11301259" y="2217872"/>
+                </a:lnTo>
+                <a:lnTo>
+                  <a:pt x="0" y="2217872"/>
+                </a:lnTo>
+                <a:lnTo>
+                  <a:pt x="0" y="0"/>
+                </a:lnTo>
+                <a:close/>
+              </a:path>
+            </a:pathLst>
+          </a:custGeom>
+          <a:blipFill>
+            <a:blip r:embed="rId28"/>
+            <a:stretch>
+              <a:fillRect l="0" t="0" r="0" b="0"/>
+            </a:stretch>
+          </a:blipFill>
+        </p:spPr>
       </p:sp>
       <p:sp>
         <p:nvSpPr>
@@ -10299,8 +7896,8 @@
         </p:nvSpPr>
         <p:spPr>
           <a:xfrm rot="0">
-            <a:off x="11950749" y="3090465"/>
-            <a:ext cx="5194251" cy="422275"/>
+            <a:off x="5317402" y="1105157"/>
+            <a:ext cx="8488300" cy="1184275"/>
           </a:xfrm>
           <a:prstGeom prst="rect">
             <a:avLst/>
@@ -10314,227 +7911,7 @@
           <a:p>
             <a:pPr algn="ctr">
               <a:lnSpc>
-                <a:spcPts val="3499"/>
-              </a:lnSpc>
-              <a:spcBef>
-                <a:spcPct val="0"/>
-              </a:spcBef>
-            </a:pPr>
-            <a:r>
-              <a:rPr lang="en-US" sz="2499">
-                <a:solidFill>
-                  <a:srgbClr val="603F20"/>
-                </a:solidFill>
-                <a:latin typeface="Coiny"/>
-                <a:ea typeface="Coiny"/>
-                <a:cs typeface="Coiny"/>
-                <a:sym typeface="Coiny"/>
-              </a:rPr>
-              <a:t>IMPLEMENTATION PROCESS</a:t>
-            </a:r>
-          </a:p>
-        </p:txBody>
-      </p:sp>
-      <p:sp>
-        <p:nvSpPr>
-          <p:cNvPr name="TextBox 24" id="24"/>
-          <p:cNvSpPr txBox="true"/>
-          <p:nvPr/>
-        </p:nvSpPr>
-        <p:spPr>
-          <a:xfrm rot="0">
-            <a:off x="6664916" y="3672561"/>
-            <a:ext cx="4965651" cy="2174875"/>
-          </a:xfrm>
-          <a:prstGeom prst="rect">
-            <a:avLst/>
-          </a:prstGeom>
-        </p:spPr>
-        <p:txBody>
-          <a:bodyPr anchor="t" rtlCol="false" tIns="0" lIns="0" bIns="0" rIns="0">
-            <a:spAutoFit/>
-          </a:bodyPr>
-          <a:lstStyle/>
-          <a:p>
-            <a:pPr algn="just">
-              <a:lnSpc>
-                <a:spcPts val="3499"/>
-              </a:lnSpc>
-              <a:spcBef>
-                <a:spcPct val="0"/>
-              </a:spcBef>
-            </a:pPr>
-            <a:r>
-              <a:rPr lang="en-US" sz="2499">
-                <a:solidFill>
-                  <a:srgbClr val="603F20"/>
-                </a:solidFill>
-                <a:latin typeface="Sniglet"/>
-                <a:ea typeface="Sniglet"/>
-                <a:cs typeface="Sniglet"/>
-                <a:sym typeface="Sniglet"/>
-              </a:rPr>
-              <a:t>Lorem ipsum dolor sit amet, consectetur adipiscing elit. Duis viverra dui mauris, sed hendrerit mi cursus faucibus. Proin accumsan arcu eu tempus molestie.</a:t>
-            </a:r>
-          </a:p>
-        </p:txBody>
-      </p:sp>
-      <p:sp>
-        <p:nvSpPr>
-          <p:cNvPr name="TextBox 25" id="25"/>
-          <p:cNvSpPr txBox="true"/>
-          <p:nvPr/>
-        </p:nvSpPr>
-        <p:spPr>
-          <a:xfrm rot="0">
-            <a:off x="6591371" y="3090465"/>
-            <a:ext cx="4937661" cy="422275"/>
-          </a:xfrm>
-          <a:prstGeom prst="rect">
-            <a:avLst/>
-          </a:prstGeom>
-        </p:spPr>
-        <p:txBody>
-          <a:bodyPr anchor="t" rtlCol="false" tIns="0" lIns="0" bIns="0" rIns="0">
-            <a:spAutoFit/>
-          </a:bodyPr>
-          <a:lstStyle/>
-          <a:p>
-            <a:pPr algn="ctr">
-              <a:lnSpc>
-                <a:spcPts val="3499"/>
-              </a:lnSpc>
-              <a:spcBef>
-                <a:spcPct val="0"/>
-              </a:spcBef>
-            </a:pPr>
-            <a:r>
-              <a:rPr lang="en-US" sz="2499">
-                <a:solidFill>
-                  <a:srgbClr val="603F20"/>
-                </a:solidFill>
-                <a:latin typeface="Coiny"/>
-                <a:ea typeface="Coiny"/>
-                <a:cs typeface="Coiny"/>
-                <a:sym typeface="Coiny"/>
-              </a:rPr>
-              <a:t>TOOLS AND MATERIALS</a:t>
-            </a:r>
-          </a:p>
-        </p:txBody>
-      </p:sp>
-      <p:sp>
-        <p:nvSpPr>
-          <p:cNvPr name="TextBox 26" id="26"/>
-          <p:cNvSpPr txBox="true"/>
-          <p:nvPr/>
-        </p:nvSpPr>
-        <p:spPr>
-          <a:xfrm rot="0">
-            <a:off x="1292774" y="3672561"/>
-            <a:ext cx="4937661" cy="2174875"/>
-          </a:xfrm>
-          <a:prstGeom prst="rect">
-            <a:avLst/>
-          </a:prstGeom>
-        </p:spPr>
-        <p:txBody>
-          <a:bodyPr anchor="t" rtlCol="false" tIns="0" lIns="0" bIns="0" rIns="0">
-            <a:spAutoFit/>
-          </a:bodyPr>
-          <a:lstStyle/>
-          <a:p>
-            <a:pPr algn="just">
-              <a:lnSpc>
-                <a:spcPts val="3499"/>
-              </a:lnSpc>
-              <a:spcBef>
-                <a:spcPct val="0"/>
-              </a:spcBef>
-            </a:pPr>
-            <a:r>
-              <a:rPr lang="en-US" sz="2499">
-                <a:solidFill>
-                  <a:srgbClr val="603F20"/>
-                </a:solidFill>
-                <a:latin typeface="Sniglet"/>
-                <a:ea typeface="Sniglet"/>
-                <a:cs typeface="Sniglet"/>
-                <a:sym typeface="Sniglet"/>
-              </a:rPr>
-              <a:t>Lorem ipsum dolor sit amet, consectetur adipiscing elit. Duis viverra dui mauris, sed hendrerit mi cursus faucibus. Proin accumsan arcu eu tempus molestie.</a:t>
-            </a:r>
-          </a:p>
-        </p:txBody>
-      </p:sp>
-      <p:sp>
-        <p:nvSpPr>
-          <p:cNvPr name="TextBox 27" id="27"/>
-          <p:cNvSpPr txBox="true"/>
-          <p:nvPr/>
-        </p:nvSpPr>
-        <p:spPr>
-          <a:xfrm rot="0">
-            <a:off x="1467855" y="3090465"/>
-            <a:ext cx="4587498" cy="422275"/>
-          </a:xfrm>
-          <a:prstGeom prst="rect">
-            <a:avLst/>
-          </a:prstGeom>
-        </p:spPr>
-        <p:txBody>
-          <a:bodyPr anchor="t" rtlCol="false" tIns="0" lIns="0" bIns="0" rIns="0">
-            <a:spAutoFit/>
-          </a:bodyPr>
-          <a:lstStyle/>
-          <a:p>
-            <a:pPr algn="ctr">
-              <a:lnSpc>
-                <a:spcPts val="3499"/>
-              </a:lnSpc>
-              <a:spcBef>
-                <a:spcPct val="0"/>
-              </a:spcBef>
-            </a:pPr>
-            <a:r>
-              <a:rPr lang="en-US" sz="2499">
-                <a:solidFill>
-                  <a:srgbClr val="603F20"/>
-                </a:solidFill>
-                <a:latin typeface="Coiny"/>
-                <a:ea typeface="Coiny"/>
-                <a:cs typeface="Coiny"/>
-                <a:sym typeface="Coiny"/>
-              </a:rPr>
-              <a:t>RESEARCH APPROACH</a:t>
-            </a:r>
-          </a:p>
-        </p:txBody>
-      </p:sp>
-      <p:sp>
-        <p:nvSpPr>
-          <p:cNvPr name="TextBox 28" id="28"/>
-          <p:cNvSpPr txBox="true"/>
-          <p:nvPr/>
-        </p:nvSpPr>
-        <p:spPr>
-          <a:xfrm rot="0">
-            <a:off x="4205688" y="1409172"/>
-            <a:ext cx="9876624" cy="920750"/>
-          </a:xfrm>
-          <a:prstGeom prst="rect">
-            <a:avLst/>
-          </a:prstGeom>
-        </p:spPr>
-        <p:txBody>
-          <a:bodyPr anchor="t" rtlCol="false" tIns="0" lIns="0" bIns="0" rIns="0">
-            <a:spAutoFit/>
-          </a:bodyPr>
-          <a:lstStyle/>
-          <a:p>
-            <a:pPr algn="ctr">
-              <a:lnSpc>
-                <a:spcPts val="6999"/>
+                <a:spcPts val="9799"/>
               </a:lnSpc>
             </a:pPr>
             <a:r>
@@ -10547,7 +7924,70 @@
                 <a:cs typeface="Coiny"/>
                 <a:sym typeface="Coiny"/>
               </a:rPr>
-              <a:t>機能２説明</a:t>
+              <a:t>機能１説明</a:t>
+            </a:r>
+          </a:p>
+        </p:txBody>
+      </p:sp>
+      <p:sp>
+        <p:nvSpPr>
+          <p:cNvPr name="TextBox 24" id="24"/>
+          <p:cNvSpPr txBox="true"/>
+          <p:nvPr/>
+        </p:nvSpPr>
+        <p:spPr>
+          <a:xfrm rot="0">
+            <a:off x="11612404" y="2041175"/>
+            <a:ext cx="6194088" cy="2270943"/>
+          </a:xfrm>
+          <a:prstGeom prst="rect">
+            <a:avLst/>
+          </a:prstGeom>
+        </p:spPr>
+        <p:txBody>
+          <a:bodyPr anchor="t" rtlCol="false" tIns="0" lIns="0" bIns="0" rIns="0">
+            <a:spAutoFit/>
+          </a:bodyPr>
+          <a:lstStyle/>
+          <a:p>
+            <a:pPr algn="ctr">
+              <a:lnSpc>
+                <a:spcPts val="4504"/>
+              </a:lnSpc>
+            </a:pPr>
+            <a:r>
+              <a:rPr lang="en-US" sz="3217">
+                <a:solidFill>
+                  <a:srgbClr val="603F20"/>
+                </a:solidFill>
+                <a:latin typeface="Coiny"/>
+                <a:ea typeface="Coiny"/>
+                <a:cs typeface="Coiny"/>
+                <a:sym typeface="Coiny"/>
+              </a:rPr>
+              <a:t>登録されたものはこのように登録済み一覧に表示されます。</a:t>
+            </a:r>
+          </a:p>
+          <a:p>
+            <a:pPr algn="ctr">
+              <a:lnSpc>
+                <a:spcPts val="4504"/>
+              </a:lnSpc>
+              <a:spcBef>
+                <a:spcPct val="0"/>
+              </a:spcBef>
+            </a:pPr>
+            <a:r>
+              <a:rPr lang="en-US" sz="3217">
+                <a:solidFill>
+                  <a:srgbClr val="603F20"/>
+                </a:solidFill>
+                <a:latin typeface="Coiny"/>
+                <a:ea typeface="Coiny"/>
+                <a:cs typeface="Coiny"/>
+                <a:sym typeface="Coiny"/>
+              </a:rPr>
+              <a:t>ここで保存した音楽や動画、画像を確認することができます。</a:t>
             </a:r>
           </a:p>
         </p:txBody>
@@ -10907,28 +8347,28 @@
         </p:nvSpPr>
         <p:spPr>
           <a:xfrm flipH="false" flipV="false" rot="0">
-            <a:off x="4852852" y="8435643"/>
-            <a:ext cx="2549951" cy="2063142"/>
-          </a:xfrm>
-          <a:custGeom>
-            <a:avLst/>
-            <a:gdLst/>
-            <a:ahLst/>
-            <a:cxnLst/>
-            <a:rect r="r" b="b" t="t" l="l"/>
-            <a:pathLst>
-              <a:path h="2063142" w="2549951">
-                <a:moveTo>
-                  <a:pt x="0" y="0"/>
-                </a:moveTo>
-                <a:lnTo>
-                  <a:pt x="2549952" y="0"/>
-                </a:lnTo>
-                <a:lnTo>
-                  <a:pt x="2549952" y="2063143"/>
-                </a:lnTo>
-                <a:lnTo>
-                  <a:pt x="0" y="2063143"/>
+            <a:off x="5342198" y="5978076"/>
+            <a:ext cx="5587394" cy="4520709"/>
+          </a:xfrm>
+          <a:custGeom>
+            <a:avLst/>
+            <a:gdLst/>
+            <a:ahLst/>
+            <a:cxnLst/>
+            <a:rect r="r" b="b" t="t" l="l"/>
+            <a:pathLst>
+              <a:path h="4520709" w="5587394">
+                <a:moveTo>
+                  <a:pt x="0" y="0"/>
+                </a:moveTo>
+                <a:lnTo>
+                  <a:pt x="5587394" y="0"/>
+                </a:lnTo>
+                <a:lnTo>
+                  <a:pt x="5587394" y="4520710"/>
+                </a:lnTo>
+                <a:lnTo>
+                  <a:pt x="0" y="4520710"/>
                 </a:lnTo>
                 <a:lnTo>
                   <a:pt x="0" y="0"/>
@@ -10959,28 +8399,28 @@
         </p:nvSpPr>
         <p:spPr>
           <a:xfrm flipH="false" flipV="false" rot="0">
-            <a:off x="5344814" y="9133984"/>
-            <a:ext cx="537403" cy="537403"/>
-          </a:xfrm>
-          <a:custGeom>
-            <a:avLst/>
-            <a:gdLst/>
-            <a:ahLst/>
-            <a:cxnLst/>
-            <a:rect r="r" b="b" t="t" l="l"/>
-            <a:pathLst>
-              <a:path h="537403" w="537403">
-                <a:moveTo>
-                  <a:pt x="0" y="0"/>
-                </a:moveTo>
-                <a:lnTo>
-                  <a:pt x="537403" y="0"/>
-                </a:lnTo>
-                <a:lnTo>
-                  <a:pt x="537403" y="537403"/>
-                </a:lnTo>
-                <a:lnTo>
-                  <a:pt x="0" y="537403"/>
+            <a:off x="6420173" y="7508264"/>
+            <a:ext cx="1177545" cy="1177545"/>
+          </a:xfrm>
+          <a:custGeom>
+            <a:avLst/>
+            <a:gdLst/>
+            <a:ahLst/>
+            <a:cxnLst/>
+            <a:rect r="r" b="b" t="t" l="l"/>
+            <a:pathLst>
+              <a:path h="1177545" w="1177545">
+                <a:moveTo>
+                  <a:pt x="0" y="0"/>
+                </a:moveTo>
+                <a:lnTo>
+                  <a:pt x="1177545" y="0"/>
+                </a:lnTo>
+                <a:lnTo>
+                  <a:pt x="1177545" y="1177545"/>
+                </a:lnTo>
+                <a:lnTo>
+                  <a:pt x="0" y="1177545"/>
                 </a:lnTo>
                 <a:lnTo>
                   <a:pt x="0" y="0"/>
@@ -11011,28 +8451,28 @@
         </p:nvSpPr>
         <p:spPr>
           <a:xfrm flipH="false" flipV="false" rot="0">
-            <a:off x="6321192" y="9304173"/>
-            <a:ext cx="537403" cy="537403"/>
-          </a:xfrm>
-          <a:custGeom>
-            <a:avLst/>
-            <a:gdLst/>
-            <a:ahLst/>
-            <a:cxnLst/>
-            <a:rect r="r" b="b" t="t" l="l"/>
-            <a:pathLst>
-              <a:path h="537403" w="537403">
-                <a:moveTo>
-                  <a:pt x="0" y="0"/>
-                </a:moveTo>
-                <a:lnTo>
-                  <a:pt x="537403" y="0"/>
-                </a:lnTo>
-                <a:lnTo>
-                  <a:pt x="537403" y="537403"/>
-                </a:lnTo>
-                <a:lnTo>
-                  <a:pt x="0" y="537403"/>
+            <a:off x="8559588" y="7881178"/>
+            <a:ext cx="1177545" cy="1177545"/>
+          </a:xfrm>
+          <a:custGeom>
+            <a:avLst/>
+            <a:gdLst/>
+            <a:ahLst/>
+            <a:cxnLst/>
+            <a:rect r="r" b="b" t="t" l="l"/>
+            <a:pathLst>
+              <a:path h="1177545" w="1177545">
+                <a:moveTo>
+                  <a:pt x="0" y="0"/>
+                </a:moveTo>
+                <a:lnTo>
+                  <a:pt x="1177546" y="0"/>
+                </a:lnTo>
+                <a:lnTo>
+                  <a:pt x="1177546" y="1177545"/>
+                </a:lnTo>
+                <a:lnTo>
+                  <a:pt x="0" y="1177545"/>
                 </a:lnTo>
                 <a:lnTo>
                   <a:pt x="0" y="0"/>
@@ -11063,28 +8503,28 @@
         </p:nvSpPr>
         <p:spPr>
           <a:xfrm flipH="false" flipV="false" rot="0">
-            <a:off x="7895649" y="5978076"/>
-            <a:ext cx="5358600" cy="4520709"/>
-          </a:xfrm>
-          <a:custGeom>
-            <a:avLst/>
-            <a:gdLst/>
-            <a:ahLst/>
-            <a:cxnLst/>
-            <a:rect r="r" b="b" t="t" l="l"/>
-            <a:pathLst>
-              <a:path h="4520709" w="5358600">
-                <a:moveTo>
-                  <a:pt x="0" y="0"/>
-                </a:moveTo>
-                <a:lnTo>
-                  <a:pt x="5358600" y="0"/>
-                </a:lnTo>
-                <a:lnTo>
-                  <a:pt x="5358600" y="4520710"/>
-                </a:lnTo>
-                <a:lnTo>
-                  <a:pt x="0" y="4520710"/>
+            <a:off x="11413222" y="8480403"/>
+            <a:ext cx="2392480" cy="2018383"/>
+          </a:xfrm>
+          <a:custGeom>
+            <a:avLst/>
+            <a:gdLst/>
+            <a:ahLst/>
+            <a:cxnLst/>
+            <a:rect r="r" b="b" t="t" l="l"/>
+            <a:pathLst>
+              <a:path h="2018383" w="2392480">
+                <a:moveTo>
+                  <a:pt x="0" y="0"/>
+                </a:moveTo>
+                <a:lnTo>
+                  <a:pt x="2392479" y="0"/>
+                </a:lnTo>
+                <a:lnTo>
+                  <a:pt x="2392479" y="2018383"/>
+                </a:lnTo>
+                <a:lnTo>
+                  <a:pt x="0" y="2018383"/>
                 </a:lnTo>
                 <a:lnTo>
                   <a:pt x="0" y="0"/>
@@ -11115,28 +8555,28 @@
         </p:nvSpPr>
         <p:spPr>
           <a:xfrm flipH="false" flipV="false" rot="-6258949">
-            <a:off x="9042013" y="7440385"/>
-            <a:ext cx="894876" cy="1398244"/>
-          </a:xfrm>
-          <a:custGeom>
-            <a:avLst/>
-            <a:gdLst/>
-            <a:ahLst/>
-            <a:cxnLst/>
-            <a:rect r="r" b="b" t="t" l="l"/>
-            <a:pathLst>
-              <a:path h="1398244" w="894876">
-                <a:moveTo>
-                  <a:pt x="0" y="0"/>
-                </a:moveTo>
-                <a:lnTo>
-                  <a:pt x="894877" y="0"/>
-                </a:lnTo>
-                <a:lnTo>
-                  <a:pt x="894877" y="1398244"/>
-                </a:lnTo>
-                <a:lnTo>
-                  <a:pt x="0" y="1398244"/>
+            <a:off x="11925044" y="9133287"/>
+            <a:ext cx="399540" cy="624281"/>
+          </a:xfrm>
+          <a:custGeom>
+            <a:avLst/>
+            <a:gdLst/>
+            <a:ahLst/>
+            <a:cxnLst/>
+            <a:rect r="r" b="b" t="t" l="l"/>
+            <a:pathLst>
+              <a:path h="624281" w="399540">
+                <a:moveTo>
+                  <a:pt x="0" y="0"/>
+                </a:moveTo>
+                <a:lnTo>
+                  <a:pt x="399540" y="0"/>
+                </a:lnTo>
+                <a:lnTo>
+                  <a:pt x="399540" y="624281"/>
+                </a:lnTo>
+                <a:lnTo>
+                  <a:pt x="0" y="624281"/>
                 </a:lnTo>
                 <a:lnTo>
                   <a:pt x="0" y="0"/>
@@ -11167,28 +8607,28 @@
         </p:nvSpPr>
         <p:spPr>
           <a:xfrm flipH="false" flipV="false" rot="-6529594">
-            <a:off x="11093479" y="7428499"/>
-            <a:ext cx="691254" cy="1080084"/>
-          </a:xfrm>
-          <a:custGeom>
-            <a:avLst/>
-            <a:gdLst/>
-            <a:ahLst/>
-            <a:cxnLst/>
-            <a:rect r="r" b="b" t="t" l="l"/>
-            <a:pathLst>
-              <a:path h="1080084" w="691254">
-                <a:moveTo>
-                  <a:pt x="0" y="0"/>
-                </a:moveTo>
-                <a:lnTo>
-                  <a:pt x="691254" y="0"/>
-                </a:lnTo>
-                <a:lnTo>
-                  <a:pt x="691254" y="1080084"/>
-                </a:lnTo>
-                <a:lnTo>
-                  <a:pt x="0" y="1080084"/>
+            <a:off x="12840972" y="9127980"/>
+            <a:ext cx="308627" cy="482230"/>
+          </a:xfrm>
+          <a:custGeom>
+            <a:avLst/>
+            <a:gdLst/>
+            <a:ahLst/>
+            <a:cxnLst/>
+            <a:rect r="r" b="b" t="t" l="l"/>
+            <a:pathLst>
+              <a:path h="482230" w="308627">
+                <a:moveTo>
+                  <a:pt x="0" y="0"/>
+                </a:moveTo>
+                <a:lnTo>
+                  <a:pt x="308627" y="0"/>
+                </a:lnTo>
+                <a:lnTo>
+                  <a:pt x="308627" y="482230"/>
+                </a:lnTo>
+                <a:lnTo>
+                  <a:pt x="0" y="482230"/>
                 </a:lnTo>
                 <a:lnTo>
                   <a:pt x="0" y="0"/>
@@ -11479,28 +8919,28 @@
         </p:nvSpPr>
         <p:spPr>
           <a:xfrm flipH="false" flipV="false" rot="0">
-            <a:off x="-92664" y="1056394"/>
-            <a:ext cx="1315227" cy="1570421"/>
-          </a:xfrm>
-          <a:custGeom>
-            <a:avLst/>
-            <a:gdLst/>
-            <a:ahLst/>
-            <a:cxnLst/>
-            <a:rect r="r" b="b" t="t" l="l"/>
-            <a:pathLst>
-              <a:path h="1570421" w="1315227">
-                <a:moveTo>
-                  <a:pt x="0" y="0"/>
-                </a:moveTo>
-                <a:lnTo>
-                  <a:pt x="1315227" y="0"/>
-                </a:lnTo>
-                <a:lnTo>
-                  <a:pt x="1315227" y="1570421"/>
-                </a:lnTo>
-                <a:lnTo>
-                  <a:pt x="0" y="1570421"/>
+            <a:off x="-254797" y="199067"/>
+            <a:ext cx="7315200" cy="3126348"/>
+          </a:xfrm>
+          <a:custGeom>
+            <a:avLst/>
+            <a:gdLst/>
+            <a:ahLst/>
+            <a:cxnLst/>
+            <a:rect r="r" b="b" t="t" l="l"/>
+            <a:pathLst>
+              <a:path h="3126348" w="7315200">
+                <a:moveTo>
+                  <a:pt x="0" y="0"/>
+                </a:moveTo>
+                <a:lnTo>
+                  <a:pt x="7315200" y="0"/>
+                </a:lnTo>
+                <a:lnTo>
+                  <a:pt x="7315200" y="3126348"/>
+                </a:lnTo>
+                <a:lnTo>
+                  <a:pt x="0" y="3126348"/>
                 </a:lnTo>
                 <a:lnTo>
                   <a:pt x="0" y="0"/>
@@ -11530,42 +8970,42 @@
           <p:nvPr/>
         </p:nvSpPr>
         <p:spPr>
-          <a:xfrm flipH="false" flipV="false" rot="140815">
-            <a:off x="1582233" y="-235755"/>
-            <a:ext cx="1220799" cy="1457671"/>
-          </a:xfrm>
-          <a:custGeom>
-            <a:avLst/>
-            <a:gdLst/>
-            <a:ahLst/>
-            <a:cxnLst/>
-            <a:rect r="r" b="b" t="t" l="l"/>
-            <a:pathLst>
-              <a:path h="1457671" w="1220799">
-                <a:moveTo>
-                  <a:pt x="0" y="0"/>
-                </a:moveTo>
-                <a:lnTo>
-                  <a:pt x="1220800" y="0"/>
-                </a:lnTo>
-                <a:lnTo>
-                  <a:pt x="1220800" y="1457670"/>
-                </a:lnTo>
-                <a:lnTo>
-                  <a:pt x="0" y="1457670"/>
-                </a:lnTo>
-                <a:lnTo>
-                  <a:pt x="0" y="0"/>
-                </a:lnTo>
-                <a:close/>
-              </a:path>
-            </a:pathLst>
-          </a:custGeom>
-          <a:blipFill>
-            <a:blip r:embed="rId24">
-              <a:extLst>
-                <a:ext uri="{96DAC541-7B7A-43D3-8B79-37D633B846F1}">
-                  <asvg:svgBlip xmlns:asvg="http://schemas.microsoft.com/office/drawing/2016/SVG/main" r:embed="rId25"/>
+          <a:xfrm flipH="false" flipV="false" rot="-1508828">
+            <a:off x="15349986" y="6217186"/>
+            <a:ext cx="1976228" cy="1058106"/>
+          </a:xfrm>
+          <a:custGeom>
+            <a:avLst/>
+            <a:gdLst/>
+            <a:ahLst/>
+            <a:cxnLst/>
+            <a:rect r="r" b="b" t="t" l="l"/>
+            <a:pathLst>
+              <a:path h="1058106" w="1976228">
+                <a:moveTo>
+                  <a:pt x="0" y="0"/>
+                </a:moveTo>
+                <a:lnTo>
+                  <a:pt x="1976228" y="0"/>
+                </a:lnTo>
+                <a:lnTo>
+                  <a:pt x="1976228" y="1058106"/>
+                </a:lnTo>
+                <a:lnTo>
+                  <a:pt x="0" y="1058106"/>
+                </a:lnTo>
+                <a:lnTo>
+                  <a:pt x="0" y="0"/>
+                </a:lnTo>
+                <a:close/>
+              </a:path>
+            </a:pathLst>
+          </a:custGeom>
+          <a:blipFill>
+            <a:blip r:embed="rId26">
+              <a:extLst>
+                <a:ext uri="{96DAC541-7B7A-43D3-8B79-37D633B846F1}">
+                  <asvg:svgBlip xmlns:asvg="http://schemas.microsoft.com/office/drawing/2016/SVG/main" r:embed="rId27"/>
                 </a:ext>
               </a:extLst>
             </a:blip>
@@ -11582,217 +9022,107 @@
           <p:nvPr/>
         </p:nvSpPr>
         <p:spPr>
+          <a:xfrm flipH="false" flipV="false" rot="668146">
+            <a:off x="13530724" y="-324810"/>
+            <a:ext cx="4499148" cy="2408919"/>
+          </a:xfrm>
+          <a:custGeom>
+            <a:avLst/>
+            <a:gdLst/>
+            <a:ahLst/>
+            <a:cxnLst/>
+            <a:rect r="r" b="b" t="t" l="l"/>
+            <a:pathLst>
+              <a:path h="2408919" w="4499148">
+                <a:moveTo>
+                  <a:pt x="0" y="0"/>
+                </a:moveTo>
+                <a:lnTo>
+                  <a:pt x="4499148" y="0"/>
+                </a:lnTo>
+                <a:lnTo>
+                  <a:pt x="4499148" y="2408919"/>
+                </a:lnTo>
+                <a:lnTo>
+                  <a:pt x="0" y="2408919"/>
+                </a:lnTo>
+                <a:lnTo>
+                  <a:pt x="0" y="0"/>
+                </a:lnTo>
+                <a:close/>
+              </a:path>
+            </a:pathLst>
+          </a:custGeom>
+          <a:blipFill>
+            <a:blip r:embed="rId26">
+              <a:extLst>
+                <a:ext uri="{96DAC541-7B7A-43D3-8B79-37D633B846F1}">
+                  <asvg:svgBlip xmlns:asvg="http://schemas.microsoft.com/office/drawing/2016/SVG/main" r:embed="rId27"/>
+                </a:ext>
+              </a:extLst>
+            </a:blip>
+            <a:stretch>
+              <a:fillRect l="0" t="0" r="0" b="0"/>
+            </a:stretch>
+          </a:blipFill>
+        </p:spPr>
+      </p:sp>
+      <p:sp>
+        <p:nvSpPr>
+          <p:cNvPr name="Freeform 22" id="22"/>
+          <p:cNvSpPr/>
+          <p:nvPr/>
+        </p:nvSpPr>
+        <p:spPr>
           <a:xfrm flipH="false" flipV="false" rot="0">
-            <a:off x="14036625" y="-260140"/>
-            <a:ext cx="3222675" cy="3222675"/>
-          </a:xfrm>
-          <a:custGeom>
-            <a:avLst/>
-            <a:gdLst/>
-            <a:ahLst/>
-            <a:cxnLst/>
-            <a:rect r="r" b="b" t="t" l="l"/>
-            <a:pathLst>
-              <a:path h="3222675" w="3222675">
-                <a:moveTo>
-                  <a:pt x="0" y="0"/>
-                </a:moveTo>
-                <a:lnTo>
-                  <a:pt x="3222675" y="0"/>
-                </a:lnTo>
-                <a:lnTo>
-                  <a:pt x="3222675" y="3222675"/>
-                </a:lnTo>
-                <a:lnTo>
-                  <a:pt x="0" y="3222675"/>
-                </a:lnTo>
-                <a:lnTo>
-                  <a:pt x="0" y="0"/>
-                </a:lnTo>
-                <a:close/>
-              </a:path>
-            </a:pathLst>
-          </a:custGeom>
-          <a:blipFill>
-            <a:blip r:embed="rId26">
-              <a:extLst>
-                <a:ext uri="{96DAC541-7B7A-43D3-8B79-37D633B846F1}">
-                  <asvg:svgBlip xmlns:asvg="http://schemas.microsoft.com/office/drawing/2016/SVG/main" r:embed="rId27"/>
-                </a:ext>
-              </a:extLst>
-            </a:blip>
-            <a:stretch>
-              <a:fillRect l="0" t="0" r="0" b="0"/>
-            </a:stretch>
-          </a:blipFill>
-        </p:spPr>
-      </p:sp>
-      <p:sp>
-        <p:nvSpPr>
-          <p:cNvPr name="Freeform 22" id="22"/>
-          <p:cNvSpPr/>
-          <p:nvPr/>
-        </p:nvSpPr>
-        <p:spPr>
-          <a:xfrm flipH="false" flipV="false" rot="0">
-            <a:off x="2472059" y="1529874"/>
-            <a:ext cx="1365533" cy="1246049"/>
-          </a:xfrm>
-          <a:custGeom>
-            <a:avLst/>
-            <a:gdLst/>
-            <a:ahLst/>
-            <a:cxnLst/>
-            <a:rect r="r" b="b" t="t" l="l"/>
-            <a:pathLst>
-              <a:path h="1246049" w="1365533">
-                <a:moveTo>
-                  <a:pt x="0" y="0"/>
-                </a:moveTo>
-                <a:lnTo>
-                  <a:pt x="1365533" y="0"/>
-                </a:lnTo>
-                <a:lnTo>
-                  <a:pt x="1365533" y="1246049"/>
-                </a:lnTo>
-                <a:lnTo>
-                  <a:pt x="0" y="1246049"/>
-                </a:lnTo>
-                <a:lnTo>
-                  <a:pt x="0" y="0"/>
-                </a:lnTo>
-                <a:close/>
-              </a:path>
-            </a:pathLst>
-          </a:custGeom>
-          <a:blipFill>
-            <a:blip r:embed="rId28">
-              <a:extLst>
-                <a:ext uri="{96DAC541-7B7A-43D3-8B79-37D633B846F1}">
-                  <asvg:svgBlip xmlns:asvg="http://schemas.microsoft.com/office/drawing/2016/SVG/main" r:embed="rId29"/>
-                </a:ext>
-              </a:extLst>
-            </a:blip>
-            <a:stretch>
-              <a:fillRect l="0" t="0" r="0" b="0"/>
-            </a:stretch>
-          </a:blipFill>
-        </p:spPr>
-      </p:sp>
-      <p:sp>
-        <p:nvSpPr>
-          <p:cNvPr name="Freeform 23" id="23"/>
-          <p:cNvSpPr/>
-          <p:nvPr/>
-        </p:nvSpPr>
-        <p:spPr>
-          <a:xfrm flipH="true" flipV="false" rot="0">
-            <a:off x="17101157" y="5978076"/>
-            <a:ext cx="1410672" cy="1410672"/>
-          </a:xfrm>
-          <a:custGeom>
-            <a:avLst/>
-            <a:gdLst/>
-            <a:ahLst/>
-            <a:cxnLst/>
-            <a:rect r="r" b="b" t="t" l="l"/>
-            <a:pathLst>
-              <a:path h="1410672" w="1410672">
-                <a:moveTo>
-                  <a:pt x="1410671" y="0"/>
-                </a:moveTo>
-                <a:lnTo>
-                  <a:pt x="0" y="0"/>
-                </a:lnTo>
-                <a:lnTo>
-                  <a:pt x="0" y="1410672"/>
-                </a:lnTo>
-                <a:lnTo>
-                  <a:pt x="1410671" y="1410672"/>
-                </a:lnTo>
-                <a:lnTo>
-                  <a:pt x="1410671" y="0"/>
-                </a:lnTo>
-                <a:close/>
-              </a:path>
-            </a:pathLst>
-          </a:custGeom>
-          <a:blipFill>
-            <a:blip r:embed="rId26">
-              <a:extLst>
-                <a:ext uri="{96DAC541-7B7A-43D3-8B79-37D633B846F1}">
-                  <asvg:svgBlip xmlns:asvg="http://schemas.microsoft.com/office/drawing/2016/SVG/main" r:embed="rId27"/>
-                </a:ext>
-              </a:extLst>
-            </a:blip>
-            <a:stretch>
-              <a:fillRect l="0" t="0" r="0" b="0"/>
-            </a:stretch>
-          </a:blipFill>
-        </p:spPr>
-      </p:sp>
-      <p:sp>
-        <p:nvSpPr>
-          <p:cNvPr name="Freeform 24" id="24"/>
-          <p:cNvSpPr/>
-          <p:nvPr/>
-        </p:nvSpPr>
-        <p:spPr>
-          <a:xfrm flipH="false" flipV="false" rot="0">
-            <a:off x="6702245" y="3749558"/>
-            <a:ext cx="3677489" cy="962833"/>
-          </a:xfrm>
-          <a:custGeom>
-            <a:avLst/>
-            <a:gdLst/>
-            <a:ahLst/>
-            <a:cxnLst/>
-            <a:rect r="r" b="b" t="t" l="l"/>
-            <a:pathLst>
-              <a:path h="962833" w="3677489">
-                <a:moveTo>
-                  <a:pt x="0" y="0"/>
-                </a:moveTo>
-                <a:lnTo>
-                  <a:pt x="3677489" y="0"/>
-                </a:lnTo>
-                <a:lnTo>
-                  <a:pt x="3677489" y="962833"/>
-                </a:lnTo>
-                <a:lnTo>
-                  <a:pt x="0" y="962833"/>
-                </a:lnTo>
-                <a:lnTo>
-                  <a:pt x="0" y="0"/>
-                </a:lnTo>
-                <a:close/>
-              </a:path>
-            </a:pathLst>
-          </a:custGeom>
-          <a:blipFill>
-            <a:blip r:embed="rId30">
-              <a:extLst>
-                <a:ext uri="{96DAC541-7B7A-43D3-8B79-37D633B846F1}">
-                  <asvg:svgBlip xmlns:asvg="http://schemas.microsoft.com/office/drawing/2016/SVG/main" r:embed="rId31"/>
-                </a:ext>
-              </a:extLst>
-            </a:blip>
-            <a:stretch>
-              <a:fillRect l="0" t="0" r="0" b="0"/>
-            </a:stretch>
-          </a:blipFill>
-        </p:spPr>
-      </p:sp>
-      <p:sp>
-        <p:nvSpPr>
-          <p:cNvPr name="TextBox 25" id="25"/>
+            <a:off x="366458" y="2495903"/>
+            <a:ext cx="11301259" cy="3517517"/>
+          </a:xfrm>
+          <a:custGeom>
+            <a:avLst/>
+            <a:gdLst/>
+            <a:ahLst/>
+            <a:cxnLst/>
+            <a:rect r="r" b="b" t="t" l="l"/>
+            <a:pathLst>
+              <a:path h="3517517" w="11301259">
+                <a:moveTo>
+                  <a:pt x="0" y="0"/>
+                </a:moveTo>
+                <a:lnTo>
+                  <a:pt x="11301259" y="0"/>
+                </a:lnTo>
+                <a:lnTo>
+                  <a:pt x="11301259" y="3517517"/>
+                </a:lnTo>
+                <a:lnTo>
+                  <a:pt x="0" y="3517517"/>
+                </a:lnTo>
+                <a:lnTo>
+                  <a:pt x="0" y="0"/>
+                </a:lnTo>
+                <a:close/>
+              </a:path>
+            </a:pathLst>
+          </a:custGeom>
+          <a:blipFill>
+            <a:blip r:embed="rId28"/>
+            <a:stretch>
+              <a:fillRect l="0" t="0" r="0" b="0"/>
+            </a:stretch>
+          </a:blipFill>
+        </p:spPr>
+      </p:sp>
+      <p:sp>
+        <p:nvSpPr>
+          <p:cNvPr name="TextBox 23" id="23"/>
           <p:cNvSpPr txBox="true"/>
           <p:nvPr/>
         </p:nvSpPr>
         <p:spPr>
           <a:xfrm rot="0">
-            <a:off x="12493645" y="3365051"/>
-            <a:ext cx="4448920" cy="2613025"/>
+            <a:off x="11772970" y="2596580"/>
+            <a:ext cx="4965651" cy="1298575"/>
           </a:xfrm>
           <a:prstGeom prst="rect">
             <a:avLst/>
@@ -11822,73 +9152,21 @@
                 <a:cs typeface="Sniglet"/>
                 <a:sym typeface="Sniglet"/>
               </a:rPr>
-              <a:t>Lorem ipsum dolor sit amet, consectetur adipiscing elit. Duis viverra dui mauris, sed hendrerit mi cursus faucibus. Proin accumsan arcu eu tempus molestie.</a:t>
+              <a:t>この部分ではクイズの問題登録、削除、クイズ画面に行くことのできるボタンがあります。</a:t>
             </a:r>
           </a:p>
         </p:txBody>
       </p:sp>
       <p:sp>
         <p:nvSpPr>
-          <p:cNvPr name="Freeform 26" id="26"/>
-          <p:cNvSpPr/>
-          <p:nvPr/>
-        </p:nvSpPr>
-        <p:spPr>
-          <a:xfrm flipH="false" flipV="false" rot="0">
-            <a:off x="8197031" y="4849408"/>
-            <a:ext cx="3677489" cy="962833"/>
-          </a:xfrm>
-          <a:custGeom>
-            <a:avLst/>
-            <a:gdLst/>
-            <a:ahLst/>
-            <a:cxnLst/>
-            <a:rect r="r" b="b" t="t" l="l"/>
-            <a:pathLst>
-              <a:path h="962833" w="3677489">
-                <a:moveTo>
-                  <a:pt x="0" y="0"/>
-                </a:moveTo>
-                <a:lnTo>
-                  <a:pt x="3677489" y="0"/>
-                </a:lnTo>
-                <a:lnTo>
-                  <a:pt x="3677489" y="962834"/>
-                </a:lnTo>
-                <a:lnTo>
-                  <a:pt x="0" y="962834"/>
-                </a:lnTo>
-                <a:lnTo>
-                  <a:pt x="0" y="0"/>
-                </a:lnTo>
-                <a:close/>
-              </a:path>
-            </a:pathLst>
-          </a:custGeom>
-          <a:blipFill>
-            <a:blip r:embed="rId32">
-              <a:extLst>
-                <a:ext uri="{96DAC541-7B7A-43D3-8B79-37D633B846F1}">
-                  <asvg:svgBlip xmlns:asvg="http://schemas.microsoft.com/office/drawing/2016/SVG/main" r:embed="rId33"/>
-                </a:ext>
-              </a:extLst>
-            </a:blip>
-            <a:stretch>
-              <a:fillRect l="0" t="0" r="0" b="0"/>
-            </a:stretch>
-          </a:blipFill>
-        </p:spPr>
-      </p:sp>
-      <p:sp>
-        <p:nvSpPr>
-          <p:cNvPr name="TextBox 27" id="27"/>
+          <p:cNvPr name="TextBox 24" id="24"/>
           <p:cNvSpPr txBox="true"/>
           <p:nvPr/>
         </p:nvSpPr>
         <p:spPr>
           <a:xfrm rot="0">
-            <a:off x="8001816" y="5095875"/>
-            <a:ext cx="4067920" cy="422275"/>
+            <a:off x="4205688" y="1409172"/>
+            <a:ext cx="9876624" cy="920750"/>
           </a:xfrm>
           <a:prstGeom prst="rect">
             <a:avLst/>
@@ -11902,139 +9180,7 @@
           <a:p>
             <a:pPr algn="ctr">
               <a:lnSpc>
-                <a:spcPts val="3499"/>
-              </a:lnSpc>
-              <a:spcBef>
-                <a:spcPct val="0"/>
-              </a:spcBef>
-            </a:pPr>
-            <a:r>
-              <a:rPr lang="en-US" sz="2499">
-                <a:solidFill>
-                  <a:srgbClr val="603F20"/>
-                </a:solidFill>
-                <a:latin typeface="Coiny"/>
-                <a:ea typeface="Coiny"/>
-                <a:cs typeface="Coiny"/>
-                <a:sym typeface="Coiny"/>
-              </a:rPr>
-              <a:t>KEY FINDINGS</a:t>
-            </a:r>
-          </a:p>
-        </p:txBody>
-      </p:sp>
-      <p:sp>
-        <p:nvSpPr>
-          <p:cNvPr name="TextBox 28" id="28"/>
-          <p:cNvSpPr txBox="true"/>
-          <p:nvPr/>
-        </p:nvSpPr>
-        <p:spPr>
-          <a:xfrm rot="0">
-            <a:off x="1724832" y="3247290"/>
-            <a:ext cx="4225520" cy="2613025"/>
-          </a:xfrm>
-          <a:prstGeom prst="rect">
-            <a:avLst/>
-          </a:prstGeom>
-        </p:spPr>
-        <p:txBody>
-          <a:bodyPr anchor="t" rtlCol="false" tIns="0" lIns="0" bIns="0" rIns="0">
-            <a:spAutoFit/>
-          </a:bodyPr>
-          <a:lstStyle/>
-          <a:p>
-            <a:pPr algn="just">
-              <a:lnSpc>
-                <a:spcPts val="3499"/>
-              </a:lnSpc>
-              <a:spcBef>
-                <a:spcPct val="0"/>
-              </a:spcBef>
-            </a:pPr>
-            <a:r>
-              <a:rPr lang="en-US" sz="2499">
-                <a:solidFill>
-                  <a:srgbClr val="603F20"/>
-                </a:solidFill>
-                <a:latin typeface="Sniglet"/>
-                <a:ea typeface="Sniglet"/>
-                <a:cs typeface="Sniglet"/>
-                <a:sym typeface="Sniglet"/>
-              </a:rPr>
-              <a:t>Lorem ipsum dolor sit amet, consectetur adipiscing elit. Duis viverra dui mauris, sed hendrerit mi cursus faucibus. Proin accumsan arcu eu tempus molestie.</a:t>
-            </a:r>
-          </a:p>
-        </p:txBody>
-      </p:sp>
-      <p:sp>
-        <p:nvSpPr>
-          <p:cNvPr name="TextBox 29" id="29"/>
-          <p:cNvSpPr txBox="true"/>
-          <p:nvPr/>
-        </p:nvSpPr>
-        <p:spPr>
-          <a:xfrm rot="0">
-            <a:off x="6507029" y="3996025"/>
-            <a:ext cx="4067920" cy="422275"/>
-          </a:xfrm>
-          <a:prstGeom prst="rect">
-            <a:avLst/>
-          </a:prstGeom>
-        </p:spPr>
-        <p:txBody>
-          <a:bodyPr anchor="t" rtlCol="false" tIns="0" lIns="0" bIns="0" rIns="0">
-            <a:spAutoFit/>
-          </a:bodyPr>
-          <a:lstStyle/>
-          <a:p>
-            <a:pPr algn="ctr">
-              <a:lnSpc>
-                <a:spcPts val="3499"/>
-              </a:lnSpc>
-              <a:spcBef>
-                <a:spcPct val="0"/>
-              </a:spcBef>
-            </a:pPr>
-            <a:r>
-              <a:rPr lang="en-US" sz="2499">
-                <a:solidFill>
-                  <a:srgbClr val="603F20"/>
-                </a:solidFill>
-                <a:latin typeface="Coiny"/>
-                <a:ea typeface="Coiny"/>
-                <a:cs typeface="Coiny"/>
-                <a:sym typeface="Coiny"/>
-              </a:rPr>
-              <a:t>COLLECTED DATA</a:t>
-            </a:r>
-          </a:p>
-        </p:txBody>
-      </p:sp>
-      <p:sp>
-        <p:nvSpPr>
-          <p:cNvPr name="TextBox 30" id="30"/>
-          <p:cNvSpPr txBox="true"/>
-          <p:nvPr/>
-        </p:nvSpPr>
-        <p:spPr>
-          <a:xfrm rot="0">
-            <a:off x="3704459" y="1133656"/>
-            <a:ext cx="10918858" cy="1184275"/>
-          </a:xfrm>
-          <a:prstGeom prst="rect">
-            <a:avLst/>
-          </a:prstGeom>
-        </p:spPr>
-        <p:txBody>
-          <a:bodyPr anchor="t" rtlCol="false" tIns="0" lIns="0" bIns="0" rIns="0">
-            <a:spAutoFit/>
-          </a:bodyPr>
-          <a:lstStyle/>
-          <a:p>
-            <a:pPr algn="ctr">
-              <a:lnSpc>
-                <a:spcPts val="9799"/>
+                <a:spcPts val="6999"/>
               </a:lnSpc>
             </a:pPr>
             <a:r>
@@ -12047,7 +9193,7 @@
                 <a:cs typeface="Coiny"/>
                 <a:sym typeface="Coiny"/>
               </a:rPr>
-              <a:t>まとめ</a:t>
+              <a:t>機能２説明</a:t>
             </a:r>
           </a:p>
         </p:txBody>
@@ -12407,28 +9553,28 @@
         </p:nvSpPr>
         <p:spPr>
           <a:xfrm flipH="false" flipV="false" rot="0">
-            <a:off x="4852852" y="8435643"/>
-            <a:ext cx="2549951" cy="2063142"/>
-          </a:xfrm>
-          <a:custGeom>
-            <a:avLst/>
-            <a:gdLst/>
-            <a:ahLst/>
-            <a:cxnLst/>
-            <a:rect r="r" b="b" t="t" l="l"/>
-            <a:pathLst>
-              <a:path h="2063142" w="2549951">
-                <a:moveTo>
-                  <a:pt x="0" y="0"/>
-                </a:moveTo>
-                <a:lnTo>
-                  <a:pt x="2549952" y="0"/>
-                </a:lnTo>
-                <a:lnTo>
-                  <a:pt x="2549952" y="2063143"/>
-                </a:lnTo>
-                <a:lnTo>
-                  <a:pt x="0" y="2063143"/>
+            <a:off x="5342198" y="5978076"/>
+            <a:ext cx="5587394" cy="4520709"/>
+          </a:xfrm>
+          <a:custGeom>
+            <a:avLst/>
+            <a:gdLst/>
+            <a:ahLst/>
+            <a:cxnLst/>
+            <a:rect r="r" b="b" t="t" l="l"/>
+            <a:pathLst>
+              <a:path h="4520709" w="5587394">
+                <a:moveTo>
+                  <a:pt x="0" y="0"/>
+                </a:moveTo>
+                <a:lnTo>
+                  <a:pt x="5587394" y="0"/>
+                </a:lnTo>
+                <a:lnTo>
+                  <a:pt x="5587394" y="4520710"/>
+                </a:lnTo>
+                <a:lnTo>
+                  <a:pt x="0" y="4520710"/>
                 </a:lnTo>
                 <a:lnTo>
                   <a:pt x="0" y="0"/>
@@ -12459,28 +9605,28 @@
         </p:nvSpPr>
         <p:spPr>
           <a:xfrm flipH="false" flipV="false" rot="0">
-            <a:off x="5344814" y="9133984"/>
-            <a:ext cx="537403" cy="537403"/>
-          </a:xfrm>
-          <a:custGeom>
-            <a:avLst/>
-            <a:gdLst/>
-            <a:ahLst/>
-            <a:cxnLst/>
-            <a:rect r="r" b="b" t="t" l="l"/>
-            <a:pathLst>
-              <a:path h="537403" w="537403">
-                <a:moveTo>
-                  <a:pt x="0" y="0"/>
-                </a:moveTo>
-                <a:lnTo>
-                  <a:pt x="537403" y="0"/>
-                </a:lnTo>
-                <a:lnTo>
-                  <a:pt x="537403" y="537403"/>
-                </a:lnTo>
-                <a:lnTo>
-                  <a:pt x="0" y="537403"/>
+            <a:off x="6420173" y="7508264"/>
+            <a:ext cx="1177545" cy="1177545"/>
+          </a:xfrm>
+          <a:custGeom>
+            <a:avLst/>
+            <a:gdLst/>
+            <a:ahLst/>
+            <a:cxnLst/>
+            <a:rect r="r" b="b" t="t" l="l"/>
+            <a:pathLst>
+              <a:path h="1177545" w="1177545">
+                <a:moveTo>
+                  <a:pt x="0" y="0"/>
+                </a:moveTo>
+                <a:lnTo>
+                  <a:pt x="1177545" y="0"/>
+                </a:lnTo>
+                <a:lnTo>
+                  <a:pt x="1177545" y="1177545"/>
+                </a:lnTo>
+                <a:lnTo>
+                  <a:pt x="0" y="1177545"/>
                 </a:lnTo>
                 <a:lnTo>
                   <a:pt x="0" y="0"/>
@@ -12511,28 +9657,28 @@
         </p:nvSpPr>
         <p:spPr>
           <a:xfrm flipH="false" flipV="false" rot="0">
-            <a:off x="6321192" y="9304173"/>
-            <a:ext cx="537403" cy="537403"/>
-          </a:xfrm>
-          <a:custGeom>
-            <a:avLst/>
-            <a:gdLst/>
-            <a:ahLst/>
-            <a:cxnLst/>
-            <a:rect r="r" b="b" t="t" l="l"/>
-            <a:pathLst>
-              <a:path h="537403" w="537403">
-                <a:moveTo>
-                  <a:pt x="0" y="0"/>
-                </a:moveTo>
-                <a:lnTo>
-                  <a:pt x="537403" y="0"/>
-                </a:lnTo>
-                <a:lnTo>
-                  <a:pt x="537403" y="537403"/>
-                </a:lnTo>
-                <a:lnTo>
-                  <a:pt x="0" y="537403"/>
+            <a:off x="8559588" y="7881178"/>
+            <a:ext cx="1177545" cy="1177545"/>
+          </a:xfrm>
+          <a:custGeom>
+            <a:avLst/>
+            <a:gdLst/>
+            <a:ahLst/>
+            <a:cxnLst/>
+            <a:rect r="r" b="b" t="t" l="l"/>
+            <a:pathLst>
+              <a:path h="1177545" w="1177545">
+                <a:moveTo>
+                  <a:pt x="0" y="0"/>
+                </a:moveTo>
+                <a:lnTo>
+                  <a:pt x="1177546" y="0"/>
+                </a:lnTo>
+                <a:lnTo>
+                  <a:pt x="1177546" y="1177545"/>
+                </a:lnTo>
+                <a:lnTo>
+                  <a:pt x="0" y="1177545"/>
                 </a:lnTo>
                 <a:lnTo>
                   <a:pt x="0" y="0"/>
@@ -12563,28 +9709,28 @@
         </p:nvSpPr>
         <p:spPr>
           <a:xfrm flipH="false" flipV="false" rot="0">
-            <a:off x="7109666" y="8435643"/>
-            <a:ext cx="2445535" cy="2063142"/>
-          </a:xfrm>
-          <a:custGeom>
-            <a:avLst/>
-            <a:gdLst/>
-            <a:ahLst/>
-            <a:cxnLst/>
-            <a:rect r="r" b="b" t="t" l="l"/>
-            <a:pathLst>
-              <a:path h="2063142" w="2445535">
-                <a:moveTo>
-                  <a:pt x="0" y="0"/>
-                </a:moveTo>
-                <a:lnTo>
-                  <a:pt x="2445535" y="0"/>
-                </a:lnTo>
-                <a:lnTo>
-                  <a:pt x="2445535" y="2063143"/>
-                </a:lnTo>
-                <a:lnTo>
-                  <a:pt x="0" y="2063143"/>
+            <a:off x="11413222" y="8480403"/>
+            <a:ext cx="2392480" cy="2018383"/>
+          </a:xfrm>
+          <a:custGeom>
+            <a:avLst/>
+            <a:gdLst/>
+            <a:ahLst/>
+            <a:cxnLst/>
+            <a:rect r="r" b="b" t="t" l="l"/>
+            <a:pathLst>
+              <a:path h="2018383" w="2392480">
+                <a:moveTo>
+                  <a:pt x="0" y="0"/>
+                </a:moveTo>
+                <a:lnTo>
+                  <a:pt x="2392479" y="0"/>
+                </a:lnTo>
+                <a:lnTo>
+                  <a:pt x="2392479" y="2018383"/>
+                </a:lnTo>
+                <a:lnTo>
+                  <a:pt x="0" y="2018383"/>
                 </a:lnTo>
                 <a:lnTo>
                   <a:pt x="0" y="0"/>
@@ -12615,28 +9761,28 @@
         </p:nvSpPr>
         <p:spPr>
           <a:xfrm flipH="false" flipV="false" rot="-6258949">
-            <a:off x="7632839" y="9103005"/>
-            <a:ext cx="408400" cy="638125"/>
-          </a:xfrm>
-          <a:custGeom>
-            <a:avLst/>
-            <a:gdLst/>
-            <a:ahLst/>
-            <a:cxnLst/>
-            <a:rect r="r" b="b" t="t" l="l"/>
-            <a:pathLst>
-              <a:path h="638125" w="408400">
-                <a:moveTo>
-                  <a:pt x="0" y="0"/>
-                </a:moveTo>
-                <a:lnTo>
-                  <a:pt x="408400" y="0"/>
-                </a:lnTo>
-                <a:lnTo>
-                  <a:pt x="408400" y="638125"/>
-                </a:lnTo>
-                <a:lnTo>
-                  <a:pt x="0" y="638125"/>
+            <a:off x="11925044" y="9133287"/>
+            <a:ext cx="399540" cy="624281"/>
+          </a:xfrm>
+          <a:custGeom>
+            <a:avLst/>
+            <a:gdLst/>
+            <a:ahLst/>
+            <a:cxnLst/>
+            <a:rect r="r" b="b" t="t" l="l"/>
+            <a:pathLst>
+              <a:path h="624281" w="399540">
+                <a:moveTo>
+                  <a:pt x="0" y="0"/>
+                </a:moveTo>
+                <a:lnTo>
+                  <a:pt x="399540" y="0"/>
+                </a:lnTo>
+                <a:lnTo>
+                  <a:pt x="399540" y="624281"/>
+                </a:lnTo>
+                <a:lnTo>
+                  <a:pt x="0" y="624281"/>
                 </a:lnTo>
                 <a:lnTo>
                   <a:pt x="0" y="0"/>
@@ -12667,28 +9813,28 @@
         </p:nvSpPr>
         <p:spPr>
           <a:xfrm flipH="false" flipV="false" rot="-6529594">
-            <a:off x="8569078" y="9097581"/>
-            <a:ext cx="315472" cy="492924"/>
-          </a:xfrm>
-          <a:custGeom>
-            <a:avLst/>
-            <a:gdLst/>
-            <a:ahLst/>
-            <a:cxnLst/>
-            <a:rect r="r" b="b" t="t" l="l"/>
-            <a:pathLst>
-              <a:path h="492924" w="315472">
-                <a:moveTo>
-                  <a:pt x="0" y="0"/>
-                </a:moveTo>
-                <a:lnTo>
-                  <a:pt x="315472" y="0"/>
-                </a:lnTo>
-                <a:lnTo>
-                  <a:pt x="315472" y="492924"/>
-                </a:lnTo>
-                <a:lnTo>
-                  <a:pt x="0" y="492924"/>
+            <a:off x="12840972" y="9127980"/>
+            <a:ext cx="308627" cy="482230"/>
+          </a:xfrm>
+          <a:custGeom>
+            <a:avLst/>
+            <a:gdLst/>
+            <a:ahLst/>
+            <a:cxnLst/>
+            <a:rect r="r" b="b" t="t" l="l"/>
+            <a:pathLst>
+              <a:path h="482230" w="308627">
+                <a:moveTo>
+                  <a:pt x="0" y="0"/>
+                </a:moveTo>
+                <a:lnTo>
+                  <a:pt x="308627" y="0"/>
+                </a:lnTo>
+                <a:lnTo>
+                  <a:pt x="308627" y="482230"/>
+                </a:lnTo>
+                <a:lnTo>
+                  <a:pt x="0" y="482230"/>
                 </a:lnTo>
                 <a:lnTo>
                   <a:pt x="0" y="0"/>
@@ -12719,28 +9865,28 @@
         </p:nvSpPr>
         <p:spPr>
           <a:xfrm flipH="false" flipV="false" rot="0">
-            <a:off x="656629" y="-1454758"/>
-            <a:ext cx="5469322" cy="4430150"/>
-          </a:xfrm>
-          <a:custGeom>
-            <a:avLst/>
-            <a:gdLst/>
-            <a:ahLst/>
-            <a:cxnLst/>
-            <a:rect r="r" b="b" t="t" l="l"/>
-            <a:pathLst>
-              <a:path h="4430150" w="5469322">
-                <a:moveTo>
-                  <a:pt x="0" y="0"/>
-                </a:moveTo>
-                <a:lnTo>
-                  <a:pt x="5469321" y="0"/>
-                </a:lnTo>
-                <a:lnTo>
-                  <a:pt x="5469321" y="4430150"/>
-                </a:lnTo>
-                <a:lnTo>
-                  <a:pt x="0" y="4430150"/>
+            <a:off x="13273299" y="8480403"/>
+            <a:ext cx="2477926" cy="2018383"/>
+          </a:xfrm>
+          <a:custGeom>
+            <a:avLst/>
+            <a:gdLst/>
+            <a:ahLst/>
+            <a:cxnLst/>
+            <a:rect r="r" b="b" t="t" l="l"/>
+            <a:pathLst>
+              <a:path h="2018383" w="2477926">
+                <a:moveTo>
+                  <a:pt x="0" y="0"/>
+                </a:moveTo>
+                <a:lnTo>
+                  <a:pt x="2477925" y="0"/>
+                </a:lnTo>
+                <a:lnTo>
+                  <a:pt x="2477925" y="2018383"/>
+                </a:lnTo>
+                <a:lnTo>
+                  <a:pt x="0" y="2018383"/>
                 </a:lnTo>
                 <a:lnTo>
                   <a:pt x="0" y="0"/>
@@ -12770,42 +9916,42 @@
           <p:nvPr/>
         </p:nvSpPr>
         <p:spPr>
-          <a:xfrm flipH="false" flipV="false" rot="-7405970">
-            <a:off x="14979699" y="-480127"/>
-            <a:ext cx="1543050" cy="2057400"/>
-          </a:xfrm>
-          <a:custGeom>
-            <a:avLst/>
-            <a:gdLst/>
-            <a:ahLst/>
-            <a:cxnLst/>
-            <a:rect r="r" b="b" t="t" l="l"/>
-            <a:pathLst>
-              <a:path h="2057400" w="1543050">
-                <a:moveTo>
-                  <a:pt x="0" y="0"/>
-                </a:moveTo>
-                <a:lnTo>
-                  <a:pt x="1543050" y="0"/>
-                </a:lnTo>
-                <a:lnTo>
-                  <a:pt x="1543050" y="2057400"/>
-                </a:lnTo>
-                <a:lnTo>
-                  <a:pt x="0" y="2057400"/>
-                </a:lnTo>
-                <a:lnTo>
-                  <a:pt x="0" y="0"/>
-                </a:lnTo>
-                <a:close/>
-              </a:path>
-            </a:pathLst>
-          </a:custGeom>
-          <a:blipFill>
-            <a:blip r:embed="rId20">
-              <a:extLst>
-                <a:ext uri="{96DAC541-7B7A-43D3-8B79-37D633B846F1}">
-                  <asvg:svgBlip xmlns:asvg="http://schemas.microsoft.com/office/drawing/2016/SVG/main" r:embed="rId21"/>
+          <a:xfrm flipH="false" flipV="false" rot="0">
+            <a:off x="14267461" y="9286474"/>
+            <a:ext cx="489601" cy="489601"/>
+          </a:xfrm>
+          <a:custGeom>
+            <a:avLst/>
+            <a:gdLst/>
+            <a:ahLst/>
+            <a:cxnLst/>
+            <a:rect r="r" b="b" t="t" l="l"/>
+            <a:pathLst>
+              <a:path h="489601" w="489601">
+                <a:moveTo>
+                  <a:pt x="0" y="0"/>
+                </a:moveTo>
+                <a:lnTo>
+                  <a:pt x="489601" y="0"/>
+                </a:lnTo>
+                <a:lnTo>
+                  <a:pt x="489601" y="489601"/>
+                </a:lnTo>
+                <a:lnTo>
+                  <a:pt x="0" y="489601"/>
+                </a:lnTo>
+                <a:lnTo>
+                  <a:pt x="0" y="0"/>
+                </a:lnTo>
+                <a:close/>
+              </a:path>
+            </a:pathLst>
+          </a:custGeom>
+          <a:blipFill>
+            <a:blip r:embed="rId6">
+              <a:extLst>
+                <a:ext uri="{96DAC541-7B7A-43D3-8B79-37D633B846F1}">
+                  <asvg:svgBlip xmlns:asvg="http://schemas.microsoft.com/office/drawing/2016/SVG/main" r:embed="rId7"/>
                 </a:ext>
               </a:extLst>
             </a:blip>
@@ -12818,162 +9964,6 @@
       <p:sp>
         <p:nvSpPr>
           <p:cNvPr name="Freeform 16" id="16"/>
-          <p:cNvSpPr/>
-          <p:nvPr/>
-        </p:nvSpPr>
-        <p:spPr>
-          <a:xfrm flipH="false" flipV="false" rot="1532144">
-            <a:off x="-358231" y="4873014"/>
-            <a:ext cx="1543050" cy="2057400"/>
-          </a:xfrm>
-          <a:custGeom>
-            <a:avLst/>
-            <a:gdLst/>
-            <a:ahLst/>
-            <a:cxnLst/>
-            <a:rect r="r" b="b" t="t" l="l"/>
-            <a:pathLst>
-              <a:path h="2057400" w="1543050">
-                <a:moveTo>
-                  <a:pt x="0" y="0"/>
-                </a:moveTo>
-                <a:lnTo>
-                  <a:pt x="1543050" y="0"/>
-                </a:lnTo>
-                <a:lnTo>
-                  <a:pt x="1543050" y="2057400"/>
-                </a:lnTo>
-                <a:lnTo>
-                  <a:pt x="0" y="2057400"/>
-                </a:lnTo>
-                <a:lnTo>
-                  <a:pt x="0" y="0"/>
-                </a:lnTo>
-                <a:close/>
-              </a:path>
-            </a:pathLst>
-          </a:custGeom>
-          <a:blipFill>
-            <a:blip r:embed="rId20">
-              <a:extLst>
-                <a:ext uri="{96DAC541-7B7A-43D3-8B79-37D633B846F1}">
-                  <asvg:svgBlip xmlns:asvg="http://schemas.microsoft.com/office/drawing/2016/SVG/main" r:embed="rId21"/>
-                </a:ext>
-              </a:extLst>
-            </a:blip>
-            <a:stretch>
-              <a:fillRect l="0" t="0" r="0" b="0"/>
-            </a:stretch>
-          </a:blipFill>
-        </p:spPr>
-      </p:sp>
-      <p:sp>
-        <p:nvSpPr>
-          <p:cNvPr name="Freeform 17" id="17"/>
-          <p:cNvSpPr/>
-          <p:nvPr/>
-        </p:nvSpPr>
-        <p:spPr>
-          <a:xfrm flipH="false" flipV="false" rot="0">
-            <a:off x="9813523" y="5978076"/>
-            <a:ext cx="5549978" cy="4520709"/>
-          </a:xfrm>
-          <a:custGeom>
-            <a:avLst/>
-            <a:gdLst/>
-            <a:ahLst/>
-            <a:cxnLst/>
-            <a:rect r="r" b="b" t="t" l="l"/>
-            <a:pathLst>
-              <a:path h="4520709" w="5549978">
-                <a:moveTo>
-                  <a:pt x="0" y="0"/>
-                </a:moveTo>
-                <a:lnTo>
-                  <a:pt x="5549978" y="0"/>
-                </a:lnTo>
-                <a:lnTo>
-                  <a:pt x="5549978" y="4520710"/>
-                </a:lnTo>
-                <a:lnTo>
-                  <a:pt x="0" y="4520710"/>
-                </a:lnTo>
-                <a:lnTo>
-                  <a:pt x="0" y="0"/>
-                </a:lnTo>
-                <a:close/>
-              </a:path>
-            </a:pathLst>
-          </a:custGeom>
-          <a:blipFill>
-            <a:blip r:embed="rId22">
-              <a:extLst>
-                <a:ext uri="{96DAC541-7B7A-43D3-8B79-37D633B846F1}">
-                  <asvg:svgBlip xmlns:asvg="http://schemas.microsoft.com/office/drawing/2016/SVG/main" r:embed="rId23"/>
-                </a:ext>
-              </a:extLst>
-            </a:blip>
-            <a:stretch>
-              <a:fillRect l="0" t="0" r="0" b="0"/>
-            </a:stretch>
-          </a:blipFill>
-        </p:spPr>
-      </p:sp>
-      <p:sp>
-        <p:nvSpPr>
-          <p:cNvPr name="Freeform 18" id="18"/>
-          <p:cNvSpPr/>
-          <p:nvPr/>
-        </p:nvSpPr>
-        <p:spPr>
-          <a:xfrm flipH="false" flipV="false" rot="0">
-            <a:off x="12040217" y="7783490"/>
-            <a:ext cx="1096592" cy="1096592"/>
-          </a:xfrm>
-          <a:custGeom>
-            <a:avLst/>
-            <a:gdLst/>
-            <a:ahLst/>
-            <a:cxnLst/>
-            <a:rect r="r" b="b" t="t" l="l"/>
-            <a:pathLst>
-              <a:path h="1096592" w="1096592">
-                <a:moveTo>
-                  <a:pt x="0" y="0"/>
-                </a:moveTo>
-                <a:lnTo>
-                  <a:pt x="1096591" y="0"/>
-                </a:lnTo>
-                <a:lnTo>
-                  <a:pt x="1096591" y="1096591"/>
-                </a:lnTo>
-                <a:lnTo>
-                  <a:pt x="0" y="1096591"/>
-                </a:lnTo>
-                <a:lnTo>
-                  <a:pt x="0" y="0"/>
-                </a:lnTo>
-                <a:close/>
-              </a:path>
-            </a:pathLst>
-          </a:custGeom>
-          <a:blipFill>
-            <a:blip r:embed="rId6">
-              <a:extLst>
-                <a:ext uri="{96DAC541-7B7A-43D3-8B79-37D633B846F1}">
-                  <asvg:svgBlip xmlns:asvg="http://schemas.microsoft.com/office/drawing/2016/SVG/main" r:embed="rId7"/>
-                </a:ext>
-              </a:extLst>
-            </a:blip>
-            <a:stretch>
-              <a:fillRect l="0" t="0" r="0" b="0"/>
-            </a:stretch>
-          </a:blipFill>
-        </p:spPr>
-      </p:sp>
-      <p:sp>
-        <p:nvSpPr>
-          <p:cNvPr name="Freeform 19" id="19"/>
           <p:cNvSpPr/>
           <p:nvPr/>
         </p:nvSpPr>
@@ -13010,22 +10000,22 @@
             </a:pathLst>
           </a:custGeom>
           <a:blipFill>
-            <a:blip r:embed="rId24">
-              <a:extLst>
-                <a:ext uri="{96DAC541-7B7A-43D3-8B79-37D633B846F1}">
-                  <asvg:svgBlip xmlns:asvg="http://schemas.microsoft.com/office/drawing/2016/SVG/main" r:embed="rId25"/>
-                </a:ext>
-              </a:extLst>
-            </a:blip>
-            <a:stretch>
-              <a:fillRect l="0" t="0" r="0" b="0"/>
-            </a:stretch>
-          </a:blipFill>
-        </p:spPr>
-      </p:sp>
-      <p:sp>
-        <p:nvSpPr>
-          <p:cNvPr name="Freeform 20" id="20"/>
+            <a:blip r:embed="rId20">
+              <a:extLst>
+                <a:ext uri="{96DAC541-7B7A-43D3-8B79-37D633B846F1}">
+                  <asvg:svgBlip xmlns:asvg="http://schemas.microsoft.com/office/drawing/2016/SVG/main" r:embed="rId21"/>
+                </a:ext>
+              </a:extLst>
+            </a:blip>
+            <a:stretch>
+              <a:fillRect l="0" t="0" r="0" b="0"/>
+            </a:stretch>
+          </a:blipFill>
+        </p:spPr>
+      </p:sp>
+      <p:sp>
+        <p:nvSpPr>
+          <p:cNvPr name="Freeform 17" id="17"/>
           <p:cNvSpPr/>
           <p:nvPr/>
         </p:nvSpPr>
@@ -13077,7 +10067,7 @@
       </p:sp>
       <p:sp>
         <p:nvSpPr>
-          <p:cNvPr name="Freeform 21" id="21"/>
+          <p:cNvPr name="Freeform 18" id="18"/>
           <p:cNvSpPr/>
           <p:nvPr/>
         </p:nvSpPr>
@@ -13114,6 +10104,110 @@
             </a:pathLst>
           </a:custGeom>
           <a:blipFill>
+            <a:blip r:embed="rId22">
+              <a:extLst>
+                <a:ext uri="{96DAC541-7B7A-43D3-8B79-37D633B846F1}">
+                  <asvg:svgBlip xmlns:asvg="http://schemas.microsoft.com/office/drawing/2016/SVG/main" r:embed="rId23"/>
+                </a:ext>
+              </a:extLst>
+            </a:blip>
+            <a:stretch>
+              <a:fillRect l="0" t="0" r="0" b="0"/>
+            </a:stretch>
+          </a:blipFill>
+        </p:spPr>
+      </p:sp>
+      <p:sp>
+        <p:nvSpPr>
+          <p:cNvPr name="Freeform 19" id="19"/>
+          <p:cNvSpPr/>
+          <p:nvPr/>
+        </p:nvSpPr>
+        <p:spPr>
+          <a:xfrm flipH="false" flipV="false" rot="0">
+            <a:off x="-254797" y="199067"/>
+            <a:ext cx="7315200" cy="3126348"/>
+          </a:xfrm>
+          <a:custGeom>
+            <a:avLst/>
+            <a:gdLst/>
+            <a:ahLst/>
+            <a:cxnLst/>
+            <a:rect r="r" b="b" t="t" l="l"/>
+            <a:pathLst>
+              <a:path h="3126348" w="7315200">
+                <a:moveTo>
+                  <a:pt x="0" y="0"/>
+                </a:moveTo>
+                <a:lnTo>
+                  <a:pt x="7315200" y="0"/>
+                </a:lnTo>
+                <a:lnTo>
+                  <a:pt x="7315200" y="3126348"/>
+                </a:lnTo>
+                <a:lnTo>
+                  <a:pt x="0" y="3126348"/>
+                </a:lnTo>
+                <a:lnTo>
+                  <a:pt x="0" y="0"/>
+                </a:lnTo>
+                <a:close/>
+              </a:path>
+            </a:pathLst>
+          </a:custGeom>
+          <a:blipFill>
+            <a:blip r:embed="rId24">
+              <a:extLst>
+                <a:ext uri="{96DAC541-7B7A-43D3-8B79-37D633B846F1}">
+                  <asvg:svgBlip xmlns:asvg="http://schemas.microsoft.com/office/drawing/2016/SVG/main" r:embed="rId25"/>
+                </a:ext>
+              </a:extLst>
+            </a:blip>
+            <a:stretch>
+              <a:fillRect l="0" t="0" r="0" b="0"/>
+            </a:stretch>
+          </a:blipFill>
+        </p:spPr>
+      </p:sp>
+      <p:sp>
+        <p:nvSpPr>
+          <p:cNvPr name="Freeform 20" id="20"/>
+          <p:cNvSpPr/>
+          <p:nvPr/>
+        </p:nvSpPr>
+        <p:spPr>
+          <a:xfrm flipH="false" flipV="false" rot="-1508828">
+            <a:off x="15349986" y="6217186"/>
+            <a:ext cx="1976228" cy="1058106"/>
+          </a:xfrm>
+          <a:custGeom>
+            <a:avLst/>
+            <a:gdLst/>
+            <a:ahLst/>
+            <a:cxnLst/>
+            <a:rect r="r" b="b" t="t" l="l"/>
+            <a:pathLst>
+              <a:path h="1058106" w="1976228">
+                <a:moveTo>
+                  <a:pt x="0" y="0"/>
+                </a:moveTo>
+                <a:lnTo>
+                  <a:pt x="1976228" y="0"/>
+                </a:lnTo>
+                <a:lnTo>
+                  <a:pt x="1976228" y="1058106"/>
+                </a:lnTo>
+                <a:lnTo>
+                  <a:pt x="0" y="1058106"/>
+                </a:lnTo>
+                <a:lnTo>
+                  <a:pt x="0" y="0"/>
+                </a:lnTo>
+                <a:close/>
+              </a:path>
+            </a:pathLst>
+          </a:custGeom>
+          <a:blipFill>
             <a:blip r:embed="rId26">
               <a:extLst>
                 <a:ext uri="{96DAC541-7B7A-43D3-8B79-37D633B846F1}">
@@ -13127,30 +10221,104 @@
           </a:blipFill>
         </p:spPr>
       </p:sp>
-      <p:pic>
-        <p:nvPicPr>
-          <p:cNvPr name="Picture 22" id="22"/>
-          <p:cNvPicPr>
-            <a:picLocks noChangeAspect="true"/>
-          </p:cNvPicPr>
-          <p:nvPr/>
-        </p:nvPicPr>
-        <p:blipFill>
-          <a:blip r:embed="rId28"/>
-          <a:stretch>
-            <a:fillRect/>
-          </a:stretch>
-        </p:blipFill>
-        <p:spPr>
-          <a:xfrm rot="0">
-            <a:off x="2073451" y="2868553"/>
-            <a:ext cx="6529478" cy="5552265"/>
-          </a:xfrm>
-          <a:prstGeom prst="rect">
-            <a:avLst/>
-          </a:prstGeom>
-        </p:spPr>
-      </p:pic>
+      <p:sp>
+        <p:nvSpPr>
+          <p:cNvPr name="Freeform 21" id="21"/>
+          <p:cNvSpPr/>
+          <p:nvPr/>
+        </p:nvSpPr>
+        <p:spPr>
+          <a:xfrm flipH="false" flipV="false" rot="668146">
+            <a:off x="13530724" y="-324810"/>
+            <a:ext cx="4499148" cy="2408919"/>
+          </a:xfrm>
+          <a:custGeom>
+            <a:avLst/>
+            <a:gdLst/>
+            <a:ahLst/>
+            <a:cxnLst/>
+            <a:rect r="r" b="b" t="t" l="l"/>
+            <a:pathLst>
+              <a:path h="2408919" w="4499148">
+                <a:moveTo>
+                  <a:pt x="0" y="0"/>
+                </a:moveTo>
+                <a:lnTo>
+                  <a:pt x="4499148" y="0"/>
+                </a:lnTo>
+                <a:lnTo>
+                  <a:pt x="4499148" y="2408919"/>
+                </a:lnTo>
+                <a:lnTo>
+                  <a:pt x="0" y="2408919"/>
+                </a:lnTo>
+                <a:lnTo>
+                  <a:pt x="0" y="0"/>
+                </a:lnTo>
+                <a:close/>
+              </a:path>
+            </a:pathLst>
+          </a:custGeom>
+          <a:blipFill>
+            <a:blip r:embed="rId26">
+              <a:extLst>
+                <a:ext uri="{96DAC541-7B7A-43D3-8B79-37D633B846F1}">
+                  <asvg:svgBlip xmlns:asvg="http://schemas.microsoft.com/office/drawing/2016/SVG/main" r:embed="rId27"/>
+                </a:ext>
+              </a:extLst>
+            </a:blip>
+            <a:stretch>
+              <a:fillRect l="0" t="0" r="0" b="0"/>
+            </a:stretch>
+          </a:blipFill>
+        </p:spPr>
+      </p:sp>
+      <p:sp>
+        <p:nvSpPr>
+          <p:cNvPr name="Freeform 22" id="22"/>
+          <p:cNvSpPr/>
+          <p:nvPr/>
+        </p:nvSpPr>
+        <p:spPr>
+          <a:xfrm flipH="false" flipV="false" rot="0">
+            <a:off x="165626" y="2329922"/>
+            <a:ext cx="11301259" cy="3814175"/>
+          </a:xfrm>
+          <a:custGeom>
+            <a:avLst/>
+            <a:gdLst/>
+            <a:ahLst/>
+            <a:cxnLst/>
+            <a:rect r="r" b="b" t="t" l="l"/>
+            <a:pathLst>
+              <a:path h="3814175" w="11301259">
+                <a:moveTo>
+                  <a:pt x="0" y="0"/>
+                </a:moveTo>
+                <a:lnTo>
+                  <a:pt x="11301259" y="0"/>
+                </a:lnTo>
+                <a:lnTo>
+                  <a:pt x="11301259" y="3814175"/>
+                </a:lnTo>
+                <a:lnTo>
+                  <a:pt x="0" y="3814175"/>
+                </a:lnTo>
+                <a:lnTo>
+                  <a:pt x="0" y="0"/>
+                </a:lnTo>
+                <a:close/>
+              </a:path>
+            </a:pathLst>
+          </a:custGeom>
+          <a:blipFill>
+            <a:blip r:embed="rId28"/>
+            <a:stretch>
+              <a:fillRect l="0" t="0" r="0" b="0"/>
+            </a:stretch>
+          </a:blipFill>
+        </p:spPr>
+      </p:sp>
       <p:sp>
         <p:nvSpPr>
           <p:cNvPr name="TextBox 23" id="23"/>
@@ -13159,8 +10327,8 @@
         </p:nvSpPr>
         <p:spPr>
           <a:xfrm rot="0">
-            <a:off x="9684362" y="3822950"/>
-            <a:ext cx="5808300" cy="1736725"/>
+            <a:off x="11772970" y="2596580"/>
+            <a:ext cx="5121182" cy="1736725"/>
           </a:xfrm>
           <a:prstGeom prst="rect">
             <a:avLst/>
@@ -13190,7 +10358,7 @@
                 <a:cs typeface="Sniglet"/>
                 <a:sym typeface="Sniglet"/>
               </a:rPr>
-              <a:t>Lorem ipsum dolor sit amet, consectetur adipiscing elit. Duis viverra dui mauris, sed hendrerit mi cursus faucibus. Proin accumsan arcu eu tempus molestie.</a:t>
+              <a:t>クイズ画面では答えを入力する形式なっていて乳六した後に答え合わせを押すことで正解か間違いかを確認することができます。</a:t>
             </a:r>
           </a:p>
         </p:txBody>
@@ -13203,8 +10371,8 @@
         </p:nvSpPr>
         <p:spPr>
           <a:xfrm rot="0">
-            <a:off x="4165895" y="1128361"/>
-            <a:ext cx="9956210" cy="1184275"/>
+            <a:off x="4205688" y="1409172"/>
+            <a:ext cx="9876624" cy="920750"/>
           </a:xfrm>
           <a:prstGeom prst="rect">
             <a:avLst/>
@@ -13218,7 +10386,7 @@
           <a:p>
             <a:pPr algn="ctr">
               <a:lnSpc>
-                <a:spcPts val="9799"/>
+                <a:spcPts val="6999"/>
               </a:lnSpc>
             </a:pPr>
             <a:r>
@@ -13231,7 +10399,7 @@
                 <a:cs typeface="Coiny"/>
                 <a:sym typeface="Coiny"/>
               </a:rPr>
-              <a:t>DONUT CHART</a:t>
+              <a:t>機能２説明</a:t>
             </a:r>
           </a:p>
         </p:txBody>
@@ -13747,28 +10915,28 @@
         </p:nvSpPr>
         <p:spPr>
           <a:xfrm flipH="false" flipV="false" rot="0">
-            <a:off x="7109666" y="8435643"/>
-            <a:ext cx="2445535" cy="2063142"/>
-          </a:xfrm>
-          <a:custGeom>
-            <a:avLst/>
-            <a:gdLst/>
-            <a:ahLst/>
-            <a:cxnLst/>
-            <a:rect r="r" b="b" t="t" l="l"/>
-            <a:pathLst>
-              <a:path h="2063142" w="2445535">
-                <a:moveTo>
-                  <a:pt x="0" y="0"/>
-                </a:moveTo>
-                <a:lnTo>
-                  <a:pt x="2445535" y="0"/>
-                </a:lnTo>
-                <a:lnTo>
-                  <a:pt x="2445535" y="2063143"/>
-                </a:lnTo>
-                <a:lnTo>
-                  <a:pt x="0" y="2063143"/>
+            <a:off x="7895649" y="5978076"/>
+            <a:ext cx="5358600" cy="4520709"/>
+          </a:xfrm>
+          <a:custGeom>
+            <a:avLst/>
+            <a:gdLst/>
+            <a:ahLst/>
+            <a:cxnLst/>
+            <a:rect r="r" b="b" t="t" l="l"/>
+            <a:pathLst>
+              <a:path h="4520709" w="5358600">
+                <a:moveTo>
+                  <a:pt x="0" y="0"/>
+                </a:moveTo>
+                <a:lnTo>
+                  <a:pt x="5358600" y="0"/>
+                </a:lnTo>
+                <a:lnTo>
+                  <a:pt x="5358600" y="4520710"/>
+                </a:lnTo>
+                <a:lnTo>
+                  <a:pt x="0" y="4520710"/>
                 </a:lnTo>
                 <a:lnTo>
                   <a:pt x="0" y="0"/>
@@ -13799,28 +10967,28 @@
         </p:nvSpPr>
         <p:spPr>
           <a:xfrm flipH="false" flipV="false" rot="-6258949">
-            <a:off x="7632839" y="9103005"/>
-            <a:ext cx="408400" cy="638125"/>
-          </a:xfrm>
-          <a:custGeom>
-            <a:avLst/>
-            <a:gdLst/>
-            <a:ahLst/>
-            <a:cxnLst/>
-            <a:rect r="r" b="b" t="t" l="l"/>
-            <a:pathLst>
-              <a:path h="638125" w="408400">
-                <a:moveTo>
-                  <a:pt x="0" y="0"/>
-                </a:moveTo>
-                <a:lnTo>
-                  <a:pt x="408400" y="0"/>
-                </a:lnTo>
-                <a:lnTo>
-                  <a:pt x="408400" y="638125"/>
-                </a:lnTo>
-                <a:lnTo>
-                  <a:pt x="0" y="638125"/>
+            <a:off x="9042013" y="7440385"/>
+            <a:ext cx="894876" cy="1398244"/>
+          </a:xfrm>
+          <a:custGeom>
+            <a:avLst/>
+            <a:gdLst/>
+            <a:ahLst/>
+            <a:cxnLst/>
+            <a:rect r="r" b="b" t="t" l="l"/>
+            <a:pathLst>
+              <a:path h="1398244" w="894876">
+                <a:moveTo>
+                  <a:pt x="0" y="0"/>
+                </a:moveTo>
+                <a:lnTo>
+                  <a:pt x="894877" y="0"/>
+                </a:lnTo>
+                <a:lnTo>
+                  <a:pt x="894877" y="1398244"/>
+                </a:lnTo>
+                <a:lnTo>
+                  <a:pt x="0" y="1398244"/>
                 </a:lnTo>
                 <a:lnTo>
                   <a:pt x="0" y="0"/>
@@ -13851,28 +11019,28 @@
         </p:nvSpPr>
         <p:spPr>
           <a:xfrm flipH="false" flipV="false" rot="-6529594">
-            <a:off x="8569078" y="9097581"/>
-            <a:ext cx="315472" cy="492924"/>
-          </a:xfrm>
-          <a:custGeom>
-            <a:avLst/>
-            <a:gdLst/>
-            <a:ahLst/>
-            <a:cxnLst/>
-            <a:rect r="r" b="b" t="t" l="l"/>
-            <a:pathLst>
-              <a:path h="492924" w="315472">
-                <a:moveTo>
-                  <a:pt x="0" y="0"/>
-                </a:moveTo>
-                <a:lnTo>
-                  <a:pt x="315472" y="0"/>
-                </a:lnTo>
-                <a:lnTo>
-                  <a:pt x="315472" y="492924"/>
-                </a:lnTo>
-                <a:lnTo>
-                  <a:pt x="0" y="492924"/>
+            <a:off x="11093479" y="7428499"/>
+            <a:ext cx="691254" cy="1080084"/>
+          </a:xfrm>
+          <a:custGeom>
+            <a:avLst/>
+            <a:gdLst/>
+            <a:ahLst/>
+            <a:cxnLst/>
+            <a:rect r="r" b="b" t="t" l="l"/>
+            <a:pathLst>
+              <a:path h="1080084" w="691254">
+                <a:moveTo>
+                  <a:pt x="0" y="0"/>
+                </a:moveTo>
+                <a:lnTo>
+                  <a:pt x="691254" y="0"/>
+                </a:lnTo>
+                <a:lnTo>
+                  <a:pt x="691254" y="1080084"/>
+                </a:lnTo>
+                <a:lnTo>
+                  <a:pt x="0" y="1080084"/>
                 </a:lnTo>
                 <a:lnTo>
                   <a:pt x="0" y="0"/>
@@ -13903,28 +11071,28 @@
         </p:nvSpPr>
         <p:spPr>
           <a:xfrm flipH="false" flipV="false" rot="0">
-            <a:off x="9008655" y="8503802"/>
-            <a:ext cx="2532876" cy="2063142"/>
-          </a:xfrm>
-          <a:custGeom>
-            <a:avLst/>
-            <a:gdLst/>
-            <a:ahLst/>
-            <a:cxnLst/>
-            <a:rect r="r" b="b" t="t" l="l"/>
-            <a:pathLst>
-              <a:path h="2063142" w="2532876">
-                <a:moveTo>
-                  <a:pt x="0" y="0"/>
-                </a:moveTo>
-                <a:lnTo>
-                  <a:pt x="2532876" y="0"/>
-                </a:lnTo>
-                <a:lnTo>
-                  <a:pt x="2532876" y="2063142"/>
-                </a:lnTo>
-                <a:lnTo>
-                  <a:pt x="0" y="2063142"/>
+            <a:off x="13273299" y="8480403"/>
+            <a:ext cx="2477926" cy="2018383"/>
+          </a:xfrm>
+          <a:custGeom>
+            <a:avLst/>
+            <a:gdLst/>
+            <a:ahLst/>
+            <a:cxnLst/>
+            <a:rect r="r" b="b" t="t" l="l"/>
+            <a:pathLst>
+              <a:path h="2018383" w="2477926">
+                <a:moveTo>
+                  <a:pt x="0" y="0"/>
+                </a:moveTo>
+                <a:lnTo>
+                  <a:pt x="2477925" y="0"/>
+                </a:lnTo>
+                <a:lnTo>
+                  <a:pt x="2477925" y="2018383"/>
+                </a:lnTo>
+                <a:lnTo>
+                  <a:pt x="0" y="2018383"/>
                 </a:lnTo>
                 <a:lnTo>
                   <a:pt x="0" y="0"/>
@@ -13955,28 +11123,28 @@
         </p:nvSpPr>
         <p:spPr>
           <a:xfrm flipH="false" flipV="false" rot="0">
-            <a:off x="10024864" y="9327749"/>
-            <a:ext cx="500458" cy="500458"/>
-          </a:xfrm>
-          <a:custGeom>
-            <a:avLst/>
-            <a:gdLst/>
-            <a:ahLst/>
-            <a:cxnLst/>
-            <a:rect r="r" b="b" t="t" l="l"/>
-            <a:pathLst>
-              <a:path h="500458" w="500458">
-                <a:moveTo>
-                  <a:pt x="0" y="0"/>
-                </a:moveTo>
-                <a:lnTo>
-                  <a:pt x="500458" y="0"/>
-                </a:lnTo>
-                <a:lnTo>
-                  <a:pt x="500458" y="500458"/>
-                </a:lnTo>
-                <a:lnTo>
-                  <a:pt x="0" y="500458"/>
+            <a:off x="14267461" y="9286474"/>
+            <a:ext cx="489601" cy="489601"/>
+          </a:xfrm>
+          <a:custGeom>
+            <a:avLst/>
+            <a:gdLst/>
+            <a:ahLst/>
+            <a:cxnLst/>
+            <a:rect r="r" b="b" t="t" l="l"/>
+            <a:pathLst>
+              <a:path h="489601" w="489601">
+                <a:moveTo>
+                  <a:pt x="0" y="0"/>
+                </a:moveTo>
+                <a:lnTo>
+                  <a:pt x="489601" y="0"/>
+                </a:lnTo>
+                <a:lnTo>
+                  <a:pt x="489601" y="489601"/>
+                </a:lnTo>
+                <a:lnTo>
+                  <a:pt x="0" y="489601"/>
                 </a:lnTo>
                 <a:lnTo>
                   <a:pt x="0" y="0"/>
@@ -14007,28 +11175,28 @@
         </p:nvSpPr>
         <p:spPr>
           <a:xfrm flipH="false" flipV="false" rot="0">
-            <a:off x="12010711" y="5978076"/>
-            <a:ext cx="5795781" cy="4520709"/>
-          </a:xfrm>
-          <a:custGeom>
-            <a:avLst/>
-            <a:gdLst/>
-            <a:ahLst/>
-            <a:cxnLst/>
-            <a:rect r="r" b="b" t="t" l="l"/>
-            <a:pathLst>
-              <a:path h="4520709" w="5795781">
-                <a:moveTo>
-                  <a:pt x="0" y="0"/>
-                </a:moveTo>
-                <a:lnTo>
-                  <a:pt x="5795781" y="0"/>
-                </a:lnTo>
-                <a:lnTo>
-                  <a:pt x="5795781" y="4520710"/>
-                </a:lnTo>
-                <a:lnTo>
-                  <a:pt x="0" y="4520710"/>
+            <a:off x="15218822" y="8480403"/>
+            <a:ext cx="2587670" cy="2018383"/>
+          </a:xfrm>
+          <a:custGeom>
+            <a:avLst/>
+            <a:gdLst/>
+            <a:ahLst/>
+            <a:cxnLst/>
+            <a:rect r="r" b="b" t="t" l="l"/>
+            <a:pathLst>
+              <a:path h="2018383" w="2587670">
+                <a:moveTo>
+                  <a:pt x="0" y="0"/>
+                </a:moveTo>
+                <a:lnTo>
+                  <a:pt x="2587670" y="0"/>
+                </a:lnTo>
+                <a:lnTo>
+                  <a:pt x="2587670" y="2018383"/>
+                </a:lnTo>
+                <a:lnTo>
+                  <a:pt x="0" y="2018383"/>
                 </a:lnTo>
                 <a:lnTo>
                   <a:pt x="0" y="0"/>
@@ -14059,28 +11227,28 @@
         </p:nvSpPr>
         <p:spPr>
           <a:xfrm flipH="false" flipV="false" rot="0">
-            <a:off x="13203169" y="7147249"/>
-            <a:ext cx="1253238" cy="1253238"/>
-          </a:xfrm>
-          <a:custGeom>
-            <a:avLst/>
-            <a:gdLst/>
-            <a:ahLst/>
-            <a:cxnLst/>
-            <a:rect r="r" b="b" t="t" l="l"/>
-            <a:pathLst>
-              <a:path h="1253238" w="1253238">
-                <a:moveTo>
-                  <a:pt x="0" y="0"/>
-                </a:moveTo>
-                <a:lnTo>
-                  <a:pt x="1253238" y="0"/>
-                </a:lnTo>
-                <a:lnTo>
-                  <a:pt x="1253238" y="1253238"/>
-                </a:lnTo>
-                <a:lnTo>
-                  <a:pt x="0" y="1253238"/>
+            <a:off x="15751224" y="9002409"/>
+            <a:ext cx="559539" cy="559539"/>
+          </a:xfrm>
+          <a:custGeom>
+            <a:avLst/>
+            <a:gdLst/>
+            <a:ahLst/>
+            <a:cxnLst/>
+            <a:rect r="r" b="b" t="t" l="l"/>
+            <a:pathLst>
+              <a:path h="559539" w="559539">
+                <a:moveTo>
+                  <a:pt x="0" y="0"/>
+                </a:moveTo>
+                <a:lnTo>
+                  <a:pt x="559540" y="0"/>
+                </a:lnTo>
+                <a:lnTo>
+                  <a:pt x="559540" y="559539"/>
+                </a:lnTo>
+                <a:lnTo>
+                  <a:pt x="0" y="559539"/>
                 </a:lnTo>
                 <a:lnTo>
                   <a:pt x="0" y="0"/>
@@ -14111,28 +11279,28 @@
         </p:nvSpPr>
         <p:spPr>
           <a:xfrm flipH="false" flipV="false" rot="9279652">
-            <a:off x="14993505" y="7785795"/>
-            <a:ext cx="1539115" cy="769557"/>
-          </a:xfrm>
-          <a:custGeom>
-            <a:avLst/>
-            <a:gdLst/>
-            <a:ahLst/>
-            <a:cxnLst/>
-            <a:rect r="r" b="b" t="t" l="l"/>
-            <a:pathLst>
-              <a:path h="769557" w="1539115">
-                <a:moveTo>
-                  <a:pt x="0" y="0"/>
-                </a:moveTo>
-                <a:lnTo>
-                  <a:pt x="1539115" y="0"/>
-                </a:lnTo>
-                <a:lnTo>
-                  <a:pt x="1539115" y="769557"/>
-                </a:lnTo>
-                <a:lnTo>
-                  <a:pt x="0" y="769557"/>
+            <a:off x="16550564" y="9287504"/>
+            <a:ext cx="687176" cy="343588"/>
+          </a:xfrm>
+          <a:custGeom>
+            <a:avLst/>
+            <a:gdLst/>
+            <a:ahLst/>
+            <a:cxnLst/>
+            <a:rect r="r" b="b" t="t" l="l"/>
+            <a:pathLst>
+              <a:path h="343588" w="687176">
+                <a:moveTo>
+                  <a:pt x="0" y="0"/>
+                </a:moveTo>
+                <a:lnTo>
+                  <a:pt x="687176" y="0"/>
+                </a:lnTo>
+                <a:lnTo>
+                  <a:pt x="687176" y="343588"/>
+                </a:lnTo>
+                <a:lnTo>
+                  <a:pt x="0" y="343588"/>
                 </a:lnTo>
                 <a:lnTo>
                   <a:pt x="0" y="0"/>
@@ -14155,40 +11323,276 @@
           </a:blipFill>
         </p:spPr>
       </p:sp>
-      <p:pic>
-        <p:nvPicPr>
-          <p:cNvPr name="Picture 19" id="19"/>
-          <p:cNvPicPr>
-            <a:picLocks noChangeAspect="true"/>
-          </p:cNvPicPr>
-          <p:nvPr/>
-        </p:nvPicPr>
-        <p:blipFill>
-          <a:blip r:embed="rId24"/>
-          <a:stretch>
-            <a:fillRect/>
-          </a:stretch>
-        </p:blipFill>
+      <p:sp>
+        <p:nvSpPr>
+          <p:cNvPr name="Freeform 19" id="19"/>
+          <p:cNvSpPr/>
+          <p:nvPr/>
+        </p:nvSpPr>
+        <p:spPr>
+          <a:xfrm flipH="false" flipV="false" rot="0">
+            <a:off x="-92664" y="1056394"/>
+            <a:ext cx="1315227" cy="1570421"/>
+          </a:xfrm>
+          <a:custGeom>
+            <a:avLst/>
+            <a:gdLst/>
+            <a:ahLst/>
+            <a:cxnLst/>
+            <a:rect r="r" b="b" t="t" l="l"/>
+            <a:pathLst>
+              <a:path h="1570421" w="1315227">
+                <a:moveTo>
+                  <a:pt x="0" y="0"/>
+                </a:moveTo>
+                <a:lnTo>
+                  <a:pt x="1315227" y="0"/>
+                </a:lnTo>
+                <a:lnTo>
+                  <a:pt x="1315227" y="1570421"/>
+                </a:lnTo>
+                <a:lnTo>
+                  <a:pt x="0" y="1570421"/>
+                </a:lnTo>
+                <a:lnTo>
+                  <a:pt x="0" y="0"/>
+                </a:lnTo>
+                <a:close/>
+              </a:path>
+            </a:pathLst>
+          </a:custGeom>
+          <a:blipFill>
+            <a:blip r:embed="rId24">
+              <a:extLst>
+                <a:ext uri="{96DAC541-7B7A-43D3-8B79-37D633B846F1}">
+                  <asvg:svgBlip xmlns:asvg="http://schemas.microsoft.com/office/drawing/2016/SVG/main" r:embed="rId25"/>
+                </a:ext>
+              </a:extLst>
+            </a:blip>
+            <a:stretch>
+              <a:fillRect l="0" t="0" r="0" b="0"/>
+            </a:stretch>
+          </a:blipFill>
+        </p:spPr>
+      </p:sp>
+      <p:sp>
+        <p:nvSpPr>
+          <p:cNvPr name="Freeform 20" id="20"/>
+          <p:cNvSpPr/>
+          <p:nvPr/>
+        </p:nvSpPr>
+        <p:spPr>
+          <a:xfrm flipH="false" flipV="false" rot="140815">
+            <a:off x="1582233" y="-235755"/>
+            <a:ext cx="1220799" cy="1457671"/>
+          </a:xfrm>
+          <a:custGeom>
+            <a:avLst/>
+            <a:gdLst/>
+            <a:ahLst/>
+            <a:cxnLst/>
+            <a:rect r="r" b="b" t="t" l="l"/>
+            <a:pathLst>
+              <a:path h="1457671" w="1220799">
+                <a:moveTo>
+                  <a:pt x="0" y="0"/>
+                </a:moveTo>
+                <a:lnTo>
+                  <a:pt x="1220800" y="0"/>
+                </a:lnTo>
+                <a:lnTo>
+                  <a:pt x="1220800" y="1457670"/>
+                </a:lnTo>
+                <a:lnTo>
+                  <a:pt x="0" y="1457670"/>
+                </a:lnTo>
+                <a:lnTo>
+                  <a:pt x="0" y="0"/>
+                </a:lnTo>
+                <a:close/>
+              </a:path>
+            </a:pathLst>
+          </a:custGeom>
+          <a:blipFill>
+            <a:blip r:embed="rId24">
+              <a:extLst>
+                <a:ext uri="{96DAC541-7B7A-43D3-8B79-37D633B846F1}">
+                  <asvg:svgBlip xmlns:asvg="http://schemas.microsoft.com/office/drawing/2016/SVG/main" r:embed="rId25"/>
+                </a:ext>
+              </a:extLst>
+            </a:blip>
+            <a:stretch>
+              <a:fillRect l="0" t="0" r="0" b="0"/>
+            </a:stretch>
+          </a:blipFill>
+        </p:spPr>
+      </p:sp>
+      <p:sp>
+        <p:nvSpPr>
+          <p:cNvPr name="Freeform 21" id="21"/>
+          <p:cNvSpPr/>
+          <p:nvPr/>
+        </p:nvSpPr>
+        <p:spPr>
+          <a:xfrm flipH="false" flipV="false" rot="0">
+            <a:off x="14036625" y="-260140"/>
+            <a:ext cx="3222675" cy="3222675"/>
+          </a:xfrm>
+          <a:custGeom>
+            <a:avLst/>
+            <a:gdLst/>
+            <a:ahLst/>
+            <a:cxnLst/>
+            <a:rect r="r" b="b" t="t" l="l"/>
+            <a:pathLst>
+              <a:path h="3222675" w="3222675">
+                <a:moveTo>
+                  <a:pt x="0" y="0"/>
+                </a:moveTo>
+                <a:lnTo>
+                  <a:pt x="3222675" y="0"/>
+                </a:lnTo>
+                <a:lnTo>
+                  <a:pt x="3222675" y="3222675"/>
+                </a:lnTo>
+                <a:lnTo>
+                  <a:pt x="0" y="3222675"/>
+                </a:lnTo>
+                <a:lnTo>
+                  <a:pt x="0" y="0"/>
+                </a:lnTo>
+                <a:close/>
+              </a:path>
+            </a:pathLst>
+          </a:custGeom>
+          <a:blipFill>
+            <a:blip r:embed="rId26">
+              <a:extLst>
+                <a:ext uri="{96DAC541-7B7A-43D3-8B79-37D633B846F1}">
+                  <asvg:svgBlip xmlns:asvg="http://schemas.microsoft.com/office/drawing/2016/SVG/main" r:embed="rId27"/>
+                </a:ext>
+              </a:extLst>
+            </a:blip>
+            <a:stretch>
+              <a:fillRect l="0" t="0" r="0" b="0"/>
+            </a:stretch>
+          </a:blipFill>
+        </p:spPr>
+      </p:sp>
+      <p:sp>
+        <p:nvSpPr>
+          <p:cNvPr name="Freeform 22" id="22"/>
+          <p:cNvSpPr/>
+          <p:nvPr/>
+        </p:nvSpPr>
+        <p:spPr>
+          <a:xfrm flipH="false" flipV="false" rot="0">
+            <a:off x="2472059" y="1529874"/>
+            <a:ext cx="1365533" cy="1246049"/>
+          </a:xfrm>
+          <a:custGeom>
+            <a:avLst/>
+            <a:gdLst/>
+            <a:ahLst/>
+            <a:cxnLst/>
+            <a:rect r="r" b="b" t="t" l="l"/>
+            <a:pathLst>
+              <a:path h="1246049" w="1365533">
+                <a:moveTo>
+                  <a:pt x="0" y="0"/>
+                </a:moveTo>
+                <a:lnTo>
+                  <a:pt x="1365533" y="0"/>
+                </a:lnTo>
+                <a:lnTo>
+                  <a:pt x="1365533" y="1246049"/>
+                </a:lnTo>
+                <a:lnTo>
+                  <a:pt x="0" y="1246049"/>
+                </a:lnTo>
+                <a:lnTo>
+                  <a:pt x="0" y="0"/>
+                </a:lnTo>
+                <a:close/>
+              </a:path>
+            </a:pathLst>
+          </a:custGeom>
+          <a:blipFill>
+            <a:blip r:embed="rId28">
+              <a:extLst>
+                <a:ext uri="{96DAC541-7B7A-43D3-8B79-37D633B846F1}">
+                  <asvg:svgBlip xmlns:asvg="http://schemas.microsoft.com/office/drawing/2016/SVG/main" r:embed="rId29"/>
+                </a:ext>
+              </a:extLst>
+            </a:blip>
+            <a:stretch>
+              <a:fillRect l="0" t="0" r="0" b="0"/>
+            </a:stretch>
+          </a:blipFill>
+        </p:spPr>
+      </p:sp>
+      <p:sp>
+        <p:nvSpPr>
+          <p:cNvPr name="Freeform 23" id="23"/>
+          <p:cNvSpPr/>
+          <p:nvPr/>
+        </p:nvSpPr>
+        <p:spPr>
+          <a:xfrm flipH="true" flipV="false" rot="0">
+            <a:off x="17101157" y="5978076"/>
+            <a:ext cx="1410672" cy="1410672"/>
+          </a:xfrm>
+          <a:custGeom>
+            <a:avLst/>
+            <a:gdLst/>
+            <a:ahLst/>
+            <a:cxnLst/>
+            <a:rect r="r" b="b" t="t" l="l"/>
+            <a:pathLst>
+              <a:path h="1410672" w="1410672">
+                <a:moveTo>
+                  <a:pt x="1410671" y="0"/>
+                </a:moveTo>
+                <a:lnTo>
+                  <a:pt x="0" y="0"/>
+                </a:lnTo>
+                <a:lnTo>
+                  <a:pt x="0" y="1410672"/>
+                </a:lnTo>
+                <a:lnTo>
+                  <a:pt x="1410671" y="1410672"/>
+                </a:lnTo>
+                <a:lnTo>
+                  <a:pt x="1410671" y="0"/>
+                </a:lnTo>
+                <a:close/>
+              </a:path>
+            </a:pathLst>
+          </a:custGeom>
+          <a:blipFill>
+            <a:blip r:embed="rId26">
+              <a:extLst>
+                <a:ext uri="{96DAC541-7B7A-43D3-8B79-37D633B846F1}">
+                  <asvg:svgBlip xmlns:asvg="http://schemas.microsoft.com/office/drawing/2016/SVG/main" r:embed="rId27"/>
+                </a:ext>
+              </a:extLst>
+            </a:blip>
+            <a:stretch>
+              <a:fillRect l="0" t="0" r="0" b="0"/>
+            </a:stretch>
+          </a:blipFill>
+        </p:spPr>
+      </p:sp>
+      <p:sp>
+        <p:nvSpPr>
+          <p:cNvPr name="TextBox 24" id="24"/>
+          <p:cNvSpPr txBox="true"/>
+          <p:nvPr/>
+        </p:nvSpPr>
         <p:spPr>
           <a:xfrm rot="0">
-            <a:off x="1159867" y="2564147"/>
-            <a:ext cx="8364662" cy="6006340"/>
-          </a:xfrm>
-          <a:prstGeom prst="rect">
-            <a:avLst/>
-          </a:prstGeom>
-        </p:spPr>
-      </p:pic>
-      <p:sp>
-        <p:nvSpPr>
-          <p:cNvPr name="TextBox 20" id="20"/>
-          <p:cNvSpPr txBox="true"/>
-          <p:nvPr/>
-        </p:nvSpPr>
-        <p:spPr>
-          <a:xfrm rot="0">
-            <a:off x="10275093" y="4039418"/>
-            <a:ext cx="6136653" cy="1736725"/>
+            <a:off x="5752369" y="2886335"/>
+            <a:ext cx="6823040" cy="2096136"/>
           </a:xfrm>
           <a:prstGeom prst="rect">
             <a:avLst/>
@@ -14202,14 +11606,14 @@
           <a:p>
             <a:pPr algn="just">
               <a:lnSpc>
-                <a:spcPts val="3499"/>
+                <a:spcPts val="5651"/>
               </a:lnSpc>
               <a:spcBef>
                 <a:spcPct val="0"/>
               </a:spcBef>
             </a:pPr>
             <a:r>
-              <a:rPr lang="en-US" sz="2499">
+              <a:rPr lang="en-US" sz="4036">
                 <a:solidFill>
                   <a:srgbClr val="603F20"/>
                 </a:solidFill>
@@ -14218,1368 +11622,21 @@
                 <a:cs typeface="Sniglet"/>
                 <a:sym typeface="Sniglet"/>
               </a:rPr>
-              <a:t>Lorem ipsum dolor sit amet, consectetur adipiscing elit. Duis viverra dui mauris, sed hendrerit mi cursus faucibus. Proin accumsan arcu eu tempus molestie.</a:t>
+              <a:t>どんなものを作ろうか悩みすぎてよくわからない感じのになってしまった。</a:t>
             </a:r>
           </a:p>
         </p:txBody>
       </p:sp>
       <p:sp>
         <p:nvSpPr>
-          <p:cNvPr name="TextBox 21" id="21"/>
-          <p:cNvSpPr txBox="true"/>
-          <p:nvPr/>
-        </p:nvSpPr>
-        <p:spPr>
-          <a:xfrm rot="0">
-            <a:off x="3549361" y="1446771"/>
-            <a:ext cx="11189278" cy="920750"/>
-          </a:xfrm>
-          <a:prstGeom prst="rect">
-            <a:avLst/>
-          </a:prstGeom>
-        </p:spPr>
-        <p:txBody>
-          <a:bodyPr anchor="t" rtlCol="false" tIns="0" lIns="0" bIns="0" rIns="0">
-            <a:spAutoFit/>
-          </a:bodyPr>
-          <a:lstStyle/>
-          <a:p>
-            <a:pPr algn="ctr">
-              <a:lnSpc>
-                <a:spcPts val="6999"/>
-              </a:lnSpc>
-            </a:pPr>
-            <a:r>
-              <a:rPr lang="en-US" sz="6999">
-                <a:solidFill>
-                  <a:srgbClr val="603F20"/>
-                </a:solidFill>
-                <a:latin typeface="Coiny"/>
-                <a:ea typeface="Coiny"/>
-                <a:cs typeface="Coiny"/>
-                <a:sym typeface="Coiny"/>
-              </a:rPr>
-              <a:t>STACKED BAR CHART</a:t>
-            </a:r>
-          </a:p>
-        </p:txBody>
-      </p:sp>
-    </p:spTree>
-  </p:cSld>
-  <p:clrMapOvr>
-    <a:masterClrMapping/>
-  </p:clrMapOvr>
-  <p:transition spd="fast">
-    <p:fade/>
-  </p:transition>
-</p:sld>
-</file>
-
-<file path=ppt/slides/slide8.xml><?xml version="1.0" encoding="utf-8"?>
-<p:sld xmlns:p="http://schemas.openxmlformats.org/presentationml/2006/main" xmlns:a="http://schemas.openxmlformats.org/drawingml/2006/main" xmlns:r="http://schemas.openxmlformats.org/officeDocument/2006/relationships">
-  <p:cSld>
-    <p:bg>
-      <p:bgPr>
-        <a:solidFill>
-          <a:srgbClr val="FBF1E5"/>
-        </a:solidFill>
-      </p:bgPr>
-    </p:bg>
-    <p:spTree>
-      <p:nvGrpSpPr>
-        <p:cNvPr id="1" name=""/>
-        <p:cNvGrpSpPr/>
-        <p:nvPr/>
-      </p:nvGrpSpPr>
-      <p:grpSpPr>
-        <a:xfrm>
-          <a:off x="0" y="0"/>
-          <a:ext cx="0" cy="0"/>
-          <a:chOff x="0" y="0"/>
-          <a:chExt cx="0" cy="0"/>
-        </a:xfrm>
-      </p:grpSpPr>
-      <p:sp>
-        <p:nvSpPr>
-          <p:cNvPr name="Freeform 2" id="2"/>
-          <p:cNvSpPr/>
-          <p:nvPr/>
-        </p:nvSpPr>
-        <p:spPr>
-          <a:xfrm flipH="false" flipV="false" rot="0">
-            <a:off x="165626" y="8435643"/>
-            <a:ext cx="2774548" cy="2199460"/>
-          </a:xfrm>
-          <a:custGeom>
-            <a:avLst/>
-            <a:gdLst/>
-            <a:ahLst/>
-            <a:cxnLst/>
-            <a:rect r="r" b="b" t="t" l="l"/>
-            <a:pathLst>
-              <a:path h="2199460" w="2774548">
-                <a:moveTo>
-                  <a:pt x="0" y="0"/>
-                </a:moveTo>
-                <a:lnTo>
-                  <a:pt x="2774547" y="0"/>
-                </a:lnTo>
-                <a:lnTo>
-                  <a:pt x="2774547" y="2199460"/>
-                </a:lnTo>
-                <a:lnTo>
-                  <a:pt x="0" y="2199460"/>
-                </a:lnTo>
-                <a:lnTo>
-                  <a:pt x="0" y="0"/>
-                </a:lnTo>
-                <a:close/>
-              </a:path>
-            </a:pathLst>
-          </a:custGeom>
-          <a:blipFill>
-            <a:blip r:embed="rId2">
-              <a:extLst>
-                <a:ext uri="{96DAC541-7B7A-43D3-8B79-37D633B846F1}">
-                  <asvg:svgBlip xmlns:asvg="http://schemas.microsoft.com/office/drawing/2016/SVG/main" r:embed="rId3"/>
-                </a:ext>
-              </a:extLst>
-            </a:blip>
-            <a:stretch>
-              <a:fillRect l="0" t="0" r="0" b="0"/>
-            </a:stretch>
-          </a:blipFill>
-        </p:spPr>
-      </p:sp>
-      <p:sp>
-        <p:nvSpPr>
-          <p:cNvPr name="Freeform 3" id="3"/>
-          <p:cNvSpPr/>
-          <p:nvPr/>
-        </p:nvSpPr>
-        <p:spPr>
-          <a:xfrm flipH="false" flipV="false" rot="0">
-            <a:off x="781238" y="9134896"/>
-            <a:ext cx="569505" cy="569505"/>
-          </a:xfrm>
-          <a:custGeom>
-            <a:avLst/>
-            <a:gdLst/>
-            <a:ahLst/>
-            <a:cxnLst/>
-            <a:rect r="r" b="b" t="t" l="l"/>
-            <a:pathLst>
-              <a:path h="569505" w="569505">
-                <a:moveTo>
-                  <a:pt x="0" y="0"/>
-                </a:moveTo>
-                <a:lnTo>
-                  <a:pt x="569505" y="0"/>
-                </a:lnTo>
-                <a:lnTo>
-                  <a:pt x="569505" y="569505"/>
-                </a:lnTo>
-                <a:lnTo>
-                  <a:pt x="0" y="569505"/>
-                </a:lnTo>
-                <a:lnTo>
-                  <a:pt x="0" y="0"/>
-                </a:lnTo>
-                <a:close/>
-              </a:path>
-            </a:pathLst>
-          </a:custGeom>
-          <a:blipFill>
-            <a:blip r:embed="rId4">
-              <a:extLst>
-                <a:ext uri="{96DAC541-7B7A-43D3-8B79-37D633B846F1}">
-                  <asvg:svgBlip xmlns:asvg="http://schemas.microsoft.com/office/drawing/2016/SVG/main" r:embed="rId5"/>
-                </a:ext>
-              </a:extLst>
-            </a:blip>
-            <a:stretch>
-              <a:fillRect l="0" t="0" r="0" b="0"/>
-            </a:stretch>
-          </a:blipFill>
-        </p:spPr>
-      </p:sp>
-      <p:sp>
-        <p:nvSpPr>
-          <p:cNvPr name="Freeform 4" id="4"/>
-          <p:cNvSpPr/>
-          <p:nvPr/>
-        </p:nvSpPr>
-        <p:spPr>
-          <a:xfrm flipH="false" flipV="false" rot="0">
-            <a:off x="1863029" y="9134896"/>
-            <a:ext cx="569505" cy="569505"/>
-          </a:xfrm>
-          <a:custGeom>
-            <a:avLst/>
-            <a:gdLst/>
-            <a:ahLst/>
-            <a:cxnLst/>
-            <a:rect r="r" b="b" t="t" l="l"/>
-            <a:pathLst>
-              <a:path h="569505" w="569505">
-                <a:moveTo>
-                  <a:pt x="0" y="0"/>
-                </a:moveTo>
-                <a:lnTo>
-                  <a:pt x="569506" y="0"/>
-                </a:lnTo>
-                <a:lnTo>
-                  <a:pt x="569506" y="569505"/>
-                </a:lnTo>
-                <a:lnTo>
-                  <a:pt x="0" y="569505"/>
-                </a:lnTo>
-                <a:lnTo>
-                  <a:pt x="0" y="0"/>
-                </a:lnTo>
-                <a:close/>
-              </a:path>
-            </a:pathLst>
-          </a:custGeom>
-          <a:blipFill>
-            <a:blip r:embed="rId6">
-              <a:extLst>
-                <a:ext uri="{96DAC541-7B7A-43D3-8B79-37D633B846F1}">
-                  <asvg:svgBlip xmlns:asvg="http://schemas.microsoft.com/office/drawing/2016/SVG/main" r:embed="rId7"/>
-                </a:ext>
-              </a:extLst>
-            </a:blip>
-            <a:stretch>
-              <a:fillRect l="0" t="0" r="0" b="0"/>
-            </a:stretch>
-          </a:blipFill>
-        </p:spPr>
-      </p:sp>
-      <p:sp>
-        <p:nvSpPr>
-          <p:cNvPr name="Freeform 5" id="5"/>
-          <p:cNvSpPr/>
-          <p:nvPr/>
-        </p:nvSpPr>
-        <p:spPr>
-          <a:xfrm flipH="false" flipV="false" rot="0">
-            <a:off x="2332987" y="8435643"/>
-            <a:ext cx="3009211" cy="2199460"/>
-          </a:xfrm>
-          <a:custGeom>
-            <a:avLst/>
-            <a:gdLst/>
-            <a:ahLst/>
-            <a:cxnLst/>
-            <a:rect r="r" b="b" t="t" l="l"/>
-            <a:pathLst>
-              <a:path h="2199460" w="3009211">
-                <a:moveTo>
-                  <a:pt x="0" y="0"/>
-                </a:moveTo>
-                <a:lnTo>
-                  <a:pt x="3009211" y="0"/>
-                </a:lnTo>
-                <a:lnTo>
-                  <a:pt x="3009211" y="2199460"/>
-                </a:lnTo>
-                <a:lnTo>
-                  <a:pt x="0" y="2199460"/>
-                </a:lnTo>
-                <a:lnTo>
-                  <a:pt x="0" y="0"/>
-                </a:lnTo>
-                <a:close/>
-              </a:path>
-            </a:pathLst>
-          </a:custGeom>
-          <a:blipFill>
-            <a:blip r:embed="rId8">
-              <a:extLst>
-                <a:ext uri="{96DAC541-7B7A-43D3-8B79-37D633B846F1}">
-                  <asvg:svgBlip xmlns:asvg="http://schemas.microsoft.com/office/drawing/2016/SVG/main" r:embed="rId9"/>
-                </a:ext>
-              </a:extLst>
-            </a:blip>
-            <a:stretch>
-              <a:fillRect l="0" t="0" r="0" b="0"/>
-            </a:stretch>
-          </a:blipFill>
-        </p:spPr>
-      </p:sp>
-      <p:sp>
-        <p:nvSpPr>
-          <p:cNvPr name="Freeform 6" id="6"/>
-          <p:cNvSpPr/>
-          <p:nvPr/>
-        </p:nvSpPr>
-        <p:spPr>
-          <a:xfrm flipH="false" flipV="false" rot="0">
-            <a:off x="3105557" y="8964519"/>
-            <a:ext cx="570854" cy="570854"/>
-          </a:xfrm>
-          <a:custGeom>
-            <a:avLst/>
-            <a:gdLst/>
-            <a:ahLst/>
-            <a:cxnLst/>
-            <a:rect r="r" b="b" t="t" l="l"/>
-            <a:pathLst>
-              <a:path h="570854" w="570854">
-                <a:moveTo>
-                  <a:pt x="0" y="0"/>
-                </a:moveTo>
-                <a:lnTo>
-                  <a:pt x="570854" y="0"/>
-                </a:lnTo>
-                <a:lnTo>
-                  <a:pt x="570854" y="570854"/>
-                </a:lnTo>
-                <a:lnTo>
-                  <a:pt x="0" y="570854"/>
-                </a:lnTo>
-                <a:lnTo>
-                  <a:pt x="0" y="0"/>
-                </a:lnTo>
-                <a:close/>
-              </a:path>
-            </a:pathLst>
-          </a:custGeom>
-          <a:blipFill>
-            <a:blip r:embed="rId4">
-              <a:extLst>
-                <a:ext uri="{96DAC541-7B7A-43D3-8B79-37D633B846F1}">
-                  <asvg:svgBlip xmlns:asvg="http://schemas.microsoft.com/office/drawing/2016/SVG/main" r:embed="rId5"/>
-                </a:ext>
-              </a:extLst>
-            </a:blip>
-            <a:stretch>
-              <a:fillRect l="0" t="0" r="0" b="0"/>
-            </a:stretch>
-          </a:blipFill>
-        </p:spPr>
-      </p:sp>
-      <p:sp>
-        <p:nvSpPr>
-          <p:cNvPr name="Freeform 7" id="7"/>
-          <p:cNvSpPr/>
-          <p:nvPr/>
-        </p:nvSpPr>
-        <p:spPr>
-          <a:xfrm flipH="false" flipV="false" rot="0">
-            <a:off x="4145541" y="8964519"/>
-            <a:ext cx="570854" cy="570854"/>
-          </a:xfrm>
-          <a:custGeom>
-            <a:avLst/>
-            <a:gdLst/>
-            <a:ahLst/>
-            <a:cxnLst/>
-            <a:rect r="r" b="b" t="t" l="l"/>
-            <a:pathLst>
-              <a:path h="570854" w="570854">
-                <a:moveTo>
-                  <a:pt x="0" y="0"/>
-                </a:moveTo>
-                <a:lnTo>
-                  <a:pt x="570854" y="0"/>
-                </a:lnTo>
-                <a:lnTo>
-                  <a:pt x="570854" y="570854"/>
-                </a:lnTo>
-                <a:lnTo>
-                  <a:pt x="0" y="570854"/>
-                </a:lnTo>
-                <a:lnTo>
-                  <a:pt x="0" y="0"/>
-                </a:lnTo>
-                <a:close/>
-              </a:path>
-            </a:pathLst>
-          </a:custGeom>
-          <a:blipFill>
-            <a:blip r:embed="rId6">
-              <a:extLst>
-                <a:ext uri="{96DAC541-7B7A-43D3-8B79-37D633B846F1}">
-                  <asvg:svgBlip xmlns:asvg="http://schemas.microsoft.com/office/drawing/2016/SVG/main" r:embed="rId7"/>
-                </a:ext>
-              </a:extLst>
-            </a:blip>
-            <a:stretch>
-              <a:fillRect l="0" t="0" r="0" b="0"/>
-            </a:stretch>
-          </a:blipFill>
-        </p:spPr>
-      </p:sp>
-      <p:sp>
-        <p:nvSpPr>
-          <p:cNvPr name="Freeform 8" id="8"/>
-          <p:cNvSpPr/>
-          <p:nvPr/>
-        </p:nvSpPr>
-        <p:spPr>
-          <a:xfrm flipH="false" flipV="false" rot="0">
-            <a:off x="4852852" y="8435643"/>
-            <a:ext cx="2549951" cy="2063142"/>
-          </a:xfrm>
-          <a:custGeom>
-            <a:avLst/>
-            <a:gdLst/>
-            <a:ahLst/>
-            <a:cxnLst/>
-            <a:rect r="r" b="b" t="t" l="l"/>
-            <a:pathLst>
-              <a:path h="2063142" w="2549951">
-                <a:moveTo>
-                  <a:pt x="0" y="0"/>
-                </a:moveTo>
-                <a:lnTo>
-                  <a:pt x="2549952" y="0"/>
-                </a:lnTo>
-                <a:lnTo>
-                  <a:pt x="2549952" y="2063143"/>
-                </a:lnTo>
-                <a:lnTo>
-                  <a:pt x="0" y="2063143"/>
-                </a:lnTo>
-                <a:lnTo>
-                  <a:pt x="0" y="0"/>
-                </a:lnTo>
-                <a:close/>
-              </a:path>
-            </a:pathLst>
-          </a:custGeom>
-          <a:blipFill>
-            <a:blip r:embed="rId10">
-              <a:extLst>
-                <a:ext uri="{96DAC541-7B7A-43D3-8B79-37D633B846F1}">
-                  <asvg:svgBlip xmlns:asvg="http://schemas.microsoft.com/office/drawing/2016/SVG/main" r:embed="rId11"/>
-                </a:ext>
-              </a:extLst>
-            </a:blip>
-            <a:stretch>
-              <a:fillRect l="0" t="0" r="0" b="0"/>
-            </a:stretch>
-          </a:blipFill>
-        </p:spPr>
-      </p:sp>
-      <p:sp>
-        <p:nvSpPr>
-          <p:cNvPr name="Freeform 9" id="9"/>
-          <p:cNvSpPr/>
-          <p:nvPr/>
-        </p:nvSpPr>
-        <p:spPr>
-          <a:xfrm flipH="false" flipV="false" rot="0">
-            <a:off x="5344814" y="9133984"/>
-            <a:ext cx="537403" cy="537403"/>
-          </a:xfrm>
-          <a:custGeom>
-            <a:avLst/>
-            <a:gdLst/>
-            <a:ahLst/>
-            <a:cxnLst/>
-            <a:rect r="r" b="b" t="t" l="l"/>
-            <a:pathLst>
-              <a:path h="537403" w="537403">
-                <a:moveTo>
-                  <a:pt x="0" y="0"/>
-                </a:moveTo>
-                <a:lnTo>
-                  <a:pt x="537403" y="0"/>
-                </a:lnTo>
-                <a:lnTo>
-                  <a:pt x="537403" y="537403"/>
-                </a:lnTo>
-                <a:lnTo>
-                  <a:pt x="0" y="537403"/>
-                </a:lnTo>
-                <a:lnTo>
-                  <a:pt x="0" y="0"/>
-                </a:lnTo>
-                <a:close/>
-              </a:path>
-            </a:pathLst>
-          </a:custGeom>
-          <a:blipFill>
-            <a:blip r:embed="rId4">
-              <a:extLst>
-                <a:ext uri="{96DAC541-7B7A-43D3-8B79-37D633B846F1}">
-                  <asvg:svgBlip xmlns:asvg="http://schemas.microsoft.com/office/drawing/2016/SVG/main" r:embed="rId5"/>
-                </a:ext>
-              </a:extLst>
-            </a:blip>
-            <a:stretch>
-              <a:fillRect l="0" t="0" r="0" b="0"/>
-            </a:stretch>
-          </a:blipFill>
-        </p:spPr>
-      </p:sp>
-      <p:sp>
-        <p:nvSpPr>
-          <p:cNvPr name="Freeform 10" id="10"/>
-          <p:cNvSpPr/>
-          <p:nvPr/>
-        </p:nvSpPr>
-        <p:spPr>
-          <a:xfrm flipH="false" flipV="false" rot="0">
-            <a:off x="6321192" y="9304173"/>
-            <a:ext cx="537403" cy="537403"/>
-          </a:xfrm>
-          <a:custGeom>
-            <a:avLst/>
-            <a:gdLst/>
-            <a:ahLst/>
-            <a:cxnLst/>
-            <a:rect r="r" b="b" t="t" l="l"/>
-            <a:pathLst>
-              <a:path h="537403" w="537403">
-                <a:moveTo>
-                  <a:pt x="0" y="0"/>
-                </a:moveTo>
-                <a:lnTo>
-                  <a:pt x="537403" y="0"/>
-                </a:lnTo>
-                <a:lnTo>
-                  <a:pt x="537403" y="537403"/>
-                </a:lnTo>
-                <a:lnTo>
-                  <a:pt x="0" y="537403"/>
-                </a:lnTo>
-                <a:lnTo>
-                  <a:pt x="0" y="0"/>
-                </a:lnTo>
-                <a:close/>
-              </a:path>
-            </a:pathLst>
-          </a:custGeom>
-          <a:blipFill>
-            <a:blip r:embed="rId6">
-              <a:extLst>
-                <a:ext uri="{96DAC541-7B7A-43D3-8B79-37D633B846F1}">
-                  <asvg:svgBlip xmlns:asvg="http://schemas.microsoft.com/office/drawing/2016/SVG/main" r:embed="rId7"/>
-                </a:ext>
-              </a:extLst>
-            </a:blip>
-            <a:stretch>
-              <a:fillRect l="0" t="0" r="0" b="0"/>
-            </a:stretch>
-          </a:blipFill>
-        </p:spPr>
-      </p:sp>
-      <p:sp>
-        <p:nvSpPr>
-          <p:cNvPr name="Freeform 11" id="11"/>
-          <p:cNvSpPr/>
-          <p:nvPr/>
-        </p:nvSpPr>
-        <p:spPr>
-          <a:xfrm flipH="false" flipV="false" rot="0">
-            <a:off x="7109666" y="8435643"/>
-            <a:ext cx="2445535" cy="2063142"/>
-          </a:xfrm>
-          <a:custGeom>
-            <a:avLst/>
-            <a:gdLst/>
-            <a:ahLst/>
-            <a:cxnLst/>
-            <a:rect r="r" b="b" t="t" l="l"/>
-            <a:pathLst>
-              <a:path h="2063142" w="2445535">
-                <a:moveTo>
-                  <a:pt x="0" y="0"/>
-                </a:moveTo>
-                <a:lnTo>
-                  <a:pt x="2445535" y="0"/>
-                </a:lnTo>
-                <a:lnTo>
-                  <a:pt x="2445535" y="2063143"/>
-                </a:lnTo>
-                <a:lnTo>
-                  <a:pt x="0" y="2063143"/>
-                </a:lnTo>
-                <a:lnTo>
-                  <a:pt x="0" y="0"/>
-                </a:lnTo>
-                <a:close/>
-              </a:path>
-            </a:pathLst>
-          </a:custGeom>
-          <a:blipFill>
-            <a:blip r:embed="rId12">
-              <a:extLst>
-                <a:ext uri="{96DAC541-7B7A-43D3-8B79-37D633B846F1}">
-                  <asvg:svgBlip xmlns:asvg="http://schemas.microsoft.com/office/drawing/2016/SVG/main" r:embed="rId13"/>
-                </a:ext>
-              </a:extLst>
-            </a:blip>
-            <a:stretch>
-              <a:fillRect l="0" t="0" r="0" b="0"/>
-            </a:stretch>
-          </a:blipFill>
-        </p:spPr>
-      </p:sp>
-      <p:sp>
-        <p:nvSpPr>
-          <p:cNvPr name="Freeform 12" id="12"/>
-          <p:cNvSpPr/>
-          <p:nvPr/>
-        </p:nvSpPr>
-        <p:spPr>
-          <a:xfrm flipH="false" flipV="false" rot="-6258949">
-            <a:off x="7632839" y="9103005"/>
-            <a:ext cx="408400" cy="638125"/>
-          </a:xfrm>
-          <a:custGeom>
-            <a:avLst/>
-            <a:gdLst/>
-            <a:ahLst/>
-            <a:cxnLst/>
-            <a:rect r="r" b="b" t="t" l="l"/>
-            <a:pathLst>
-              <a:path h="638125" w="408400">
-                <a:moveTo>
-                  <a:pt x="0" y="0"/>
-                </a:moveTo>
-                <a:lnTo>
-                  <a:pt x="408400" y="0"/>
-                </a:lnTo>
-                <a:lnTo>
-                  <a:pt x="408400" y="638125"/>
-                </a:lnTo>
-                <a:lnTo>
-                  <a:pt x="0" y="638125"/>
-                </a:lnTo>
-                <a:lnTo>
-                  <a:pt x="0" y="0"/>
-                </a:lnTo>
-                <a:close/>
-              </a:path>
-            </a:pathLst>
-          </a:custGeom>
-          <a:blipFill>
-            <a:blip r:embed="rId14">
-              <a:extLst>
-                <a:ext uri="{96DAC541-7B7A-43D3-8B79-37D633B846F1}">
-                  <asvg:svgBlip xmlns:asvg="http://schemas.microsoft.com/office/drawing/2016/SVG/main" r:embed="rId15"/>
-                </a:ext>
-              </a:extLst>
-            </a:blip>
-            <a:stretch>
-              <a:fillRect l="0" t="0" r="0" b="0"/>
-            </a:stretch>
-          </a:blipFill>
-        </p:spPr>
-      </p:sp>
-      <p:sp>
-        <p:nvSpPr>
-          <p:cNvPr name="Freeform 13" id="13"/>
-          <p:cNvSpPr/>
-          <p:nvPr/>
-        </p:nvSpPr>
-        <p:spPr>
-          <a:xfrm flipH="false" flipV="false" rot="-6529594">
-            <a:off x="8569078" y="9097581"/>
-            <a:ext cx="315472" cy="492924"/>
-          </a:xfrm>
-          <a:custGeom>
-            <a:avLst/>
-            <a:gdLst/>
-            <a:ahLst/>
-            <a:cxnLst/>
-            <a:rect r="r" b="b" t="t" l="l"/>
-            <a:pathLst>
-              <a:path h="492924" w="315472">
-                <a:moveTo>
-                  <a:pt x="0" y="0"/>
-                </a:moveTo>
-                <a:lnTo>
-                  <a:pt x="315472" y="0"/>
-                </a:lnTo>
-                <a:lnTo>
-                  <a:pt x="315472" y="492924"/>
-                </a:lnTo>
-                <a:lnTo>
-                  <a:pt x="0" y="492924"/>
-                </a:lnTo>
-                <a:lnTo>
-                  <a:pt x="0" y="0"/>
-                </a:lnTo>
-                <a:close/>
-              </a:path>
-            </a:pathLst>
-          </a:custGeom>
-          <a:blipFill>
-            <a:blip r:embed="rId16">
-              <a:extLst>
-                <a:ext uri="{96DAC541-7B7A-43D3-8B79-37D633B846F1}">
-                  <asvg:svgBlip xmlns:asvg="http://schemas.microsoft.com/office/drawing/2016/SVG/main" r:embed="rId17"/>
-                </a:ext>
-              </a:extLst>
-            </a:blip>
-            <a:stretch>
-              <a:fillRect l="0" t="0" r="0" b="0"/>
-            </a:stretch>
-          </a:blipFill>
-        </p:spPr>
-      </p:sp>
-      <p:sp>
-        <p:nvSpPr>
-          <p:cNvPr name="Freeform 14" id="14"/>
-          <p:cNvSpPr/>
-          <p:nvPr/>
-        </p:nvSpPr>
-        <p:spPr>
-          <a:xfrm flipH="false" flipV="false" rot="0">
-            <a:off x="9813523" y="5978076"/>
-            <a:ext cx="5549978" cy="4520709"/>
-          </a:xfrm>
-          <a:custGeom>
-            <a:avLst/>
-            <a:gdLst/>
-            <a:ahLst/>
-            <a:cxnLst/>
-            <a:rect r="r" b="b" t="t" l="l"/>
-            <a:pathLst>
-              <a:path h="4520709" w="5549978">
-                <a:moveTo>
-                  <a:pt x="0" y="0"/>
-                </a:moveTo>
-                <a:lnTo>
-                  <a:pt x="5549978" y="0"/>
-                </a:lnTo>
-                <a:lnTo>
-                  <a:pt x="5549978" y="4520710"/>
-                </a:lnTo>
-                <a:lnTo>
-                  <a:pt x="0" y="4520710"/>
-                </a:lnTo>
-                <a:lnTo>
-                  <a:pt x="0" y="0"/>
-                </a:lnTo>
-                <a:close/>
-              </a:path>
-            </a:pathLst>
-          </a:custGeom>
-          <a:blipFill>
-            <a:blip r:embed="rId18">
-              <a:extLst>
-                <a:ext uri="{96DAC541-7B7A-43D3-8B79-37D633B846F1}">
-                  <asvg:svgBlip xmlns:asvg="http://schemas.microsoft.com/office/drawing/2016/SVG/main" r:embed="rId19"/>
-                </a:ext>
-              </a:extLst>
-            </a:blip>
-            <a:stretch>
-              <a:fillRect l="0" t="0" r="0" b="0"/>
-            </a:stretch>
-          </a:blipFill>
-        </p:spPr>
-      </p:sp>
-      <p:sp>
-        <p:nvSpPr>
-          <p:cNvPr name="Freeform 15" id="15"/>
-          <p:cNvSpPr/>
-          <p:nvPr/>
-        </p:nvSpPr>
-        <p:spPr>
-          <a:xfrm flipH="false" flipV="false" rot="0">
-            <a:off x="12040217" y="7783490"/>
-            <a:ext cx="1096592" cy="1096592"/>
-          </a:xfrm>
-          <a:custGeom>
-            <a:avLst/>
-            <a:gdLst/>
-            <a:ahLst/>
-            <a:cxnLst/>
-            <a:rect r="r" b="b" t="t" l="l"/>
-            <a:pathLst>
-              <a:path h="1096592" w="1096592">
-                <a:moveTo>
-                  <a:pt x="0" y="0"/>
-                </a:moveTo>
-                <a:lnTo>
-                  <a:pt x="1096591" y="0"/>
-                </a:lnTo>
-                <a:lnTo>
-                  <a:pt x="1096591" y="1096591"/>
-                </a:lnTo>
-                <a:lnTo>
-                  <a:pt x="0" y="1096591"/>
-                </a:lnTo>
-                <a:lnTo>
-                  <a:pt x="0" y="0"/>
-                </a:lnTo>
-                <a:close/>
-              </a:path>
-            </a:pathLst>
-          </a:custGeom>
-          <a:blipFill>
-            <a:blip r:embed="rId6">
-              <a:extLst>
-                <a:ext uri="{96DAC541-7B7A-43D3-8B79-37D633B846F1}">
-                  <asvg:svgBlip xmlns:asvg="http://schemas.microsoft.com/office/drawing/2016/SVG/main" r:embed="rId7"/>
-                </a:ext>
-              </a:extLst>
-            </a:blip>
-            <a:stretch>
-              <a:fillRect l="0" t="0" r="0" b="0"/>
-            </a:stretch>
-          </a:blipFill>
-        </p:spPr>
-      </p:sp>
-      <p:sp>
-        <p:nvSpPr>
-          <p:cNvPr name="Freeform 16" id="16"/>
-          <p:cNvSpPr/>
-          <p:nvPr/>
-        </p:nvSpPr>
-        <p:spPr>
-          <a:xfrm flipH="false" flipV="false" rot="0">
-            <a:off x="15218822" y="8480403"/>
-            <a:ext cx="2587670" cy="2018383"/>
-          </a:xfrm>
-          <a:custGeom>
-            <a:avLst/>
-            <a:gdLst/>
-            <a:ahLst/>
-            <a:cxnLst/>
-            <a:rect r="r" b="b" t="t" l="l"/>
-            <a:pathLst>
-              <a:path h="2018383" w="2587670">
-                <a:moveTo>
-                  <a:pt x="0" y="0"/>
-                </a:moveTo>
-                <a:lnTo>
-                  <a:pt x="2587670" y="0"/>
-                </a:lnTo>
-                <a:lnTo>
-                  <a:pt x="2587670" y="2018383"/>
-                </a:lnTo>
-                <a:lnTo>
-                  <a:pt x="0" y="2018383"/>
-                </a:lnTo>
-                <a:lnTo>
-                  <a:pt x="0" y="0"/>
-                </a:lnTo>
-                <a:close/>
-              </a:path>
-            </a:pathLst>
-          </a:custGeom>
-          <a:blipFill>
-            <a:blip r:embed="rId20">
-              <a:extLst>
-                <a:ext uri="{96DAC541-7B7A-43D3-8B79-37D633B846F1}">
-                  <asvg:svgBlip xmlns:asvg="http://schemas.microsoft.com/office/drawing/2016/SVG/main" r:embed="rId21"/>
-                </a:ext>
-              </a:extLst>
-            </a:blip>
-            <a:stretch>
-              <a:fillRect l="0" t="0" r="0" b="0"/>
-            </a:stretch>
-          </a:blipFill>
-        </p:spPr>
-      </p:sp>
-      <p:sp>
-        <p:nvSpPr>
-          <p:cNvPr name="Freeform 17" id="17"/>
-          <p:cNvSpPr/>
-          <p:nvPr/>
-        </p:nvSpPr>
-        <p:spPr>
-          <a:xfrm flipH="false" flipV="false" rot="0">
-            <a:off x="15751224" y="9002409"/>
-            <a:ext cx="559539" cy="559539"/>
-          </a:xfrm>
-          <a:custGeom>
-            <a:avLst/>
-            <a:gdLst/>
-            <a:ahLst/>
-            <a:cxnLst/>
-            <a:rect r="r" b="b" t="t" l="l"/>
-            <a:pathLst>
-              <a:path h="559539" w="559539">
-                <a:moveTo>
-                  <a:pt x="0" y="0"/>
-                </a:moveTo>
-                <a:lnTo>
-                  <a:pt x="559540" y="0"/>
-                </a:lnTo>
-                <a:lnTo>
-                  <a:pt x="559540" y="559539"/>
-                </a:lnTo>
-                <a:lnTo>
-                  <a:pt x="0" y="559539"/>
-                </a:lnTo>
-                <a:lnTo>
-                  <a:pt x="0" y="0"/>
-                </a:lnTo>
-                <a:close/>
-              </a:path>
-            </a:pathLst>
-          </a:custGeom>
-          <a:blipFill>
-            <a:blip r:embed="rId4">
-              <a:extLst>
-                <a:ext uri="{96DAC541-7B7A-43D3-8B79-37D633B846F1}">
-                  <asvg:svgBlip xmlns:asvg="http://schemas.microsoft.com/office/drawing/2016/SVG/main" r:embed="rId5"/>
-                </a:ext>
-              </a:extLst>
-            </a:blip>
-            <a:stretch>
-              <a:fillRect l="0" t="0" r="0" b="0"/>
-            </a:stretch>
-          </a:blipFill>
-        </p:spPr>
-      </p:sp>
-      <p:sp>
-        <p:nvSpPr>
-          <p:cNvPr name="Freeform 18" id="18"/>
-          <p:cNvSpPr/>
-          <p:nvPr/>
-        </p:nvSpPr>
-        <p:spPr>
-          <a:xfrm flipH="false" flipV="false" rot="9279652">
-            <a:off x="16550564" y="9287504"/>
-            <a:ext cx="687176" cy="343588"/>
-          </a:xfrm>
-          <a:custGeom>
-            <a:avLst/>
-            <a:gdLst/>
-            <a:ahLst/>
-            <a:cxnLst/>
-            <a:rect r="r" b="b" t="t" l="l"/>
-            <a:pathLst>
-              <a:path h="343588" w="687176">
-                <a:moveTo>
-                  <a:pt x="0" y="0"/>
-                </a:moveTo>
-                <a:lnTo>
-                  <a:pt x="687176" y="0"/>
-                </a:lnTo>
-                <a:lnTo>
-                  <a:pt x="687176" y="343588"/>
-                </a:lnTo>
-                <a:lnTo>
-                  <a:pt x="0" y="343588"/>
-                </a:lnTo>
-                <a:lnTo>
-                  <a:pt x="0" y="0"/>
-                </a:lnTo>
-                <a:close/>
-              </a:path>
-            </a:pathLst>
-          </a:custGeom>
-          <a:blipFill>
-            <a:blip r:embed="rId22">
-              <a:extLst>
-                <a:ext uri="{96DAC541-7B7A-43D3-8B79-37D633B846F1}">
-                  <asvg:svgBlip xmlns:asvg="http://schemas.microsoft.com/office/drawing/2016/SVG/main" r:embed="rId23"/>
-                </a:ext>
-              </a:extLst>
-            </a:blip>
-            <a:stretch>
-              <a:fillRect l="0" t="0" r="0" b="0"/>
-            </a:stretch>
-          </a:blipFill>
-        </p:spPr>
-      </p:sp>
-      <p:sp>
-        <p:nvSpPr>
-          <p:cNvPr name="Freeform 19" id="19"/>
-          <p:cNvSpPr/>
-          <p:nvPr/>
-        </p:nvSpPr>
-        <p:spPr>
-          <a:xfrm flipH="false" flipV="false" rot="148656">
-            <a:off x="182721" y="1834197"/>
-            <a:ext cx="1691958" cy="2020248"/>
-          </a:xfrm>
-          <a:custGeom>
-            <a:avLst/>
-            <a:gdLst/>
-            <a:ahLst/>
-            <a:cxnLst/>
-            <a:rect r="r" b="b" t="t" l="l"/>
-            <a:pathLst>
-              <a:path h="2020248" w="1691958">
-                <a:moveTo>
-                  <a:pt x="0" y="0"/>
-                </a:moveTo>
-                <a:lnTo>
-                  <a:pt x="1691958" y="0"/>
-                </a:lnTo>
-                <a:lnTo>
-                  <a:pt x="1691958" y="2020248"/>
-                </a:lnTo>
-                <a:lnTo>
-                  <a:pt x="0" y="2020248"/>
-                </a:lnTo>
-                <a:lnTo>
-                  <a:pt x="0" y="0"/>
-                </a:lnTo>
-                <a:close/>
-              </a:path>
-            </a:pathLst>
-          </a:custGeom>
-          <a:blipFill>
-            <a:blip r:embed="rId24">
-              <a:extLst>
-                <a:ext uri="{96DAC541-7B7A-43D3-8B79-37D633B846F1}">
-                  <asvg:svgBlip xmlns:asvg="http://schemas.microsoft.com/office/drawing/2016/SVG/main" r:embed="rId25"/>
-                </a:ext>
-              </a:extLst>
-            </a:blip>
-            <a:stretch>
-              <a:fillRect l="0" t="0" r="0" b="0"/>
-            </a:stretch>
-          </a:blipFill>
-        </p:spPr>
-      </p:sp>
-      <p:sp>
-        <p:nvSpPr>
-          <p:cNvPr name="Freeform 20" id="20"/>
-          <p:cNvSpPr/>
-          <p:nvPr/>
-        </p:nvSpPr>
-        <p:spPr>
-          <a:xfrm flipH="false" flipV="false" rot="148656">
-            <a:off x="4894682" y="-417464"/>
-            <a:ext cx="1650671" cy="1970951"/>
-          </a:xfrm>
-          <a:custGeom>
-            <a:avLst/>
-            <a:gdLst/>
-            <a:ahLst/>
-            <a:cxnLst/>
-            <a:rect r="r" b="b" t="t" l="l"/>
-            <a:pathLst>
-              <a:path h="1970951" w="1650671">
-                <a:moveTo>
-                  <a:pt x="0" y="0"/>
-                </a:moveTo>
-                <a:lnTo>
-                  <a:pt x="1650671" y="0"/>
-                </a:lnTo>
-                <a:lnTo>
-                  <a:pt x="1650671" y="1970951"/>
-                </a:lnTo>
-                <a:lnTo>
-                  <a:pt x="0" y="1970951"/>
-                </a:lnTo>
-                <a:lnTo>
-                  <a:pt x="0" y="0"/>
-                </a:lnTo>
-                <a:close/>
-              </a:path>
-            </a:pathLst>
-          </a:custGeom>
-          <a:blipFill>
-            <a:blip r:embed="rId24">
-              <a:extLst>
-                <a:ext uri="{96DAC541-7B7A-43D3-8B79-37D633B846F1}">
-                  <asvg:svgBlip xmlns:asvg="http://schemas.microsoft.com/office/drawing/2016/SVG/main" r:embed="rId25"/>
-                </a:ext>
-              </a:extLst>
-            </a:blip>
-            <a:stretch>
-              <a:fillRect l="0" t="0" r="0" b="0"/>
-            </a:stretch>
-          </a:blipFill>
-        </p:spPr>
-      </p:sp>
-      <p:sp>
-        <p:nvSpPr>
-          <p:cNvPr name="Freeform 21" id="21"/>
-          <p:cNvSpPr/>
-          <p:nvPr/>
-        </p:nvSpPr>
-        <p:spPr>
-          <a:xfrm flipH="false" flipV="false" rot="0">
-            <a:off x="12205768" y="1269394"/>
-            <a:ext cx="4358511" cy="4358511"/>
-          </a:xfrm>
-          <a:custGeom>
-            <a:avLst/>
-            <a:gdLst/>
-            <a:ahLst/>
-            <a:cxnLst/>
-            <a:rect r="r" b="b" t="t" l="l"/>
-            <a:pathLst>
-              <a:path h="4358511" w="4358511">
-                <a:moveTo>
-                  <a:pt x="0" y="0"/>
-                </a:moveTo>
-                <a:lnTo>
-                  <a:pt x="4358512" y="0"/>
-                </a:lnTo>
-                <a:lnTo>
-                  <a:pt x="4358512" y="4358512"/>
-                </a:lnTo>
-                <a:lnTo>
-                  <a:pt x="0" y="4358512"/>
-                </a:lnTo>
-                <a:lnTo>
-                  <a:pt x="0" y="0"/>
-                </a:lnTo>
-                <a:close/>
-              </a:path>
-            </a:pathLst>
-          </a:custGeom>
-          <a:blipFill>
-            <a:blip r:embed="rId26">
-              <a:extLst>
-                <a:ext uri="{96DAC541-7B7A-43D3-8B79-37D633B846F1}">
-                  <asvg:svgBlip xmlns:asvg="http://schemas.microsoft.com/office/drawing/2016/SVG/main" r:embed="rId27"/>
-                </a:ext>
-              </a:extLst>
-            </a:blip>
-            <a:stretch>
-              <a:fillRect l="0" t="0" r="0" b="0"/>
-            </a:stretch>
-          </a:blipFill>
-        </p:spPr>
-      </p:sp>
-      <p:sp>
-        <p:nvSpPr>
-          <p:cNvPr name="Freeform 22" id="22"/>
-          <p:cNvSpPr/>
-          <p:nvPr/>
-        </p:nvSpPr>
-        <p:spPr>
-          <a:xfrm flipH="false" flipV="false" rot="0">
-            <a:off x="1552900" y="-452221"/>
-            <a:ext cx="2697115" cy="2461118"/>
-          </a:xfrm>
-          <a:custGeom>
-            <a:avLst/>
-            <a:gdLst/>
-            <a:ahLst/>
-            <a:cxnLst/>
-            <a:rect r="r" b="b" t="t" l="l"/>
-            <a:pathLst>
-              <a:path h="2461118" w="2697115">
-                <a:moveTo>
-                  <a:pt x="0" y="0"/>
-                </a:moveTo>
-                <a:lnTo>
-                  <a:pt x="2697115" y="0"/>
-                </a:lnTo>
-                <a:lnTo>
-                  <a:pt x="2697115" y="2461118"/>
-                </a:lnTo>
-                <a:lnTo>
-                  <a:pt x="0" y="2461118"/>
-                </a:lnTo>
-                <a:lnTo>
-                  <a:pt x="0" y="0"/>
-                </a:lnTo>
-                <a:close/>
-              </a:path>
-            </a:pathLst>
-          </a:custGeom>
-          <a:blipFill>
-            <a:blip r:embed="rId28">
-              <a:extLst>
-                <a:ext uri="{96DAC541-7B7A-43D3-8B79-37D633B846F1}">
-                  <asvg:svgBlip xmlns:asvg="http://schemas.microsoft.com/office/drawing/2016/SVG/main" r:embed="rId29"/>
-                </a:ext>
-              </a:extLst>
-            </a:blip>
-            <a:stretch>
-              <a:fillRect l="0" t="0" r="0" b="0"/>
-            </a:stretch>
-          </a:blipFill>
-        </p:spPr>
-      </p:sp>
-      <p:sp>
-        <p:nvSpPr>
-          <p:cNvPr name="Freeform 23" id="23"/>
-          <p:cNvSpPr/>
-          <p:nvPr/>
-        </p:nvSpPr>
-        <p:spPr>
-          <a:xfrm flipH="true" flipV="false" rot="0">
-            <a:off x="16553964" y="323364"/>
-            <a:ext cx="1410672" cy="1410672"/>
-          </a:xfrm>
-          <a:custGeom>
-            <a:avLst/>
-            <a:gdLst/>
-            <a:ahLst/>
-            <a:cxnLst/>
-            <a:rect r="r" b="b" t="t" l="l"/>
-            <a:pathLst>
-              <a:path h="1410672" w="1410672">
-                <a:moveTo>
-                  <a:pt x="1410672" y="0"/>
-                </a:moveTo>
-                <a:lnTo>
-                  <a:pt x="0" y="0"/>
-                </a:lnTo>
-                <a:lnTo>
-                  <a:pt x="0" y="1410672"/>
-                </a:lnTo>
-                <a:lnTo>
-                  <a:pt x="1410672" y="1410672"/>
-                </a:lnTo>
-                <a:lnTo>
-                  <a:pt x="1410672" y="0"/>
-                </a:lnTo>
-                <a:close/>
-              </a:path>
-            </a:pathLst>
-          </a:custGeom>
-          <a:blipFill>
-            <a:blip r:embed="rId26">
-              <a:extLst>
-                <a:ext uri="{96DAC541-7B7A-43D3-8B79-37D633B846F1}">
-                  <asvg:svgBlip xmlns:asvg="http://schemas.microsoft.com/office/drawing/2016/SVG/main" r:embed="rId27"/>
-                </a:ext>
-              </a:extLst>
-            </a:blip>
-            <a:stretch>
-              <a:fillRect l="0" t="0" r="0" b="0"/>
-            </a:stretch>
-          </a:blipFill>
-        </p:spPr>
-      </p:sp>
-      <p:sp>
-        <p:nvSpPr>
-          <p:cNvPr name="TextBox 24" id="24"/>
-          <p:cNvSpPr txBox="true"/>
-          <p:nvPr/>
-        </p:nvSpPr>
-        <p:spPr>
-          <a:xfrm rot="0">
-            <a:off x="1552900" y="3561991"/>
-            <a:ext cx="8204944" cy="3927475"/>
-          </a:xfrm>
-          <a:prstGeom prst="rect">
-            <a:avLst/>
-          </a:prstGeom>
-        </p:spPr>
-        <p:txBody>
-          <a:bodyPr anchor="t" rtlCol="false" tIns="0" lIns="0" bIns="0" rIns="0">
-            <a:spAutoFit/>
-          </a:bodyPr>
-          <a:lstStyle/>
-          <a:p>
-            <a:pPr algn="just" marL="539749" indent="-269875" lvl="1">
-              <a:lnSpc>
-                <a:spcPts val="3499"/>
-              </a:lnSpc>
-              <a:buFont typeface="Arial"/>
-              <a:buChar char="•"/>
-            </a:pPr>
-            <a:r>
-              <a:rPr lang="en-US" sz="2499">
-                <a:solidFill>
-                  <a:srgbClr val="603F20"/>
-                </a:solidFill>
-                <a:latin typeface="Sniglet"/>
-                <a:ea typeface="Sniglet"/>
-                <a:cs typeface="Sniglet"/>
-                <a:sym typeface="Sniglet"/>
-              </a:rPr>
-              <a:t>Lorem ipsum dolor sit amet, consectetur adipiscing elit. </a:t>
-            </a:r>
-          </a:p>
-          <a:p>
-            <a:pPr algn="just" marL="539749" indent="-269875" lvl="1">
-              <a:lnSpc>
-                <a:spcPts val="3499"/>
-              </a:lnSpc>
-              <a:buFont typeface="Arial"/>
-              <a:buChar char="•"/>
-            </a:pPr>
-            <a:r>
-              <a:rPr lang="en-US" sz="2499">
-                <a:solidFill>
-                  <a:srgbClr val="603F20"/>
-                </a:solidFill>
-                <a:latin typeface="Sniglet"/>
-                <a:ea typeface="Sniglet"/>
-                <a:cs typeface="Sniglet"/>
-                <a:sym typeface="Sniglet"/>
-              </a:rPr>
-              <a:t>Duis viverra dui mauris, sed hendrerit mi cursus faucibus.</a:t>
-            </a:r>
-          </a:p>
-          <a:p>
-            <a:pPr algn="just" marL="539749" indent="-269875" lvl="1">
-              <a:lnSpc>
-                <a:spcPts val="3499"/>
-              </a:lnSpc>
-              <a:buFont typeface="Arial"/>
-              <a:buChar char="•"/>
-            </a:pPr>
-            <a:r>
-              <a:rPr lang="en-US" sz="2499">
-                <a:solidFill>
-                  <a:srgbClr val="603F20"/>
-                </a:solidFill>
-                <a:latin typeface="Sniglet"/>
-                <a:ea typeface="Sniglet"/>
-                <a:cs typeface="Sniglet"/>
-                <a:sym typeface="Sniglet"/>
-              </a:rPr>
-              <a:t>Proin accumsan arcu eu tempus molestie.</a:t>
-            </a:r>
-          </a:p>
-          <a:p>
-            <a:pPr algn="just" marL="539749" indent="-269875" lvl="1">
-              <a:lnSpc>
-                <a:spcPts val="3499"/>
-              </a:lnSpc>
-              <a:buFont typeface="Arial"/>
-              <a:buChar char="•"/>
-            </a:pPr>
-            <a:r>
-              <a:rPr lang="en-US" sz="2499">
-                <a:solidFill>
-                  <a:srgbClr val="603F20"/>
-                </a:solidFill>
-                <a:latin typeface="Sniglet"/>
-                <a:ea typeface="Sniglet"/>
-                <a:cs typeface="Sniglet"/>
-                <a:sym typeface="Sniglet"/>
-              </a:rPr>
-              <a:t>Nulla quis libero scelerisque, hendrerit ex eu, varius metus. </a:t>
-            </a:r>
-          </a:p>
-          <a:p>
-            <a:pPr algn="just" marL="539749" indent="-269875" lvl="1">
-              <a:lnSpc>
-                <a:spcPts val="3499"/>
-              </a:lnSpc>
-              <a:buFont typeface="Arial"/>
-              <a:buChar char="•"/>
-            </a:pPr>
-            <a:r>
-              <a:rPr lang="en-US" sz="2499">
-                <a:solidFill>
-                  <a:srgbClr val="603F20"/>
-                </a:solidFill>
-                <a:latin typeface="Sniglet"/>
-                <a:ea typeface="Sniglet"/>
-                <a:cs typeface="Sniglet"/>
-                <a:sym typeface="Sniglet"/>
-              </a:rPr>
-              <a:t>Vestibulum scelerisque tellus velit, sed tempus massa venenatis eu.</a:t>
-            </a:r>
-          </a:p>
-        </p:txBody>
-      </p:sp>
-      <p:sp>
-        <p:nvSpPr>
           <p:cNvPr name="TextBox 25" id="25"/>
           <p:cNvSpPr txBox="true"/>
           <p:nvPr/>
         </p:nvSpPr>
         <p:spPr>
           <a:xfrm rot="0">
-            <a:off x="4405498" y="1144520"/>
-            <a:ext cx="9477004" cy="1184275"/>
+            <a:off x="3704459" y="1133656"/>
+            <a:ext cx="10918858" cy="1184275"/>
           </a:xfrm>
           <a:prstGeom prst="rect">
             <a:avLst/>
@@ -15606,1167 +11663,7 @@
                 <a:cs typeface="Coiny"/>
                 <a:sym typeface="Coiny"/>
               </a:rPr>
-              <a:t>DISCUSSION</a:t>
-            </a:r>
-          </a:p>
-        </p:txBody>
-      </p:sp>
-    </p:spTree>
-  </p:cSld>
-  <p:clrMapOvr>
-    <a:masterClrMapping/>
-  </p:clrMapOvr>
-  <p:transition spd="fast">
-    <p:fade/>
-  </p:transition>
-</p:sld>
-</file>
-
-<file path=ppt/slides/slide9.xml><?xml version="1.0" encoding="utf-8"?>
-<p:sld xmlns:p="http://schemas.openxmlformats.org/presentationml/2006/main" xmlns:a="http://schemas.openxmlformats.org/drawingml/2006/main" xmlns:r="http://schemas.openxmlformats.org/officeDocument/2006/relationships">
-  <p:cSld>
-    <p:bg>
-      <p:bgPr>
-        <a:solidFill>
-          <a:srgbClr val="FBF1E5"/>
-        </a:solidFill>
-      </p:bgPr>
-    </p:bg>
-    <p:spTree>
-      <p:nvGrpSpPr>
-        <p:cNvPr id="1" name=""/>
-        <p:cNvGrpSpPr/>
-        <p:nvPr/>
-      </p:nvGrpSpPr>
-      <p:grpSpPr>
-        <a:xfrm>
-          <a:off x="0" y="0"/>
-          <a:ext cx="0" cy="0"/>
-          <a:chOff x="0" y="0"/>
-          <a:chExt cx="0" cy="0"/>
-        </a:xfrm>
-      </p:grpSpPr>
-      <p:sp>
-        <p:nvSpPr>
-          <p:cNvPr name="Freeform 2" id="2"/>
-          <p:cNvSpPr/>
-          <p:nvPr/>
-        </p:nvSpPr>
-        <p:spPr>
-          <a:xfrm flipH="false" flipV="false" rot="0">
-            <a:off x="165626" y="8435643"/>
-            <a:ext cx="2774548" cy="2199460"/>
-          </a:xfrm>
-          <a:custGeom>
-            <a:avLst/>
-            <a:gdLst/>
-            <a:ahLst/>
-            <a:cxnLst/>
-            <a:rect r="r" b="b" t="t" l="l"/>
-            <a:pathLst>
-              <a:path h="2199460" w="2774548">
-                <a:moveTo>
-                  <a:pt x="0" y="0"/>
-                </a:moveTo>
-                <a:lnTo>
-                  <a:pt x="2774547" y="0"/>
-                </a:lnTo>
-                <a:lnTo>
-                  <a:pt x="2774547" y="2199460"/>
-                </a:lnTo>
-                <a:lnTo>
-                  <a:pt x="0" y="2199460"/>
-                </a:lnTo>
-                <a:lnTo>
-                  <a:pt x="0" y="0"/>
-                </a:lnTo>
-                <a:close/>
-              </a:path>
-            </a:pathLst>
-          </a:custGeom>
-          <a:blipFill>
-            <a:blip r:embed="rId2">
-              <a:extLst>
-                <a:ext uri="{96DAC541-7B7A-43D3-8B79-37D633B846F1}">
-                  <asvg:svgBlip xmlns:asvg="http://schemas.microsoft.com/office/drawing/2016/SVG/main" r:embed="rId3"/>
-                </a:ext>
-              </a:extLst>
-            </a:blip>
-            <a:stretch>
-              <a:fillRect l="0" t="0" r="0" b="0"/>
-            </a:stretch>
-          </a:blipFill>
-        </p:spPr>
-      </p:sp>
-      <p:sp>
-        <p:nvSpPr>
-          <p:cNvPr name="Freeform 3" id="3"/>
-          <p:cNvSpPr/>
-          <p:nvPr/>
-        </p:nvSpPr>
-        <p:spPr>
-          <a:xfrm flipH="false" flipV="false" rot="0">
-            <a:off x="781238" y="9134896"/>
-            <a:ext cx="569505" cy="569505"/>
-          </a:xfrm>
-          <a:custGeom>
-            <a:avLst/>
-            <a:gdLst/>
-            <a:ahLst/>
-            <a:cxnLst/>
-            <a:rect r="r" b="b" t="t" l="l"/>
-            <a:pathLst>
-              <a:path h="569505" w="569505">
-                <a:moveTo>
-                  <a:pt x="0" y="0"/>
-                </a:moveTo>
-                <a:lnTo>
-                  <a:pt x="569505" y="0"/>
-                </a:lnTo>
-                <a:lnTo>
-                  <a:pt x="569505" y="569505"/>
-                </a:lnTo>
-                <a:lnTo>
-                  <a:pt x="0" y="569505"/>
-                </a:lnTo>
-                <a:lnTo>
-                  <a:pt x="0" y="0"/>
-                </a:lnTo>
-                <a:close/>
-              </a:path>
-            </a:pathLst>
-          </a:custGeom>
-          <a:blipFill>
-            <a:blip r:embed="rId4">
-              <a:extLst>
-                <a:ext uri="{96DAC541-7B7A-43D3-8B79-37D633B846F1}">
-                  <asvg:svgBlip xmlns:asvg="http://schemas.microsoft.com/office/drawing/2016/SVG/main" r:embed="rId5"/>
-                </a:ext>
-              </a:extLst>
-            </a:blip>
-            <a:stretch>
-              <a:fillRect l="0" t="0" r="0" b="0"/>
-            </a:stretch>
-          </a:blipFill>
-        </p:spPr>
-      </p:sp>
-      <p:sp>
-        <p:nvSpPr>
-          <p:cNvPr name="Freeform 4" id="4"/>
-          <p:cNvSpPr/>
-          <p:nvPr/>
-        </p:nvSpPr>
-        <p:spPr>
-          <a:xfrm flipH="false" flipV="false" rot="0">
-            <a:off x="1863029" y="9134896"/>
-            <a:ext cx="569505" cy="569505"/>
-          </a:xfrm>
-          <a:custGeom>
-            <a:avLst/>
-            <a:gdLst/>
-            <a:ahLst/>
-            <a:cxnLst/>
-            <a:rect r="r" b="b" t="t" l="l"/>
-            <a:pathLst>
-              <a:path h="569505" w="569505">
-                <a:moveTo>
-                  <a:pt x="0" y="0"/>
-                </a:moveTo>
-                <a:lnTo>
-                  <a:pt x="569506" y="0"/>
-                </a:lnTo>
-                <a:lnTo>
-                  <a:pt x="569506" y="569505"/>
-                </a:lnTo>
-                <a:lnTo>
-                  <a:pt x="0" y="569505"/>
-                </a:lnTo>
-                <a:lnTo>
-                  <a:pt x="0" y="0"/>
-                </a:lnTo>
-                <a:close/>
-              </a:path>
-            </a:pathLst>
-          </a:custGeom>
-          <a:blipFill>
-            <a:blip r:embed="rId6">
-              <a:extLst>
-                <a:ext uri="{96DAC541-7B7A-43D3-8B79-37D633B846F1}">
-                  <asvg:svgBlip xmlns:asvg="http://schemas.microsoft.com/office/drawing/2016/SVG/main" r:embed="rId7"/>
-                </a:ext>
-              </a:extLst>
-            </a:blip>
-            <a:stretch>
-              <a:fillRect l="0" t="0" r="0" b="0"/>
-            </a:stretch>
-          </a:blipFill>
-        </p:spPr>
-      </p:sp>
-      <p:sp>
-        <p:nvSpPr>
-          <p:cNvPr name="Freeform 5" id="5"/>
-          <p:cNvSpPr/>
-          <p:nvPr/>
-        </p:nvSpPr>
-        <p:spPr>
-          <a:xfrm flipH="false" flipV="false" rot="0">
-            <a:off x="2332987" y="8435643"/>
-            <a:ext cx="3009211" cy="2199460"/>
-          </a:xfrm>
-          <a:custGeom>
-            <a:avLst/>
-            <a:gdLst/>
-            <a:ahLst/>
-            <a:cxnLst/>
-            <a:rect r="r" b="b" t="t" l="l"/>
-            <a:pathLst>
-              <a:path h="2199460" w="3009211">
-                <a:moveTo>
-                  <a:pt x="0" y="0"/>
-                </a:moveTo>
-                <a:lnTo>
-                  <a:pt x="3009211" y="0"/>
-                </a:lnTo>
-                <a:lnTo>
-                  <a:pt x="3009211" y="2199460"/>
-                </a:lnTo>
-                <a:lnTo>
-                  <a:pt x="0" y="2199460"/>
-                </a:lnTo>
-                <a:lnTo>
-                  <a:pt x="0" y="0"/>
-                </a:lnTo>
-                <a:close/>
-              </a:path>
-            </a:pathLst>
-          </a:custGeom>
-          <a:blipFill>
-            <a:blip r:embed="rId8">
-              <a:extLst>
-                <a:ext uri="{96DAC541-7B7A-43D3-8B79-37D633B846F1}">
-                  <asvg:svgBlip xmlns:asvg="http://schemas.microsoft.com/office/drawing/2016/SVG/main" r:embed="rId9"/>
-                </a:ext>
-              </a:extLst>
-            </a:blip>
-            <a:stretch>
-              <a:fillRect l="0" t="0" r="0" b="0"/>
-            </a:stretch>
-          </a:blipFill>
-        </p:spPr>
-      </p:sp>
-      <p:sp>
-        <p:nvSpPr>
-          <p:cNvPr name="Freeform 6" id="6"/>
-          <p:cNvSpPr/>
-          <p:nvPr/>
-        </p:nvSpPr>
-        <p:spPr>
-          <a:xfrm flipH="false" flipV="false" rot="0">
-            <a:off x="3105557" y="8964519"/>
-            <a:ext cx="570854" cy="570854"/>
-          </a:xfrm>
-          <a:custGeom>
-            <a:avLst/>
-            <a:gdLst/>
-            <a:ahLst/>
-            <a:cxnLst/>
-            <a:rect r="r" b="b" t="t" l="l"/>
-            <a:pathLst>
-              <a:path h="570854" w="570854">
-                <a:moveTo>
-                  <a:pt x="0" y="0"/>
-                </a:moveTo>
-                <a:lnTo>
-                  <a:pt x="570854" y="0"/>
-                </a:lnTo>
-                <a:lnTo>
-                  <a:pt x="570854" y="570854"/>
-                </a:lnTo>
-                <a:lnTo>
-                  <a:pt x="0" y="570854"/>
-                </a:lnTo>
-                <a:lnTo>
-                  <a:pt x="0" y="0"/>
-                </a:lnTo>
-                <a:close/>
-              </a:path>
-            </a:pathLst>
-          </a:custGeom>
-          <a:blipFill>
-            <a:blip r:embed="rId4">
-              <a:extLst>
-                <a:ext uri="{96DAC541-7B7A-43D3-8B79-37D633B846F1}">
-                  <asvg:svgBlip xmlns:asvg="http://schemas.microsoft.com/office/drawing/2016/SVG/main" r:embed="rId5"/>
-                </a:ext>
-              </a:extLst>
-            </a:blip>
-            <a:stretch>
-              <a:fillRect l="0" t="0" r="0" b="0"/>
-            </a:stretch>
-          </a:blipFill>
-        </p:spPr>
-      </p:sp>
-      <p:sp>
-        <p:nvSpPr>
-          <p:cNvPr name="Freeform 7" id="7"/>
-          <p:cNvSpPr/>
-          <p:nvPr/>
-        </p:nvSpPr>
-        <p:spPr>
-          <a:xfrm flipH="false" flipV="false" rot="0">
-            <a:off x="4145541" y="8964519"/>
-            <a:ext cx="570854" cy="570854"/>
-          </a:xfrm>
-          <a:custGeom>
-            <a:avLst/>
-            <a:gdLst/>
-            <a:ahLst/>
-            <a:cxnLst/>
-            <a:rect r="r" b="b" t="t" l="l"/>
-            <a:pathLst>
-              <a:path h="570854" w="570854">
-                <a:moveTo>
-                  <a:pt x="0" y="0"/>
-                </a:moveTo>
-                <a:lnTo>
-                  <a:pt x="570854" y="0"/>
-                </a:lnTo>
-                <a:lnTo>
-                  <a:pt x="570854" y="570854"/>
-                </a:lnTo>
-                <a:lnTo>
-                  <a:pt x="0" y="570854"/>
-                </a:lnTo>
-                <a:lnTo>
-                  <a:pt x="0" y="0"/>
-                </a:lnTo>
-                <a:close/>
-              </a:path>
-            </a:pathLst>
-          </a:custGeom>
-          <a:blipFill>
-            <a:blip r:embed="rId6">
-              <a:extLst>
-                <a:ext uri="{96DAC541-7B7A-43D3-8B79-37D633B846F1}">
-                  <asvg:svgBlip xmlns:asvg="http://schemas.microsoft.com/office/drawing/2016/SVG/main" r:embed="rId7"/>
-                </a:ext>
-              </a:extLst>
-            </a:blip>
-            <a:stretch>
-              <a:fillRect l="0" t="0" r="0" b="0"/>
-            </a:stretch>
-          </a:blipFill>
-        </p:spPr>
-      </p:sp>
-      <p:sp>
-        <p:nvSpPr>
-          <p:cNvPr name="Freeform 8" id="8"/>
-          <p:cNvSpPr/>
-          <p:nvPr/>
-        </p:nvSpPr>
-        <p:spPr>
-          <a:xfrm flipH="false" flipV="false" rot="0">
-            <a:off x="4852852" y="8435643"/>
-            <a:ext cx="2549951" cy="2063142"/>
-          </a:xfrm>
-          <a:custGeom>
-            <a:avLst/>
-            <a:gdLst/>
-            <a:ahLst/>
-            <a:cxnLst/>
-            <a:rect r="r" b="b" t="t" l="l"/>
-            <a:pathLst>
-              <a:path h="2063142" w="2549951">
-                <a:moveTo>
-                  <a:pt x="0" y="0"/>
-                </a:moveTo>
-                <a:lnTo>
-                  <a:pt x="2549952" y="0"/>
-                </a:lnTo>
-                <a:lnTo>
-                  <a:pt x="2549952" y="2063143"/>
-                </a:lnTo>
-                <a:lnTo>
-                  <a:pt x="0" y="2063143"/>
-                </a:lnTo>
-                <a:lnTo>
-                  <a:pt x="0" y="0"/>
-                </a:lnTo>
-                <a:close/>
-              </a:path>
-            </a:pathLst>
-          </a:custGeom>
-          <a:blipFill>
-            <a:blip r:embed="rId10">
-              <a:extLst>
-                <a:ext uri="{96DAC541-7B7A-43D3-8B79-37D633B846F1}">
-                  <asvg:svgBlip xmlns:asvg="http://schemas.microsoft.com/office/drawing/2016/SVG/main" r:embed="rId11"/>
-                </a:ext>
-              </a:extLst>
-            </a:blip>
-            <a:stretch>
-              <a:fillRect l="0" t="0" r="0" b="0"/>
-            </a:stretch>
-          </a:blipFill>
-        </p:spPr>
-      </p:sp>
-      <p:sp>
-        <p:nvSpPr>
-          <p:cNvPr name="Freeform 9" id="9"/>
-          <p:cNvSpPr/>
-          <p:nvPr/>
-        </p:nvSpPr>
-        <p:spPr>
-          <a:xfrm flipH="false" flipV="false" rot="0">
-            <a:off x="5344814" y="9133984"/>
-            <a:ext cx="537403" cy="537403"/>
-          </a:xfrm>
-          <a:custGeom>
-            <a:avLst/>
-            <a:gdLst/>
-            <a:ahLst/>
-            <a:cxnLst/>
-            <a:rect r="r" b="b" t="t" l="l"/>
-            <a:pathLst>
-              <a:path h="537403" w="537403">
-                <a:moveTo>
-                  <a:pt x="0" y="0"/>
-                </a:moveTo>
-                <a:lnTo>
-                  <a:pt x="537403" y="0"/>
-                </a:lnTo>
-                <a:lnTo>
-                  <a:pt x="537403" y="537403"/>
-                </a:lnTo>
-                <a:lnTo>
-                  <a:pt x="0" y="537403"/>
-                </a:lnTo>
-                <a:lnTo>
-                  <a:pt x="0" y="0"/>
-                </a:lnTo>
-                <a:close/>
-              </a:path>
-            </a:pathLst>
-          </a:custGeom>
-          <a:blipFill>
-            <a:blip r:embed="rId4">
-              <a:extLst>
-                <a:ext uri="{96DAC541-7B7A-43D3-8B79-37D633B846F1}">
-                  <asvg:svgBlip xmlns:asvg="http://schemas.microsoft.com/office/drawing/2016/SVG/main" r:embed="rId5"/>
-                </a:ext>
-              </a:extLst>
-            </a:blip>
-            <a:stretch>
-              <a:fillRect l="0" t="0" r="0" b="0"/>
-            </a:stretch>
-          </a:blipFill>
-        </p:spPr>
-      </p:sp>
-      <p:sp>
-        <p:nvSpPr>
-          <p:cNvPr name="Freeform 10" id="10"/>
-          <p:cNvSpPr/>
-          <p:nvPr/>
-        </p:nvSpPr>
-        <p:spPr>
-          <a:xfrm flipH="false" flipV="false" rot="0">
-            <a:off x="6321192" y="9304173"/>
-            <a:ext cx="537403" cy="537403"/>
-          </a:xfrm>
-          <a:custGeom>
-            <a:avLst/>
-            <a:gdLst/>
-            <a:ahLst/>
-            <a:cxnLst/>
-            <a:rect r="r" b="b" t="t" l="l"/>
-            <a:pathLst>
-              <a:path h="537403" w="537403">
-                <a:moveTo>
-                  <a:pt x="0" y="0"/>
-                </a:moveTo>
-                <a:lnTo>
-                  <a:pt x="537403" y="0"/>
-                </a:lnTo>
-                <a:lnTo>
-                  <a:pt x="537403" y="537403"/>
-                </a:lnTo>
-                <a:lnTo>
-                  <a:pt x="0" y="537403"/>
-                </a:lnTo>
-                <a:lnTo>
-                  <a:pt x="0" y="0"/>
-                </a:lnTo>
-                <a:close/>
-              </a:path>
-            </a:pathLst>
-          </a:custGeom>
-          <a:blipFill>
-            <a:blip r:embed="rId6">
-              <a:extLst>
-                <a:ext uri="{96DAC541-7B7A-43D3-8B79-37D633B846F1}">
-                  <asvg:svgBlip xmlns:asvg="http://schemas.microsoft.com/office/drawing/2016/SVG/main" r:embed="rId7"/>
-                </a:ext>
-              </a:extLst>
-            </a:blip>
-            <a:stretch>
-              <a:fillRect l="0" t="0" r="0" b="0"/>
-            </a:stretch>
-          </a:blipFill>
-        </p:spPr>
-      </p:sp>
-      <p:sp>
-        <p:nvSpPr>
-          <p:cNvPr name="Freeform 11" id="11"/>
-          <p:cNvSpPr/>
-          <p:nvPr/>
-        </p:nvSpPr>
-        <p:spPr>
-          <a:xfrm flipH="false" flipV="false" rot="0">
-            <a:off x="656629" y="-1454758"/>
-            <a:ext cx="5469322" cy="4430150"/>
-          </a:xfrm>
-          <a:custGeom>
-            <a:avLst/>
-            <a:gdLst/>
-            <a:ahLst/>
-            <a:cxnLst/>
-            <a:rect r="r" b="b" t="t" l="l"/>
-            <a:pathLst>
-              <a:path h="4430150" w="5469322">
-                <a:moveTo>
-                  <a:pt x="0" y="0"/>
-                </a:moveTo>
-                <a:lnTo>
-                  <a:pt x="5469321" y="0"/>
-                </a:lnTo>
-                <a:lnTo>
-                  <a:pt x="5469321" y="4430150"/>
-                </a:lnTo>
-                <a:lnTo>
-                  <a:pt x="0" y="4430150"/>
-                </a:lnTo>
-                <a:lnTo>
-                  <a:pt x="0" y="0"/>
-                </a:lnTo>
-                <a:close/>
-              </a:path>
-            </a:pathLst>
-          </a:custGeom>
-          <a:blipFill>
-            <a:blip r:embed="rId12">
-              <a:extLst>
-                <a:ext uri="{96DAC541-7B7A-43D3-8B79-37D633B846F1}">
-                  <asvg:svgBlip xmlns:asvg="http://schemas.microsoft.com/office/drawing/2016/SVG/main" r:embed="rId13"/>
-                </a:ext>
-              </a:extLst>
-            </a:blip>
-            <a:stretch>
-              <a:fillRect l="0" t="0" r="0" b="0"/>
-            </a:stretch>
-          </a:blipFill>
-        </p:spPr>
-      </p:sp>
-      <p:sp>
-        <p:nvSpPr>
-          <p:cNvPr name="Freeform 12" id="12"/>
-          <p:cNvSpPr/>
-          <p:nvPr/>
-        </p:nvSpPr>
-        <p:spPr>
-          <a:xfrm flipH="false" flipV="false" rot="-7405970">
-            <a:off x="14979699" y="-480127"/>
-            <a:ext cx="1543050" cy="2057400"/>
-          </a:xfrm>
-          <a:custGeom>
-            <a:avLst/>
-            <a:gdLst/>
-            <a:ahLst/>
-            <a:cxnLst/>
-            <a:rect r="r" b="b" t="t" l="l"/>
-            <a:pathLst>
-              <a:path h="2057400" w="1543050">
-                <a:moveTo>
-                  <a:pt x="0" y="0"/>
-                </a:moveTo>
-                <a:lnTo>
-                  <a:pt x="1543050" y="0"/>
-                </a:lnTo>
-                <a:lnTo>
-                  <a:pt x="1543050" y="2057400"/>
-                </a:lnTo>
-                <a:lnTo>
-                  <a:pt x="0" y="2057400"/>
-                </a:lnTo>
-                <a:lnTo>
-                  <a:pt x="0" y="0"/>
-                </a:lnTo>
-                <a:close/>
-              </a:path>
-            </a:pathLst>
-          </a:custGeom>
-          <a:blipFill>
-            <a:blip r:embed="rId14">
-              <a:extLst>
-                <a:ext uri="{96DAC541-7B7A-43D3-8B79-37D633B846F1}">
-                  <asvg:svgBlip xmlns:asvg="http://schemas.microsoft.com/office/drawing/2016/SVG/main" r:embed="rId15"/>
-                </a:ext>
-              </a:extLst>
-            </a:blip>
-            <a:stretch>
-              <a:fillRect l="0" t="0" r="0" b="0"/>
-            </a:stretch>
-          </a:blipFill>
-        </p:spPr>
-      </p:sp>
-      <p:sp>
-        <p:nvSpPr>
-          <p:cNvPr name="Freeform 13" id="13"/>
-          <p:cNvSpPr/>
-          <p:nvPr/>
-        </p:nvSpPr>
-        <p:spPr>
-          <a:xfrm flipH="false" flipV="false" rot="1532144">
-            <a:off x="-358231" y="4873014"/>
-            <a:ext cx="1543050" cy="2057400"/>
-          </a:xfrm>
-          <a:custGeom>
-            <a:avLst/>
-            <a:gdLst/>
-            <a:ahLst/>
-            <a:cxnLst/>
-            <a:rect r="r" b="b" t="t" l="l"/>
-            <a:pathLst>
-              <a:path h="2057400" w="1543050">
-                <a:moveTo>
-                  <a:pt x="0" y="0"/>
-                </a:moveTo>
-                <a:lnTo>
-                  <a:pt x="1543050" y="0"/>
-                </a:lnTo>
-                <a:lnTo>
-                  <a:pt x="1543050" y="2057400"/>
-                </a:lnTo>
-                <a:lnTo>
-                  <a:pt x="0" y="2057400"/>
-                </a:lnTo>
-                <a:lnTo>
-                  <a:pt x="0" y="0"/>
-                </a:lnTo>
-                <a:close/>
-              </a:path>
-            </a:pathLst>
-          </a:custGeom>
-          <a:blipFill>
-            <a:blip r:embed="rId14">
-              <a:extLst>
-                <a:ext uri="{96DAC541-7B7A-43D3-8B79-37D633B846F1}">
-                  <asvg:svgBlip xmlns:asvg="http://schemas.microsoft.com/office/drawing/2016/SVG/main" r:embed="rId15"/>
-                </a:ext>
-              </a:extLst>
-            </a:blip>
-            <a:stretch>
-              <a:fillRect l="0" t="0" r="0" b="0"/>
-            </a:stretch>
-          </a:blipFill>
-        </p:spPr>
-      </p:sp>
-      <p:sp>
-        <p:nvSpPr>
-          <p:cNvPr name="Freeform 14" id="14"/>
-          <p:cNvSpPr/>
-          <p:nvPr/>
-        </p:nvSpPr>
-        <p:spPr>
-          <a:xfrm flipH="false" flipV="false" rot="0">
-            <a:off x="7895649" y="5978076"/>
-            <a:ext cx="5358600" cy="4520709"/>
-          </a:xfrm>
-          <a:custGeom>
-            <a:avLst/>
-            <a:gdLst/>
-            <a:ahLst/>
-            <a:cxnLst/>
-            <a:rect r="r" b="b" t="t" l="l"/>
-            <a:pathLst>
-              <a:path h="4520709" w="5358600">
-                <a:moveTo>
-                  <a:pt x="0" y="0"/>
-                </a:moveTo>
-                <a:lnTo>
-                  <a:pt x="5358600" y="0"/>
-                </a:lnTo>
-                <a:lnTo>
-                  <a:pt x="5358600" y="4520710"/>
-                </a:lnTo>
-                <a:lnTo>
-                  <a:pt x="0" y="4520710"/>
-                </a:lnTo>
-                <a:lnTo>
-                  <a:pt x="0" y="0"/>
-                </a:lnTo>
-                <a:close/>
-              </a:path>
-            </a:pathLst>
-          </a:custGeom>
-          <a:blipFill>
-            <a:blip r:embed="rId16">
-              <a:extLst>
-                <a:ext uri="{96DAC541-7B7A-43D3-8B79-37D633B846F1}">
-                  <asvg:svgBlip xmlns:asvg="http://schemas.microsoft.com/office/drawing/2016/SVG/main" r:embed="rId17"/>
-                </a:ext>
-              </a:extLst>
-            </a:blip>
-            <a:stretch>
-              <a:fillRect l="0" t="0" r="0" b="0"/>
-            </a:stretch>
-          </a:blipFill>
-        </p:spPr>
-      </p:sp>
-      <p:sp>
-        <p:nvSpPr>
-          <p:cNvPr name="Freeform 15" id="15"/>
-          <p:cNvSpPr/>
-          <p:nvPr/>
-        </p:nvSpPr>
-        <p:spPr>
-          <a:xfrm flipH="false" flipV="false" rot="-6258949">
-            <a:off x="9042013" y="7440385"/>
-            <a:ext cx="894876" cy="1398244"/>
-          </a:xfrm>
-          <a:custGeom>
-            <a:avLst/>
-            <a:gdLst/>
-            <a:ahLst/>
-            <a:cxnLst/>
-            <a:rect r="r" b="b" t="t" l="l"/>
-            <a:pathLst>
-              <a:path h="1398244" w="894876">
-                <a:moveTo>
-                  <a:pt x="0" y="0"/>
-                </a:moveTo>
-                <a:lnTo>
-                  <a:pt x="894877" y="0"/>
-                </a:lnTo>
-                <a:lnTo>
-                  <a:pt x="894877" y="1398244"/>
-                </a:lnTo>
-                <a:lnTo>
-                  <a:pt x="0" y="1398244"/>
-                </a:lnTo>
-                <a:lnTo>
-                  <a:pt x="0" y="0"/>
-                </a:lnTo>
-                <a:close/>
-              </a:path>
-            </a:pathLst>
-          </a:custGeom>
-          <a:blipFill>
-            <a:blip r:embed="rId18">
-              <a:extLst>
-                <a:ext uri="{96DAC541-7B7A-43D3-8B79-37D633B846F1}">
-                  <asvg:svgBlip xmlns:asvg="http://schemas.microsoft.com/office/drawing/2016/SVG/main" r:embed="rId19"/>
-                </a:ext>
-              </a:extLst>
-            </a:blip>
-            <a:stretch>
-              <a:fillRect l="0" t="0" r="0" b="0"/>
-            </a:stretch>
-          </a:blipFill>
-        </p:spPr>
-      </p:sp>
-      <p:sp>
-        <p:nvSpPr>
-          <p:cNvPr name="Freeform 16" id="16"/>
-          <p:cNvSpPr/>
-          <p:nvPr/>
-        </p:nvSpPr>
-        <p:spPr>
-          <a:xfrm flipH="false" flipV="false" rot="-6529594">
-            <a:off x="11093479" y="7428499"/>
-            <a:ext cx="691254" cy="1080084"/>
-          </a:xfrm>
-          <a:custGeom>
-            <a:avLst/>
-            <a:gdLst/>
-            <a:ahLst/>
-            <a:cxnLst/>
-            <a:rect r="r" b="b" t="t" l="l"/>
-            <a:pathLst>
-              <a:path h="1080084" w="691254">
-                <a:moveTo>
-                  <a:pt x="0" y="0"/>
-                </a:moveTo>
-                <a:lnTo>
-                  <a:pt x="691254" y="0"/>
-                </a:lnTo>
-                <a:lnTo>
-                  <a:pt x="691254" y="1080084"/>
-                </a:lnTo>
-                <a:lnTo>
-                  <a:pt x="0" y="1080084"/>
-                </a:lnTo>
-                <a:lnTo>
-                  <a:pt x="0" y="0"/>
-                </a:lnTo>
-                <a:close/>
-              </a:path>
-            </a:pathLst>
-          </a:custGeom>
-          <a:blipFill>
-            <a:blip r:embed="rId20">
-              <a:extLst>
-                <a:ext uri="{96DAC541-7B7A-43D3-8B79-37D633B846F1}">
-                  <asvg:svgBlip xmlns:asvg="http://schemas.microsoft.com/office/drawing/2016/SVG/main" r:embed="rId21"/>
-                </a:ext>
-              </a:extLst>
-            </a:blip>
-            <a:stretch>
-              <a:fillRect l="0" t="0" r="0" b="0"/>
-            </a:stretch>
-          </a:blipFill>
-        </p:spPr>
-      </p:sp>
-      <p:sp>
-        <p:nvSpPr>
-          <p:cNvPr name="Freeform 17" id="17"/>
-          <p:cNvSpPr/>
-          <p:nvPr/>
-        </p:nvSpPr>
-        <p:spPr>
-          <a:xfrm flipH="false" flipV="false" rot="0">
-            <a:off x="13273299" y="8480403"/>
-            <a:ext cx="2477926" cy="2018383"/>
-          </a:xfrm>
-          <a:custGeom>
-            <a:avLst/>
-            <a:gdLst/>
-            <a:ahLst/>
-            <a:cxnLst/>
-            <a:rect r="r" b="b" t="t" l="l"/>
-            <a:pathLst>
-              <a:path h="2018383" w="2477926">
-                <a:moveTo>
-                  <a:pt x="0" y="0"/>
-                </a:moveTo>
-                <a:lnTo>
-                  <a:pt x="2477925" y="0"/>
-                </a:lnTo>
-                <a:lnTo>
-                  <a:pt x="2477925" y="2018383"/>
-                </a:lnTo>
-                <a:lnTo>
-                  <a:pt x="0" y="2018383"/>
-                </a:lnTo>
-                <a:lnTo>
-                  <a:pt x="0" y="0"/>
-                </a:lnTo>
-                <a:close/>
-              </a:path>
-            </a:pathLst>
-          </a:custGeom>
-          <a:blipFill>
-            <a:blip r:embed="rId22">
-              <a:extLst>
-                <a:ext uri="{96DAC541-7B7A-43D3-8B79-37D633B846F1}">
-                  <asvg:svgBlip xmlns:asvg="http://schemas.microsoft.com/office/drawing/2016/SVG/main" r:embed="rId23"/>
-                </a:ext>
-              </a:extLst>
-            </a:blip>
-            <a:stretch>
-              <a:fillRect l="0" t="0" r="0" b="0"/>
-            </a:stretch>
-          </a:blipFill>
-        </p:spPr>
-      </p:sp>
-      <p:sp>
-        <p:nvSpPr>
-          <p:cNvPr name="Freeform 18" id="18"/>
-          <p:cNvSpPr/>
-          <p:nvPr/>
-        </p:nvSpPr>
-        <p:spPr>
-          <a:xfrm flipH="false" flipV="false" rot="0">
-            <a:off x="14267461" y="9286474"/>
-            <a:ext cx="489601" cy="489601"/>
-          </a:xfrm>
-          <a:custGeom>
-            <a:avLst/>
-            <a:gdLst/>
-            <a:ahLst/>
-            <a:cxnLst/>
-            <a:rect r="r" b="b" t="t" l="l"/>
-            <a:pathLst>
-              <a:path h="489601" w="489601">
-                <a:moveTo>
-                  <a:pt x="0" y="0"/>
-                </a:moveTo>
-                <a:lnTo>
-                  <a:pt x="489601" y="0"/>
-                </a:lnTo>
-                <a:lnTo>
-                  <a:pt x="489601" y="489601"/>
-                </a:lnTo>
-                <a:lnTo>
-                  <a:pt x="0" y="489601"/>
-                </a:lnTo>
-                <a:lnTo>
-                  <a:pt x="0" y="0"/>
-                </a:lnTo>
-                <a:close/>
-              </a:path>
-            </a:pathLst>
-          </a:custGeom>
-          <a:blipFill>
-            <a:blip r:embed="rId6">
-              <a:extLst>
-                <a:ext uri="{96DAC541-7B7A-43D3-8B79-37D633B846F1}">
-                  <asvg:svgBlip xmlns:asvg="http://schemas.microsoft.com/office/drawing/2016/SVG/main" r:embed="rId7"/>
-                </a:ext>
-              </a:extLst>
-            </a:blip>
-            <a:stretch>
-              <a:fillRect l="0" t="0" r="0" b="0"/>
-            </a:stretch>
-          </a:blipFill>
-        </p:spPr>
-      </p:sp>
-      <p:sp>
-        <p:nvSpPr>
-          <p:cNvPr name="Freeform 19" id="19"/>
-          <p:cNvSpPr/>
-          <p:nvPr/>
-        </p:nvSpPr>
-        <p:spPr>
-          <a:xfrm flipH="false" flipV="false" rot="0">
-            <a:off x="15218822" y="8480403"/>
-            <a:ext cx="2587670" cy="2018383"/>
-          </a:xfrm>
-          <a:custGeom>
-            <a:avLst/>
-            <a:gdLst/>
-            <a:ahLst/>
-            <a:cxnLst/>
-            <a:rect r="r" b="b" t="t" l="l"/>
-            <a:pathLst>
-              <a:path h="2018383" w="2587670">
-                <a:moveTo>
-                  <a:pt x="0" y="0"/>
-                </a:moveTo>
-                <a:lnTo>
-                  <a:pt x="2587670" y="0"/>
-                </a:lnTo>
-                <a:lnTo>
-                  <a:pt x="2587670" y="2018383"/>
-                </a:lnTo>
-                <a:lnTo>
-                  <a:pt x="0" y="2018383"/>
-                </a:lnTo>
-                <a:lnTo>
-                  <a:pt x="0" y="0"/>
-                </a:lnTo>
-                <a:close/>
-              </a:path>
-            </a:pathLst>
-          </a:custGeom>
-          <a:blipFill>
-            <a:blip r:embed="rId24">
-              <a:extLst>
-                <a:ext uri="{96DAC541-7B7A-43D3-8B79-37D633B846F1}">
-                  <asvg:svgBlip xmlns:asvg="http://schemas.microsoft.com/office/drawing/2016/SVG/main" r:embed="rId25"/>
-                </a:ext>
-              </a:extLst>
-            </a:blip>
-            <a:stretch>
-              <a:fillRect l="0" t="0" r="0" b="0"/>
-            </a:stretch>
-          </a:blipFill>
-        </p:spPr>
-      </p:sp>
-      <p:sp>
-        <p:nvSpPr>
-          <p:cNvPr name="Freeform 20" id="20"/>
-          <p:cNvSpPr/>
-          <p:nvPr/>
-        </p:nvSpPr>
-        <p:spPr>
-          <a:xfrm flipH="false" flipV="false" rot="0">
-            <a:off x="15751224" y="9002409"/>
-            <a:ext cx="559539" cy="559539"/>
-          </a:xfrm>
-          <a:custGeom>
-            <a:avLst/>
-            <a:gdLst/>
-            <a:ahLst/>
-            <a:cxnLst/>
-            <a:rect r="r" b="b" t="t" l="l"/>
-            <a:pathLst>
-              <a:path h="559539" w="559539">
-                <a:moveTo>
-                  <a:pt x="0" y="0"/>
-                </a:moveTo>
-                <a:lnTo>
-                  <a:pt x="559540" y="0"/>
-                </a:lnTo>
-                <a:lnTo>
-                  <a:pt x="559540" y="559539"/>
-                </a:lnTo>
-                <a:lnTo>
-                  <a:pt x="0" y="559539"/>
-                </a:lnTo>
-                <a:lnTo>
-                  <a:pt x="0" y="0"/>
-                </a:lnTo>
-                <a:close/>
-              </a:path>
-            </a:pathLst>
-          </a:custGeom>
-          <a:blipFill>
-            <a:blip r:embed="rId4">
-              <a:extLst>
-                <a:ext uri="{96DAC541-7B7A-43D3-8B79-37D633B846F1}">
-                  <asvg:svgBlip xmlns:asvg="http://schemas.microsoft.com/office/drawing/2016/SVG/main" r:embed="rId5"/>
-                </a:ext>
-              </a:extLst>
-            </a:blip>
-            <a:stretch>
-              <a:fillRect l="0" t="0" r="0" b="0"/>
-            </a:stretch>
-          </a:blipFill>
-        </p:spPr>
-      </p:sp>
-      <p:sp>
-        <p:nvSpPr>
-          <p:cNvPr name="Freeform 21" id="21"/>
-          <p:cNvSpPr/>
-          <p:nvPr/>
-        </p:nvSpPr>
-        <p:spPr>
-          <a:xfrm flipH="false" flipV="false" rot="9279652">
-            <a:off x="16550564" y="9287504"/>
-            <a:ext cx="687176" cy="343588"/>
-          </a:xfrm>
-          <a:custGeom>
-            <a:avLst/>
-            <a:gdLst/>
-            <a:ahLst/>
-            <a:cxnLst/>
-            <a:rect r="r" b="b" t="t" l="l"/>
-            <a:pathLst>
-              <a:path h="343588" w="687176">
-                <a:moveTo>
-                  <a:pt x="0" y="0"/>
-                </a:moveTo>
-                <a:lnTo>
-                  <a:pt x="687176" y="0"/>
-                </a:lnTo>
-                <a:lnTo>
-                  <a:pt x="687176" y="343588"/>
-                </a:lnTo>
-                <a:lnTo>
-                  <a:pt x="0" y="343588"/>
-                </a:lnTo>
-                <a:lnTo>
-                  <a:pt x="0" y="0"/>
-                </a:lnTo>
-                <a:close/>
-              </a:path>
-            </a:pathLst>
-          </a:custGeom>
-          <a:blipFill>
-            <a:blip r:embed="rId26">
-              <a:extLst>
-                <a:ext uri="{96DAC541-7B7A-43D3-8B79-37D633B846F1}">
-                  <asvg:svgBlip xmlns:asvg="http://schemas.microsoft.com/office/drawing/2016/SVG/main" r:embed="rId27"/>
-                </a:ext>
-              </a:extLst>
-            </a:blip>
-            <a:stretch>
-              <a:fillRect l="0" t="0" r="0" b="0"/>
-            </a:stretch>
-          </a:blipFill>
-        </p:spPr>
-      </p:sp>
-      <p:sp>
-        <p:nvSpPr>
-          <p:cNvPr name="TextBox 22" id="22"/>
-          <p:cNvSpPr txBox="true"/>
-          <p:nvPr/>
-        </p:nvSpPr>
-        <p:spPr>
-          <a:xfrm rot="0">
-            <a:off x="3673297" y="3383653"/>
-            <a:ext cx="10941407" cy="2613130"/>
-          </a:xfrm>
-          <a:prstGeom prst="rect">
-            <a:avLst/>
-          </a:prstGeom>
-        </p:spPr>
-        <p:txBody>
-          <a:bodyPr anchor="t" rtlCol="false" tIns="0" lIns="0" bIns="0" rIns="0">
-            <a:spAutoFit/>
-          </a:bodyPr>
-          <a:lstStyle/>
-          <a:p>
-            <a:pPr algn="just">
-              <a:lnSpc>
-                <a:spcPts val="3499"/>
-              </a:lnSpc>
-              <a:spcBef>
-                <a:spcPct val="0"/>
-              </a:spcBef>
-            </a:pPr>
-            <a:r>
-              <a:rPr lang="en-US" sz="2499">
-                <a:solidFill>
-                  <a:srgbClr val="603F20"/>
-                </a:solidFill>
-                <a:latin typeface="Sniglet"/>
-                <a:ea typeface="Sniglet"/>
-                <a:cs typeface="Sniglet"/>
-                <a:sym typeface="Sniglet"/>
-              </a:rPr>
-              <a:t>Lorem ipsum dolor sit amet, consectetur adipiscing elit. Duis viverra dui mauris, sed hendrerit mi cursus faucibus. Proin accumsan arcu eu tempus molestie. Nulla quis libero scelerisque, hendrerit ex eu, varius metus. Vestibulum scelerisque tellus velit, sed tempus massa venenatis eu. Duis sit amet elementum diam. Cras blandit feugiat arcu, id tempor dui finibus ac. Pellentesque faucibus feugiat nibh vel feugiat.</a:t>
-            </a:r>
-          </a:p>
-        </p:txBody>
-      </p:sp>
-      <p:sp>
-        <p:nvSpPr>
-          <p:cNvPr name="TextBox 23" id="23"/>
-          <p:cNvSpPr txBox="true"/>
-          <p:nvPr/>
-        </p:nvSpPr>
-        <p:spPr>
-          <a:xfrm rot="0">
-            <a:off x="3777203" y="1253329"/>
-            <a:ext cx="10733594" cy="1184275"/>
-          </a:xfrm>
-          <a:prstGeom prst="rect">
-            <a:avLst/>
-          </a:prstGeom>
-        </p:spPr>
-        <p:txBody>
-          <a:bodyPr anchor="t" rtlCol="false" tIns="0" lIns="0" bIns="0" rIns="0">
-            <a:spAutoFit/>
-          </a:bodyPr>
-          <a:lstStyle/>
-          <a:p>
-            <a:pPr algn="ctr">
-              <a:lnSpc>
-                <a:spcPts val="9799"/>
-              </a:lnSpc>
-            </a:pPr>
-            <a:r>
-              <a:rPr lang="en-US" sz="6999">
-                <a:solidFill>
-                  <a:srgbClr val="603F20"/>
-                </a:solidFill>
-                <a:latin typeface="Coiny"/>
-                <a:ea typeface="Coiny"/>
-                <a:cs typeface="Coiny"/>
-                <a:sym typeface="Coiny"/>
-              </a:rPr>
-              <a:t>CONCLUSION</a:t>
+              <a:t>まとめ</a:t>
             </a:r>
           </a:p>
         </p:txBody>
